--- a/NFC.pptx
+++ b/NFC.pptx
@@ -10,19 +10,29 @@
     <p:sldId id="256" r:id="rId4"/>
     <p:sldId id="259" r:id="rId5"/>
     <p:sldId id="261" r:id="rId6"/>
-    <p:sldId id="257" r:id="rId7"/>
-    <p:sldId id="260" r:id="rId8"/>
-    <p:sldId id="262" r:id="rId9"/>
-    <p:sldId id="263" r:id="rId10"/>
-    <p:sldId id="264" r:id="rId11"/>
-    <p:sldId id="266" r:id="rId12"/>
-    <p:sldId id="270" r:id="rId13"/>
-    <p:sldId id="265" r:id="rId14"/>
-    <p:sldId id="267" r:id="rId15"/>
-    <p:sldId id="269" r:id="rId16"/>
-    <p:sldId id="268" r:id="rId17"/>
-    <p:sldId id="271" r:id="rId18"/>
-    <p:sldId id="258" r:id="rId19"/>
+    <p:sldId id="272" r:id="rId7"/>
+    <p:sldId id="273" r:id="rId8"/>
+    <p:sldId id="275" r:id="rId9"/>
+    <p:sldId id="274" r:id="rId10"/>
+    <p:sldId id="276" r:id="rId11"/>
+    <p:sldId id="278" r:id="rId12"/>
+    <p:sldId id="279" r:id="rId13"/>
+    <p:sldId id="280" r:id="rId14"/>
+    <p:sldId id="282" r:id="rId15"/>
+    <p:sldId id="283" r:id="rId16"/>
+    <p:sldId id="257" r:id="rId17"/>
+    <p:sldId id="260" r:id="rId18"/>
+    <p:sldId id="262" r:id="rId19"/>
+    <p:sldId id="263" r:id="rId20"/>
+    <p:sldId id="264" r:id="rId21"/>
+    <p:sldId id="266" r:id="rId22"/>
+    <p:sldId id="270" r:id="rId23"/>
+    <p:sldId id="265" r:id="rId24"/>
+    <p:sldId id="267" r:id="rId25"/>
+    <p:sldId id="269" r:id="rId26"/>
+    <p:sldId id="268" r:id="rId27"/>
+    <p:sldId id="271" r:id="rId28"/>
+    <p:sldId id="258" r:id="rId29"/>
   </p:sldIdLst>
   <p:sldSz cx="12192000" cy="6858000"/>
   <p:notesSz cx="6858000" cy="9144000"/>
@@ -129,6 +139,10 @@
 </p:presentation>
 </file>
 
+<file path=ppt/revisionInfo.xml><?xml version="1.0" encoding="utf-8"?>
+<p1510:revInfo xmlns:a="http://schemas.openxmlformats.org/drawingml/2006/main" xmlns:r="http://schemas.openxmlformats.org/officeDocument/2006/relationships" xmlns:p1510="http://schemas.microsoft.com/office/powerpoint/2015/10/main"/>
+</file>
+
 <file path=ppt/slideLayouts/slideLayout1.xml><?xml version="1.0" encoding="utf-8"?>
 <p:sldLayout xmlns:a="http://schemas.openxmlformats.org/drawingml/2006/main" xmlns:r="http://schemas.openxmlformats.org/officeDocument/2006/relationships" xmlns:p="http://schemas.openxmlformats.org/presentationml/2006/main" type="title" preserve="1">
   <p:cSld name="Hauptthema">
@@ -186,7 +200,7 @@
           </a:lstStyle>
           <a:p>
             <a:r>
-              <a:rPr lang="de-DE" smtClean="0"/>
+              <a:rPr lang="de-DE"/>
               <a:t>Titelmasterformat durch Klicken bearbeiten</a:t>
             </a:r>
             <a:endParaRPr lang="en-US" dirty="0"/>
@@ -261,7 +275,7 @@
           </a:lstStyle>
           <a:p>
             <a:r>
-              <a:rPr lang="de-DE" smtClean="0"/>
+              <a:rPr lang="de-DE"/>
               <a:t>Formatvorlage des Untertitelmasters durch Klicken bearbeiten</a:t>
             </a:r>
             <a:endParaRPr lang="en-US" dirty="0"/>
@@ -297,7 +311,7 @@
                 </a:solidFill>
               </a:rPr>
               <a:pPr/>
-              <a:t>08.05.2017</a:t>
+              <a:t>25.05.2017</a:t>
             </a:fld>
             <a:endParaRPr lang="de-DE" dirty="0">
               <a:solidFill>
@@ -468,13 +482,6 @@
   <p:clrMapOvr>
     <a:masterClrMapping/>
   </p:clrMapOvr>
-  <p:timing>
-    <p:tnLst>
-      <p:par>
-        <p:cTn id="1" dur="indefinite" restart="never" nodeType="tmRoot"/>
-      </p:par>
-    </p:tnLst>
-  </p:timing>
 </p:sldLayout>
 </file>
 
@@ -520,7 +527,7 @@
                 </a:solidFill>
               </a:rPr>
               <a:pPr/>
-              <a:t>08.05.2017</a:t>
+              <a:t>25.05.2017</a:t>
             </a:fld>
             <a:endParaRPr lang="de-DE" dirty="0">
               <a:solidFill>
@@ -595,10 +602,9 @@
           <a:lstStyle/>
           <a:p>
             <a:r>
-              <a:rPr lang="de-DE" smtClean="0"/>
+              <a:rPr lang="de-DE"/>
               <a:t>Bild durch Klicken auf Symbol hinzufügen</a:t>
             </a:r>
-            <a:endParaRPr lang="de-DE"/>
           </a:p>
         </p:txBody>
       </p:sp>
@@ -692,7 +698,7 @@
           </a:lstStyle>
           <a:p>
             <a:r>
-              <a:rPr lang="de-DE" sz="4800" dirty="0" smtClean="0">
+              <a:rPr lang="de-DE" sz="4800" dirty="0">
                 <a:solidFill>
                   <a:schemeClr val="accent1">
                     <a:lumMod val="50000"/>
@@ -701,13 +707,6 @@
               </a:rPr>
               <a:t>Titelmasterformat durch Klicken bearbeiten</a:t>
             </a:r>
-            <a:endParaRPr lang="de-DE" sz="4800" dirty="0">
-              <a:solidFill>
-                <a:schemeClr val="accent1">
-                  <a:lumMod val="50000"/>
-                </a:schemeClr>
-              </a:solidFill>
-            </a:endParaRPr>
           </a:p>
         </p:txBody>
       </p:sp>
@@ -721,13 +720,6 @@
   <p:clrMapOvr>
     <a:masterClrMapping/>
   </p:clrMapOvr>
-  <p:timing>
-    <p:tnLst>
-      <p:par>
-        <p:cTn id="1" dur="indefinite" restart="never" nodeType="tmRoot"/>
-      </p:par>
-    </p:tnLst>
-  </p:timing>
 </p:sldLayout>
 </file>
 
@@ -791,35 +783,35 @@
           <a:p>
             <a:pPr lvl="0"/>
             <a:r>
-              <a:rPr lang="de-DE" dirty="0" smtClean="0"/>
+              <a:rPr lang="de-DE" dirty="0"/>
               <a:t>Textmasterformat bearbeiten</a:t>
             </a:r>
           </a:p>
           <a:p>
             <a:pPr lvl="1"/>
             <a:r>
-              <a:rPr lang="de-DE" dirty="0" smtClean="0"/>
+              <a:rPr lang="de-DE" dirty="0"/>
               <a:t>Zweite Ebene</a:t>
             </a:r>
           </a:p>
           <a:p>
             <a:pPr lvl="2"/>
             <a:r>
-              <a:rPr lang="de-DE" dirty="0" smtClean="0"/>
+              <a:rPr lang="de-DE" dirty="0"/>
               <a:t>Dritte Ebene</a:t>
             </a:r>
           </a:p>
           <a:p>
             <a:pPr lvl="3"/>
             <a:r>
-              <a:rPr lang="de-DE" dirty="0" smtClean="0"/>
+              <a:rPr lang="de-DE" dirty="0"/>
               <a:t>Vierte Ebene</a:t>
             </a:r>
           </a:p>
           <a:p>
             <a:pPr lvl="4"/>
             <a:r>
-              <a:rPr lang="de-DE" dirty="0" smtClean="0"/>
+              <a:rPr lang="de-DE" dirty="0"/>
               <a:t>Fünfte Ebene</a:t>
             </a:r>
             <a:endParaRPr lang="en-US" dirty="0"/>
@@ -851,7 +843,7 @@
                 </a:solidFill>
               </a:rPr>
               <a:pPr/>
-              <a:t>08.05.2017</a:t>
+              <a:t>25.05.2017</a:t>
             </a:fld>
             <a:endParaRPr lang="de-DE" dirty="0">
               <a:solidFill>
@@ -928,7 +920,7 @@
           <a:lstStyle/>
           <a:p>
             <a:r>
-              <a:rPr lang="de-DE" dirty="0" smtClean="0"/>
+              <a:rPr lang="de-DE" dirty="0"/>
               <a:t>Titelmasterformat durch Klicken bearbeiten</a:t>
             </a:r>
             <a:endParaRPr lang="en-US" dirty="0"/>
@@ -945,13 +937,6 @@
   <p:clrMapOvr>
     <a:masterClrMapping/>
   </p:clrMapOvr>
-  <p:timing>
-    <p:tnLst>
-      <p:par>
-        <p:cTn id="1" dur="indefinite" restart="never" nodeType="tmRoot"/>
-      </p:par>
-    </p:tnLst>
-  </p:timing>
 </p:sldLayout>
 </file>
 
@@ -997,7 +982,7 @@
                 </a:solidFill>
               </a:rPr>
               <a:pPr/>
-              <a:t>08.05.2017</a:t>
+              <a:t>25.05.2017</a:t>
             </a:fld>
             <a:endParaRPr lang="de-DE">
               <a:solidFill>
@@ -1073,35 +1058,35 @@
           <a:p>
             <a:pPr lvl="0"/>
             <a:r>
-              <a:rPr lang="de-DE" dirty="0" smtClean="0"/>
+              <a:rPr lang="de-DE" dirty="0"/>
               <a:t>Textmasterformat bearbeiten</a:t>
             </a:r>
           </a:p>
           <a:p>
             <a:pPr lvl="1"/>
             <a:r>
-              <a:rPr lang="de-DE" dirty="0" smtClean="0"/>
+              <a:rPr lang="de-DE" dirty="0"/>
               <a:t>Zweite Ebene</a:t>
             </a:r>
           </a:p>
           <a:p>
             <a:pPr lvl="2"/>
             <a:r>
-              <a:rPr lang="de-DE" dirty="0" smtClean="0"/>
+              <a:rPr lang="de-DE" dirty="0"/>
               <a:t>Dritte Ebene</a:t>
             </a:r>
           </a:p>
           <a:p>
             <a:pPr lvl="3"/>
             <a:r>
-              <a:rPr lang="de-DE" dirty="0" smtClean="0"/>
+              <a:rPr lang="de-DE" dirty="0"/>
               <a:t>Vierte Ebene</a:t>
             </a:r>
           </a:p>
           <a:p>
             <a:pPr lvl="4"/>
             <a:r>
-              <a:rPr lang="de-DE" dirty="0" smtClean="0"/>
+              <a:rPr lang="de-DE" dirty="0"/>
               <a:t>Fünfte Ebene</a:t>
             </a:r>
             <a:endParaRPr lang="en-US" dirty="0"/>
@@ -1161,7 +1146,7 @@
           <a:lstStyle/>
           <a:p>
             <a:r>
-              <a:rPr lang="de-DE" dirty="0" smtClean="0"/>
+              <a:rPr lang="de-DE" dirty="0"/>
               <a:t>Titelmasterformat durch Klicken bearbeiten</a:t>
             </a:r>
             <a:endParaRPr lang="en-US" dirty="0"/>
@@ -1178,13 +1163,6 @@
   <p:clrMapOvr>
     <a:masterClrMapping/>
   </p:clrMapOvr>
-  <p:timing>
-    <p:tnLst>
-      <p:par>
-        <p:cTn id="1" dur="indefinite" restart="never" nodeType="tmRoot"/>
-      </p:par>
-    </p:tnLst>
-  </p:timing>
 </p:sldLayout>
 </file>
 
@@ -1248,35 +1226,35 @@
           <a:p>
             <a:pPr lvl="0"/>
             <a:r>
-              <a:rPr lang="de-DE" dirty="0" smtClean="0"/>
+              <a:rPr lang="de-DE" dirty="0"/>
               <a:t>Textmasterformat bearbeiten</a:t>
             </a:r>
           </a:p>
           <a:p>
             <a:pPr lvl="1"/>
             <a:r>
-              <a:rPr lang="de-DE" dirty="0" smtClean="0"/>
+              <a:rPr lang="de-DE" dirty="0"/>
               <a:t>Zweite Ebene</a:t>
             </a:r>
           </a:p>
           <a:p>
             <a:pPr lvl="2"/>
             <a:r>
-              <a:rPr lang="de-DE" dirty="0" smtClean="0"/>
+              <a:rPr lang="de-DE" dirty="0"/>
               <a:t>Dritte Ebene</a:t>
             </a:r>
           </a:p>
           <a:p>
             <a:pPr lvl="3"/>
             <a:r>
-              <a:rPr lang="de-DE" dirty="0" smtClean="0"/>
+              <a:rPr lang="de-DE" dirty="0"/>
               <a:t>Vierte Ebene</a:t>
             </a:r>
           </a:p>
           <a:p>
             <a:pPr lvl="4"/>
             <a:r>
-              <a:rPr lang="de-DE" dirty="0" smtClean="0"/>
+              <a:rPr lang="de-DE" dirty="0"/>
               <a:t>Fünfte Ebene</a:t>
             </a:r>
             <a:endParaRPr lang="en-US" dirty="0"/>
@@ -1326,35 +1304,35 @@
           <a:p>
             <a:pPr lvl="0"/>
             <a:r>
-              <a:rPr lang="de-DE" dirty="0" smtClean="0"/>
+              <a:rPr lang="de-DE" dirty="0"/>
               <a:t>Textmasterformat bearbeiten</a:t>
             </a:r>
           </a:p>
           <a:p>
             <a:pPr lvl="1"/>
             <a:r>
-              <a:rPr lang="de-DE" dirty="0" smtClean="0"/>
+              <a:rPr lang="de-DE" dirty="0"/>
               <a:t>Zweite Ebene</a:t>
             </a:r>
           </a:p>
           <a:p>
             <a:pPr lvl="2"/>
             <a:r>
-              <a:rPr lang="de-DE" dirty="0" smtClean="0"/>
+              <a:rPr lang="de-DE" dirty="0"/>
               <a:t>Dritte Ebene</a:t>
             </a:r>
           </a:p>
           <a:p>
             <a:pPr lvl="3"/>
             <a:r>
-              <a:rPr lang="de-DE" dirty="0" smtClean="0"/>
+              <a:rPr lang="de-DE" dirty="0"/>
               <a:t>Vierte Ebene</a:t>
             </a:r>
           </a:p>
           <a:p>
             <a:pPr lvl="4"/>
             <a:r>
-              <a:rPr lang="de-DE" dirty="0" smtClean="0"/>
+              <a:rPr lang="de-DE" dirty="0"/>
               <a:t>Fünfte Ebene</a:t>
             </a:r>
             <a:endParaRPr lang="en-US" dirty="0"/>
@@ -1386,7 +1364,7 @@
                 </a:solidFill>
               </a:rPr>
               <a:pPr/>
-              <a:t>08.05.2017</a:t>
+              <a:t>25.05.2017</a:t>
             </a:fld>
             <a:endParaRPr lang="de-DE">
               <a:solidFill>
@@ -1463,7 +1441,7 @@
           <a:lstStyle/>
           <a:p>
             <a:r>
-              <a:rPr lang="de-DE" dirty="0" smtClean="0"/>
+              <a:rPr lang="de-DE" dirty="0"/>
               <a:t>Titelmasterformat durch Klicken bearbeiten</a:t>
             </a:r>
             <a:endParaRPr lang="en-US" dirty="0"/>
@@ -1480,13 +1458,6 @@
   <p:clrMapOvr>
     <a:masterClrMapping/>
   </p:clrMapOvr>
-  <p:timing>
-    <p:tnLst>
-      <p:par>
-        <p:cTn id="1" dur="indefinite" restart="never" nodeType="tmRoot"/>
-      </p:par>
-    </p:tnLst>
-  </p:timing>
 </p:sldLayout>
 </file>
 
@@ -1575,7 +1546,7 @@
           <a:p>
             <a:pPr lvl="0"/>
             <a:r>
-              <a:rPr lang="de-DE" dirty="0" smtClean="0"/>
+              <a:rPr lang="de-DE" dirty="0"/>
               <a:t>Textmasterformat bearbeiten</a:t>
             </a:r>
           </a:p>
@@ -1606,35 +1577,35 @@
           <a:p>
             <a:pPr lvl="0"/>
             <a:r>
-              <a:rPr lang="de-DE" smtClean="0"/>
+              <a:rPr lang="de-DE"/>
               <a:t>Textmasterformat bearbeiten</a:t>
             </a:r>
           </a:p>
           <a:p>
             <a:pPr lvl="1"/>
             <a:r>
-              <a:rPr lang="de-DE" smtClean="0"/>
+              <a:rPr lang="de-DE"/>
               <a:t>Zweite Ebene</a:t>
             </a:r>
           </a:p>
           <a:p>
             <a:pPr lvl="2"/>
             <a:r>
-              <a:rPr lang="de-DE" smtClean="0"/>
+              <a:rPr lang="de-DE"/>
               <a:t>Dritte Ebene</a:t>
             </a:r>
           </a:p>
           <a:p>
             <a:pPr lvl="3"/>
             <a:r>
-              <a:rPr lang="de-DE" smtClean="0"/>
+              <a:rPr lang="de-DE"/>
               <a:t>Vierte Ebene</a:t>
             </a:r>
           </a:p>
           <a:p>
             <a:pPr lvl="4"/>
             <a:r>
-              <a:rPr lang="de-DE" smtClean="0"/>
+              <a:rPr lang="de-DE"/>
               <a:t>Fünfte Ebene</a:t>
             </a:r>
             <a:endParaRPr lang="en-US" dirty="0"/>
@@ -1709,7 +1680,7 @@
           <a:p>
             <a:pPr lvl="0"/>
             <a:r>
-              <a:rPr lang="de-DE" dirty="0" smtClean="0"/>
+              <a:rPr lang="de-DE" dirty="0"/>
               <a:t>Textmasterformat bearbeiten</a:t>
             </a:r>
           </a:p>
@@ -1740,35 +1711,35 @@
           <a:p>
             <a:pPr lvl="0"/>
             <a:r>
-              <a:rPr lang="de-DE" dirty="0" smtClean="0"/>
+              <a:rPr lang="de-DE" dirty="0"/>
               <a:t>Textmasterformat bearbeiten</a:t>
             </a:r>
           </a:p>
           <a:p>
             <a:pPr lvl="1"/>
             <a:r>
-              <a:rPr lang="de-DE" dirty="0" smtClean="0"/>
+              <a:rPr lang="de-DE" dirty="0"/>
               <a:t>Zweite Ebene</a:t>
             </a:r>
           </a:p>
           <a:p>
             <a:pPr lvl="2"/>
             <a:r>
-              <a:rPr lang="de-DE" dirty="0" smtClean="0"/>
+              <a:rPr lang="de-DE" dirty="0"/>
               <a:t>Dritte Ebene</a:t>
             </a:r>
           </a:p>
           <a:p>
             <a:pPr lvl="3"/>
             <a:r>
-              <a:rPr lang="de-DE" dirty="0" smtClean="0"/>
+              <a:rPr lang="de-DE" dirty="0"/>
               <a:t>Vierte Ebene</a:t>
             </a:r>
           </a:p>
           <a:p>
             <a:pPr lvl="4"/>
             <a:r>
-              <a:rPr lang="de-DE" dirty="0" smtClean="0"/>
+              <a:rPr lang="de-DE" dirty="0"/>
               <a:t>Fünfte Ebene</a:t>
             </a:r>
             <a:endParaRPr lang="en-US" dirty="0"/>
@@ -1800,7 +1771,7 @@
                 </a:solidFill>
               </a:rPr>
               <a:pPr/>
-              <a:t>08.05.2017</a:t>
+              <a:t>25.05.2017</a:t>
             </a:fld>
             <a:endParaRPr lang="de-DE">
               <a:solidFill>
@@ -1877,7 +1848,7 @@
           <a:lstStyle/>
           <a:p>
             <a:r>
-              <a:rPr lang="de-DE" dirty="0" smtClean="0"/>
+              <a:rPr lang="de-DE" dirty="0"/>
               <a:t>Titelmasterformat durch Klicken bearbeiten</a:t>
             </a:r>
             <a:endParaRPr lang="en-US" dirty="0"/>
@@ -1894,13 +1865,6 @@
   <p:clrMapOvr>
     <a:masterClrMapping/>
   </p:clrMapOvr>
-  <p:timing>
-    <p:tnLst>
-      <p:par>
-        <p:cTn id="1" dur="indefinite" restart="never" nodeType="tmRoot"/>
-      </p:par>
-    </p:tnLst>
-  </p:timing>
 </p:sldLayout>
 </file>
 
@@ -2027,13 +1991,6 @@
   <p:clrMapOvr>
     <a:masterClrMapping/>
   </p:clrMapOvr>
-  <p:timing>
-    <p:tnLst>
-      <p:par>
-        <p:cTn id="1" dur="indefinite" restart="never" nodeType="tmRoot"/>
-      </p:par>
-    </p:tnLst>
-  </p:timing>
 </p:sldLayout>
 </file>
 
@@ -2193,7 +2150,7 @@
                 </a:solidFill>
               </a:rPr>
               <a:pPr/>
-              <a:t>08.05.2017</a:t>
+              <a:t>25.05.2017</a:t>
             </a:fld>
             <a:endParaRPr lang="de-DE" dirty="0">
               <a:solidFill>
@@ -2287,7 +2244,7 @@
           <a:p>
             <a:pPr algn="ctr"/>
             <a:r>
-              <a:rPr lang="de-DE" sz="1600" kern="1200" smtClean="0">
+              <a:rPr lang="de-DE" sz="1600" kern="1200">
                 <a:solidFill>
                   <a:prstClr val="black">
                     <a:lumMod val="75000"/>
@@ -2325,13 +2282,6 @@
   <p:sldLayoutIdLst>
     <p:sldLayoutId id="2147483651" r:id="rId1"/>
   </p:sldLayoutIdLst>
-  <p:timing>
-    <p:tnLst>
-      <p:par>
-        <p:cTn id="1" dur="indefinite" restart="never" nodeType="tmRoot"/>
-      </p:par>
-    </p:tnLst>
-  </p:timing>
   <p:hf hdr="0"/>
   <p:txStyles>
     <p:titleStyle>
@@ -2903,7 +2853,7 @@
                 </a:solidFill>
               </a:rPr>
               <a:pPr/>
-              <a:t>08.05.2017</a:t>
+              <a:t>25.05.2017</a:t>
             </a:fld>
             <a:endParaRPr lang="de-DE" dirty="0">
               <a:solidFill>
@@ -3035,7 +2985,7 @@
           <a:p>
             <a:pPr algn="ctr"/>
             <a:r>
-              <a:rPr lang="de-DE" sz="1600" kern="1200" smtClean="0">
+              <a:rPr lang="de-DE" sz="1600" kern="1200">
                 <a:solidFill>
                   <a:prstClr val="black">
                     <a:lumMod val="75000"/>
@@ -3073,13 +3023,6 @@
   <p:sldLayoutIdLst>
     <p:sldLayoutId id="2147483661" r:id="rId1"/>
   </p:sldLayoutIdLst>
-  <p:timing>
-    <p:tnLst>
-      <p:par>
-        <p:cTn id="1" dur="indefinite" restart="never" nodeType="tmRoot"/>
-      </p:par>
-    </p:tnLst>
-  </p:timing>
   <p:hf hdr="0"/>
   <p:txStyles>
     <p:titleStyle>
@@ -3587,7 +3530,7 @@
           <a:lstStyle/>
           <a:p>
             <a:r>
-              <a:rPr lang="de-DE" dirty="0" smtClean="0"/>
+              <a:rPr lang="de-DE" dirty="0"/>
               <a:t>Titelmasterformat durch Klicken bearbeiten</a:t>
             </a:r>
             <a:endParaRPr lang="en-US" dirty="0"/>
@@ -3621,35 +3564,35 @@
           <a:p>
             <a:pPr lvl="0"/>
             <a:r>
-              <a:rPr lang="de-DE" dirty="0" smtClean="0"/>
+              <a:rPr lang="de-DE" dirty="0"/>
               <a:t>Textmasterformat bearbeiten</a:t>
             </a:r>
           </a:p>
           <a:p>
             <a:pPr lvl="1"/>
             <a:r>
-              <a:rPr lang="de-DE" dirty="0" smtClean="0"/>
+              <a:rPr lang="de-DE" dirty="0"/>
               <a:t>Zweite Ebene</a:t>
             </a:r>
           </a:p>
           <a:p>
             <a:pPr lvl="2"/>
             <a:r>
-              <a:rPr lang="de-DE" dirty="0" smtClean="0"/>
+              <a:rPr lang="de-DE" dirty="0"/>
               <a:t>Dritte Ebene</a:t>
             </a:r>
           </a:p>
           <a:p>
             <a:pPr lvl="3"/>
             <a:r>
-              <a:rPr lang="de-DE" dirty="0" smtClean="0"/>
+              <a:rPr lang="de-DE" dirty="0"/>
               <a:t>Vierte Ebene</a:t>
             </a:r>
           </a:p>
           <a:p>
             <a:pPr lvl="4"/>
             <a:r>
-              <a:rPr lang="de-DE" dirty="0" smtClean="0"/>
+              <a:rPr lang="de-DE" dirty="0"/>
               <a:t>Fünfte Ebene</a:t>
             </a:r>
             <a:endParaRPr lang="en-US" dirty="0"/>
@@ -3700,7 +3643,7 @@
                 </a:solidFill>
               </a:rPr>
               <a:pPr/>
-              <a:t>08.05.2017</a:t>
+              <a:t>25.05.2017</a:t>
             </a:fld>
             <a:endParaRPr lang="de-DE" dirty="0">
               <a:solidFill>
@@ -3862,7 +3805,7 @@
           <a:p>
             <a:pPr algn="ctr"/>
             <a:r>
-              <a:rPr lang="de-DE" sz="1600" kern="1200" smtClean="0">
+              <a:rPr lang="de-DE" sz="1600" kern="1200">
                 <a:solidFill>
                   <a:prstClr val="black">
                     <a:lumMod val="75000"/>
@@ -3904,13 +3847,6 @@
     <p:sldLayoutId id="2147483658" r:id="rId4"/>
     <p:sldLayoutId id="2147483663" r:id="rId5"/>
   </p:sldLayoutIdLst>
-  <p:timing>
-    <p:tnLst>
-      <p:par>
-        <p:cTn id="1" dur="indefinite" restart="never" nodeType="tmRoot"/>
-      </p:par>
-    </p:tnLst>
-  </p:timing>
   <p:hf hdr="0"/>
   <p:txStyles>
     <p:titleStyle>
@@ -4313,10 +4249,9 @@
           <a:lstStyle/>
           <a:p>
             <a:r>
-              <a:rPr lang="de-DE" dirty="0" smtClean="0"/>
+              <a:rPr lang="de-DE" dirty="0"/>
               <a:t>			NFC</a:t>
             </a:r>
-            <a:endParaRPr lang="de-DE" dirty="0"/>
           </a:p>
         </p:txBody>
       </p:sp>
@@ -4336,15 +4271,15 @@
           <a:lstStyle/>
           <a:p>
             <a:r>
-              <a:rPr lang="de-DE" dirty="0" err="1" smtClean="0"/>
+              <a:rPr lang="de-DE" dirty="0" err="1"/>
               <a:t>Near</a:t>
             </a:r>
             <a:r>
-              <a:rPr lang="de-DE" dirty="0" smtClean="0"/>
+              <a:rPr lang="de-DE" dirty="0"/>
               <a:t> Field Communication – Grundlagen &amp; </a:t>
             </a:r>
             <a:r>
-              <a:rPr lang="de-DE" dirty="0" err="1" smtClean="0"/>
+              <a:rPr lang="de-DE" dirty="0" err="1"/>
               <a:t>programmierung</a:t>
             </a:r>
             <a:endParaRPr lang="de-DE" dirty="0"/>
@@ -4376,7 +4311,7 @@
                 </a:solidFill>
               </a:rPr>
               <a:pPr/>
-              <a:t>08.05.2017</a:t>
+              <a:t>25.05.2017</a:t>
             </a:fld>
             <a:endParaRPr lang="de-DE" dirty="0">
               <a:solidFill>
@@ -4478,13 +4413,6 @@
   <p:clrMapOvr>
     <a:masterClrMapping/>
   </p:clrMapOvr>
-  <p:timing>
-    <p:tnLst>
-      <p:par>
-        <p:cTn id="1" dur="indefinite" restart="never" nodeType="tmRoot"/>
-      </p:par>
-    </p:tnLst>
-  </p:timing>
 </p:sld>
 </file>
 
@@ -4507,7 +4435,7 @@
       </p:grpSpPr>
       <p:sp>
         <p:nvSpPr>
-          <p:cNvPr id="3" name="Datumsplatzhalter 2"/>
+          <p:cNvPr id="2" name="Datumsplatzhalter 1"/>
           <p:cNvSpPr>
             <a:spLocks noGrp="1"/>
           </p:cNvSpPr>
@@ -4520,7 +4448,7 @@
           <a:bodyPr/>
           <a:lstStyle/>
           <a:p>
-            <a:fld id="{D39D821C-592C-4DEC-9FC0-BB78BF9F99E8}" type="datetime1">
+            <a:fld id="{60304490-4D7B-4CB0-AD76-0A4D4B224109}" type="datetime1">
               <a:rPr lang="de-DE" smtClean="0">
                 <a:solidFill>
                   <a:prstClr val="black">
@@ -4530,9 +4458,9 @@
                 </a:solidFill>
               </a:rPr>
               <a:pPr/>
-              <a:t>08.05.2017</a:t>
+              <a:t>25.05.2017</a:t>
             </a:fld>
-            <a:endParaRPr lang="de-DE" dirty="0">
+            <a:endParaRPr lang="de-DE">
               <a:solidFill>
                 <a:prstClr val="black">
                   <a:lumMod val="75000"/>
@@ -4545,7 +4473,7 @@
       </p:sp>
       <p:sp>
         <p:nvSpPr>
-          <p:cNvPr id="4" name="Foliennummernplatzhalter 3"/>
+          <p:cNvPr id="3" name="Foliennummernplatzhalter 2"/>
           <p:cNvSpPr>
             <a:spLocks noGrp="1"/>
           </p:cNvSpPr>
@@ -4583,6 +4511,2587 @@
       </p:sp>
       <p:sp>
         <p:nvSpPr>
+          <p:cNvPr id="4" name="Inhaltsplatzhalter 3"/>
+          <p:cNvSpPr>
+            <a:spLocks noGrp="1"/>
+          </p:cNvSpPr>
+          <p:nvPr>
+            <p:ph sz="half" idx="1"/>
+          </p:nvPr>
+        </p:nvSpPr>
+        <p:spPr>
+          <a:xfrm>
+            <a:off x="1097279" y="1845734"/>
+            <a:ext cx="10016198" cy="4023360"/>
+          </a:xfrm>
+        </p:spPr>
+        <p:txBody>
+          <a:bodyPr>
+            <a:normAutofit/>
+          </a:bodyPr>
+          <a:lstStyle/>
+          <a:p>
+            <a:pPr lvl="1">
+              <a:buFont typeface="Arial" panose="020B0604020202020204" pitchFamily="34" charset="0"/>
+              <a:buChar char="•"/>
+            </a:pPr>
+            <a:endParaRPr lang="de-DE" dirty="0"/>
+          </a:p>
+          <a:p>
+            <a:pPr lvl="1">
+              <a:buFont typeface="Arial" panose="020B0604020202020204" pitchFamily="34" charset="0"/>
+              <a:buChar char="•"/>
+            </a:pPr>
+            <a:r>
+              <a:rPr lang="de-DE" dirty="0"/>
+              <a:t>Bargeldloses Bezahlen</a:t>
+            </a:r>
+          </a:p>
+          <a:p>
+            <a:pPr lvl="1">
+              <a:buFont typeface="Arial" panose="020B0604020202020204" pitchFamily="34" charset="0"/>
+              <a:buChar char="•"/>
+            </a:pPr>
+            <a:r>
+              <a:rPr lang="de-DE" dirty="0"/>
+              <a:t>Ticketing</a:t>
+            </a:r>
+          </a:p>
+          <a:p>
+            <a:pPr lvl="1">
+              <a:buFont typeface="Arial" panose="020B0604020202020204" pitchFamily="34" charset="0"/>
+              <a:buChar char="•"/>
+            </a:pPr>
+            <a:r>
+              <a:rPr lang="de-DE" dirty="0"/>
+              <a:t>Abrufen von Informationen</a:t>
+            </a:r>
+          </a:p>
+          <a:p>
+            <a:pPr lvl="1">
+              <a:buFont typeface="Arial" panose="020B0604020202020204" pitchFamily="34" charset="0"/>
+              <a:buChar char="•"/>
+            </a:pPr>
+            <a:r>
+              <a:rPr lang="de-DE" dirty="0"/>
+              <a:t>Personalausweis</a:t>
+            </a:r>
+          </a:p>
+          <a:p>
+            <a:pPr lvl="1">
+              <a:buFont typeface="Arial" panose="020B0604020202020204" pitchFamily="34" charset="0"/>
+              <a:buChar char="•"/>
+            </a:pPr>
+            <a:r>
+              <a:rPr lang="de-DE" dirty="0"/>
+              <a:t>Datenaustausch </a:t>
+            </a:r>
+          </a:p>
+          <a:p>
+            <a:pPr lvl="1">
+              <a:buFont typeface="Arial" panose="020B0604020202020204" pitchFamily="34" charset="0"/>
+              <a:buChar char="•"/>
+            </a:pPr>
+            <a:r>
+              <a:rPr lang="de-DE" dirty="0"/>
+              <a:t>Eintrittskarte</a:t>
+            </a:r>
+          </a:p>
+          <a:p>
+            <a:pPr lvl="1">
+              <a:buFont typeface="Arial" panose="020B0604020202020204" pitchFamily="34" charset="0"/>
+              <a:buChar char="•"/>
+            </a:pPr>
+            <a:r>
+              <a:rPr lang="de-DE" dirty="0"/>
+              <a:t>Öffnen der Schranken in Parkhäusern</a:t>
+            </a:r>
+          </a:p>
+          <a:p>
+            <a:pPr lvl="1">
+              <a:buFont typeface="Arial" panose="020B0604020202020204" pitchFamily="34" charset="0"/>
+              <a:buChar char="•"/>
+            </a:pPr>
+            <a:r>
+              <a:rPr lang="de-DE" dirty="0"/>
+              <a:t>Auf Bushaltestellen die Busfahrpläne aufs Handy laden </a:t>
+            </a:r>
+          </a:p>
+        </p:txBody>
+      </p:sp>
+      <p:sp>
+        <p:nvSpPr>
+          <p:cNvPr id="6" name="Titel 5"/>
+          <p:cNvSpPr>
+            <a:spLocks noGrp="1"/>
+          </p:cNvSpPr>
+          <p:nvPr>
+            <p:ph type="title"/>
+          </p:nvPr>
+        </p:nvSpPr>
+        <p:spPr/>
+        <p:txBody>
+          <a:bodyPr>
+            <a:normAutofit/>
+          </a:bodyPr>
+          <a:lstStyle/>
+          <a:p>
+            <a:r>
+              <a:rPr lang="de-DE" dirty="0"/>
+              <a:t>Wo kann man oder wo wird NFC genutzt?</a:t>
+            </a:r>
+          </a:p>
+        </p:txBody>
+      </p:sp>
+    </p:spTree>
+    <p:extLst>
+      <p:ext uri="{BB962C8B-B14F-4D97-AF65-F5344CB8AC3E}">
+        <p14:creationId xmlns:p14="http://schemas.microsoft.com/office/powerpoint/2010/main" val="2018186250"/>
+      </p:ext>
+    </p:extLst>
+  </p:cSld>
+  <p:clrMapOvr>
+    <a:masterClrMapping/>
+  </p:clrMapOvr>
+  <p:timing>
+    <p:tnLst>
+      <p:par>
+        <p:cTn id="1" dur="indefinite" restart="never" nodeType="tmRoot">
+          <p:childTnLst>
+            <p:seq concurrent="1" nextAc="seek">
+              <p:cTn id="2" dur="indefinite" nodeType="mainSeq">
+                <p:childTnLst>
+                  <p:par>
+                    <p:cTn id="3" fill="hold">
+                      <p:stCondLst>
+                        <p:cond delay="indefinite"/>
+                      </p:stCondLst>
+                      <p:childTnLst>
+                        <p:par>
+                          <p:cTn id="4" fill="hold">
+                            <p:stCondLst>
+                              <p:cond delay="0"/>
+                            </p:stCondLst>
+                            <p:childTnLst>
+                              <p:par>
+                                <p:cTn id="5" presetID="1" presetClass="entr" presetSubtype="0" fill="hold" nodeType="clickEffect">
+                                  <p:stCondLst>
+                                    <p:cond delay="0"/>
+                                  </p:stCondLst>
+                                  <p:childTnLst>
+                                    <p:set>
+                                      <p:cBhvr>
+                                        <p:cTn id="6" dur="1" fill="hold">
+                                          <p:stCondLst>
+                                            <p:cond delay="0"/>
+                                          </p:stCondLst>
+                                        </p:cTn>
+                                        <p:tgtEl>
+                                          <p:spTgt spid="4">
+                                            <p:txEl>
+                                              <p:pRg st="1" end="1"/>
+                                            </p:txEl>
+                                          </p:spTgt>
+                                        </p:tgtEl>
+                                        <p:attrNameLst>
+                                          <p:attrName>style.visibility</p:attrName>
+                                        </p:attrNameLst>
+                                      </p:cBhvr>
+                                      <p:to>
+                                        <p:strVal val="visible"/>
+                                      </p:to>
+                                    </p:set>
+                                  </p:childTnLst>
+                                </p:cTn>
+                              </p:par>
+                            </p:childTnLst>
+                          </p:cTn>
+                        </p:par>
+                      </p:childTnLst>
+                    </p:cTn>
+                  </p:par>
+                  <p:par>
+                    <p:cTn id="7" fill="hold">
+                      <p:stCondLst>
+                        <p:cond delay="indefinite"/>
+                      </p:stCondLst>
+                      <p:childTnLst>
+                        <p:par>
+                          <p:cTn id="8" fill="hold">
+                            <p:stCondLst>
+                              <p:cond delay="0"/>
+                            </p:stCondLst>
+                            <p:childTnLst>
+                              <p:par>
+                                <p:cTn id="9" presetID="1" presetClass="entr" presetSubtype="0" fill="hold" nodeType="clickEffect">
+                                  <p:stCondLst>
+                                    <p:cond delay="0"/>
+                                  </p:stCondLst>
+                                  <p:childTnLst>
+                                    <p:set>
+                                      <p:cBhvr>
+                                        <p:cTn id="10" dur="1" fill="hold">
+                                          <p:stCondLst>
+                                            <p:cond delay="0"/>
+                                          </p:stCondLst>
+                                        </p:cTn>
+                                        <p:tgtEl>
+                                          <p:spTgt spid="4">
+                                            <p:txEl>
+                                              <p:pRg st="2" end="2"/>
+                                            </p:txEl>
+                                          </p:spTgt>
+                                        </p:tgtEl>
+                                        <p:attrNameLst>
+                                          <p:attrName>style.visibility</p:attrName>
+                                        </p:attrNameLst>
+                                      </p:cBhvr>
+                                      <p:to>
+                                        <p:strVal val="visible"/>
+                                      </p:to>
+                                    </p:set>
+                                  </p:childTnLst>
+                                </p:cTn>
+                              </p:par>
+                            </p:childTnLst>
+                          </p:cTn>
+                        </p:par>
+                      </p:childTnLst>
+                    </p:cTn>
+                  </p:par>
+                  <p:par>
+                    <p:cTn id="11" fill="hold">
+                      <p:stCondLst>
+                        <p:cond delay="indefinite"/>
+                      </p:stCondLst>
+                      <p:childTnLst>
+                        <p:par>
+                          <p:cTn id="12" fill="hold">
+                            <p:stCondLst>
+                              <p:cond delay="0"/>
+                            </p:stCondLst>
+                            <p:childTnLst>
+                              <p:par>
+                                <p:cTn id="13" presetID="1" presetClass="entr" presetSubtype="0" fill="hold" nodeType="clickEffect">
+                                  <p:stCondLst>
+                                    <p:cond delay="0"/>
+                                  </p:stCondLst>
+                                  <p:childTnLst>
+                                    <p:set>
+                                      <p:cBhvr>
+                                        <p:cTn id="14" dur="1" fill="hold">
+                                          <p:stCondLst>
+                                            <p:cond delay="0"/>
+                                          </p:stCondLst>
+                                        </p:cTn>
+                                        <p:tgtEl>
+                                          <p:spTgt spid="4">
+                                            <p:txEl>
+                                              <p:pRg st="3" end="3"/>
+                                            </p:txEl>
+                                          </p:spTgt>
+                                        </p:tgtEl>
+                                        <p:attrNameLst>
+                                          <p:attrName>style.visibility</p:attrName>
+                                        </p:attrNameLst>
+                                      </p:cBhvr>
+                                      <p:to>
+                                        <p:strVal val="visible"/>
+                                      </p:to>
+                                    </p:set>
+                                  </p:childTnLst>
+                                </p:cTn>
+                              </p:par>
+                            </p:childTnLst>
+                          </p:cTn>
+                        </p:par>
+                      </p:childTnLst>
+                    </p:cTn>
+                  </p:par>
+                  <p:par>
+                    <p:cTn id="15" fill="hold">
+                      <p:stCondLst>
+                        <p:cond delay="indefinite"/>
+                      </p:stCondLst>
+                      <p:childTnLst>
+                        <p:par>
+                          <p:cTn id="16" fill="hold">
+                            <p:stCondLst>
+                              <p:cond delay="0"/>
+                            </p:stCondLst>
+                            <p:childTnLst>
+                              <p:par>
+                                <p:cTn id="17" presetID="1" presetClass="entr" presetSubtype="0" fill="hold" nodeType="clickEffect">
+                                  <p:stCondLst>
+                                    <p:cond delay="0"/>
+                                  </p:stCondLst>
+                                  <p:childTnLst>
+                                    <p:set>
+                                      <p:cBhvr>
+                                        <p:cTn id="18" dur="1" fill="hold">
+                                          <p:stCondLst>
+                                            <p:cond delay="0"/>
+                                          </p:stCondLst>
+                                        </p:cTn>
+                                        <p:tgtEl>
+                                          <p:spTgt spid="4">
+                                            <p:txEl>
+                                              <p:pRg st="4" end="4"/>
+                                            </p:txEl>
+                                          </p:spTgt>
+                                        </p:tgtEl>
+                                        <p:attrNameLst>
+                                          <p:attrName>style.visibility</p:attrName>
+                                        </p:attrNameLst>
+                                      </p:cBhvr>
+                                      <p:to>
+                                        <p:strVal val="visible"/>
+                                      </p:to>
+                                    </p:set>
+                                  </p:childTnLst>
+                                </p:cTn>
+                              </p:par>
+                            </p:childTnLst>
+                          </p:cTn>
+                        </p:par>
+                      </p:childTnLst>
+                    </p:cTn>
+                  </p:par>
+                  <p:par>
+                    <p:cTn id="19" fill="hold">
+                      <p:stCondLst>
+                        <p:cond delay="indefinite"/>
+                      </p:stCondLst>
+                      <p:childTnLst>
+                        <p:par>
+                          <p:cTn id="20" fill="hold">
+                            <p:stCondLst>
+                              <p:cond delay="0"/>
+                            </p:stCondLst>
+                            <p:childTnLst>
+                              <p:par>
+                                <p:cTn id="21" presetID="1" presetClass="entr" presetSubtype="0" fill="hold" nodeType="clickEffect">
+                                  <p:stCondLst>
+                                    <p:cond delay="0"/>
+                                  </p:stCondLst>
+                                  <p:childTnLst>
+                                    <p:set>
+                                      <p:cBhvr>
+                                        <p:cTn id="22" dur="1" fill="hold">
+                                          <p:stCondLst>
+                                            <p:cond delay="0"/>
+                                          </p:stCondLst>
+                                        </p:cTn>
+                                        <p:tgtEl>
+                                          <p:spTgt spid="4">
+                                            <p:txEl>
+                                              <p:pRg st="5" end="5"/>
+                                            </p:txEl>
+                                          </p:spTgt>
+                                        </p:tgtEl>
+                                        <p:attrNameLst>
+                                          <p:attrName>style.visibility</p:attrName>
+                                        </p:attrNameLst>
+                                      </p:cBhvr>
+                                      <p:to>
+                                        <p:strVal val="visible"/>
+                                      </p:to>
+                                    </p:set>
+                                  </p:childTnLst>
+                                </p:cTn>
+                              </p:par>
+                            </p:childTnLst>
+                          </p:cTn>
+                        </p:par>
+                      </p:childTnLst>
+                    </p:cTn>
+                  </p:par>
+                  <p:par>
+                    <p:cTn id="23" fill="hold">
+                      <p:stCondLst>
+                        <p:cond delay="indefinite"/>
+                      </p:stCondLst>
+                      <p:childTnLst>
+                        <p:par>
+                          <p:cTn id="24" fill="hold">
+                            <p:stCondLst>
+                              <p:cond delay="0"/>
+                            </p:stCondLst>
+                            <p:childTnLst>
+                              <p:par>
+                                <p:cTn id="25" presetID="1" presetClass="entr" presetSubtype="0" fill="hold" nodeType="clickEffect">
+                                  <p:stCondLst>
+                                    <p:cond delay="0"/>
+                                  </p:stCondLst>
+                                  <p:childTnLst>
+                                    <p:set>
+                                      <p:cBhvr>
+                                        <p:cTn id="26" dur="1" fill="hold">
+                                          <p:stCondLst>
+                                            <p:cond delay="0"/>
+                                          </p:stCondLst>
+                                        </p:cTn>
+                                        <p:tgtEl>
+                                          <p:spTgt spid="4">
+                                            <p:txEl>
+                                              <p:pRg st="6" end="6"/>
+                                            </p:txEl>
+                                          </p:spTgt>
+                                        </p:tgtEl>
+                                        <p:attrNameLst>
+                                          <p:attrName>style.visibility</p:attrName>
+                                        </p:attrNameLst>
+                                      </p:cBhvr>
+                                      <p:to>
+                                        <p:strVal val="visible"/>
+                                      </p:to>
+                                    </p:set>
+                                  </p:childTnLst>
+                                </p:cTn>
+                              </p:par>
+                            </p:childTnLst>
+                          </p:cTn>
+                        </p:par>
+                      </p:childTnLst>
+                    </p:cTn>
+                  </p:par>
+                  <p:par>
+                    <p:cTn id="27" fill="hold">
+                      <p:stCondLst>
+                        <p:cond delay="indefinite"/>
+                      </p:stCondLst>
+                      <p:childTnLst>
+                        <p:par>
+                          <p:cTn id="28" fill="hold">
+                            <p:stCondLst>
+                              <p:cond delay="0"/>
+                            </p:stCondLst>
+                            <p:childTnLst>
+                              <p:par>
+                                <p:cTn id="29" presetID="1" presetClass="entr" presetSubtype="0" fill="hold" nodeType="clickEffect">
+                                  <p:stCondLst>
+                                    <p:cond delay="0"/>
+                                  </p:stCondLst>
+                                  <p:childTnLst>
+                                    <p:set>
+                                      <p:cBhvr>
+                                        <p:cTn id="30" dur="1" fill="hold">
+                                          <p:stCondLst>
+                                            <p:cond delay="0"/>
+                                          </p:stCondLst>
+                                        </p:cTn>
+                                        <p:tgtEl>
+                                          <p:spTgt spid="4">
+                                            <p:txEl>
+                                              <p:pRg st="7" end="7"/>
+                                            </p:txEl>
+                                          </p:spTgt>
+                                        </p:tgtEl>
+                                        <p:attrNameLst>
+                                          <p:attrName>style.visibility</p:attrName>
+                                        </p:attrNameLst>
+                                      </p:cBhvr>
+                                      <p:to>
+                                        <p:strVal val="visible"/>
+                                      </p:to>
+                                    </p:set>
+                                  </p:childTnLst>
+                                </p:cTn>
+                              </p:par>
+                            </p:childTnLst>
+                          </p:cTn>
+                        </p:par>
+                      </p:childTnLst>
+                    </p:cTn>
+                  </p:par>
+                  <p:par>
+                    <p:cTn id="31" fill="hold">
+                      <p:stCondLst>
+                        <p:cond delay="indefinite"/>
+                      </p:stCondLst>
+                      <p:childTnLst>
+                        <p:par>
+                          <p:cTn id="32" fill="hold">
+                            <p:stCondLst>
+                              <p:cond delay="0"/>
+                            </p:stCondLst>
+                            <p:childTnLst>
+                              <p:par>
+                                <p:cTn id="33" presetID="1" presetClass="entr" presetSubtype="0" fill="hold" nodeType="clickEffect">
+                                  <p:stCondLst>
+                                    <p:cond delay="0"/>
+                                  </p:stCondLst>
+                                  <p:childTnLst>
+                                    <p:set>
+                                      <p:cBhvr>
+                                        <p:cTn id="34" dur="1" fill="hold">
+                                          <p:stCondLst>
+                                            <p:cond delay="0"/>
+                                          </p:stCondLst>
+                                        </p:cTn>
+                                        <p:tgtEl>
+                                          <p:spTgt spid="4">
+                                            <p:txEl>
+                                              <p:pRg st="8" end="8"/>
+                                            </p:txEl>
+                                          </p:spTgt>
+                                        </p:tgtEl>
+                                        <p:attrNameLst>
+                                          <p:attrName>style.visibility</p:attrName>
+                                        </p:attrNameLst>
+                                      </p:cBhvr>
+                                      <p:to>
+                                        <p:strVal val="visible"/>
+                                      </p:to>
+                                    </p:set>
+                                  </p:childTnLst>
+                                </p:cTn>
+                              </p:par>
+                            </p:childTnLst>
+                          </p:cTn>
+                        </p:par>
+                      </p:childTnLst>
+                    </p:cTn>
+                  </p:par>
+                </p:childTnLst>
+              </p:cTn>
+              <p:prevCondLst>
+                <p:cond evt="onPrev" delay="0">
+                  <p:tgtEl>
+                    <p:sldTgt/>
+                  </p:tgtEl>
+                </p:cond>
+              </p:prevCondLst>
+              <p:nextCondLst>
+                <p:cond evt="onNext" delay="0">
+                  <p:tgtEl>
+                    <p:sldTgt/>
+                  </p:tgtEl>
+                </p:cond>
+              </p:nextCondLst>
+            </p:seq>
+          </p:childTnLst>
+        </p:cTn>
+      </p:par>
+    </p:tnLst>
+  </p:timing>
+</p:sld>
+</file>
+
+<file path=ppt/slides/slide11.xml><?xml version="1.0" encoding="utf-8"?>
+<p:sld xmlns:a="http://schemas.openxmlformats.org/drawingml/2006/main" xmlns:r="http://schemas.openxmlformats.org/officeDocument/2006/relationships" xmlns:p="http://schemas.openxmlformats.org/presentationml/2006/main">
+  <p:cSld>
+    <p:spTree>
+      <p:nvGrpSpPr>
+        <p:cNvPr id="1" name=""/>
+        <p:cNvGrpSpPr/>
+        <p:nvPr/>
+      </p:nvGrpSpPr>
+      <p:grpSpPr>
+        <a:xfrm>
+          <a:off x="0" y="0"/>
+          <a:ext cx="0" cy="0"/>
+          <a:chOff x="0" y="0"/>
+          <a:chExt cx="0" cy="0"/>
+        </a:xfrm>
+      </p:grpSpPr>
+      <p:sp>
+        <p:nvSpPr>
+          <p:cNvPr id="2" name="Datumsplatzhalter 1"/>
+          <p:cNvSpPr>
+            <a:spLocks noGrp="1"/>
+          </p:cNvSpPr>
+          <p:nvPr>
+            <p:ph type="dt" sz="half" idx="10"/>
+          </p:nvPr>
+        </p:nvSpPr>
+        <p:spPr/>
+        <p:txBody>
+          <a:bodyPr/>
+          <a:lstStyle/>
+          <a:p>
+            <a:fld id="{60304490-4D7B-4CB0-AD76-0A4D4B224109}" type="datetime1">
+              <a:rPr lang="de-DE" smtClean="0">
+                <a:solidFill>
+                  <a:prstClr val="black">
+                    <a:lumMod val="75000"/>
+                    <a:lumOff val="25000"/>
+                  </a:prstClr>
+                </a:solidFill>
+              </a:rPr>
+              <a:pPr/>
+              <a:t>25.05.2017</a:t>
+            </a:fld>
+            <a:endParaRPr lang="de-DE">
+              <a:solidFill>
+                <a:prstClr val="black">
+                  <a:lumMod val="75000"/>
+                  <a:lumOff val="25000"/>
+                </a:prstClr>
+              </a:solidFill>
+            </a:endParaRPr>
+          </a:p>
+        </p:txBody>
+      </p:sp>
+      <p:sp>
+        <p:nvSpPr>
+          <p:cNvPr id="3" name="Foliennummernplatzhalter 2"/>
+          <p:cNvSpPr>
+            <a:spLocks noGrp="1"/>
+          </p:cNvSpPr>
+          <p:nvPr>
+            <p:ph type="sldNum" sz="quarter" idx="12"/>
+          </p:nvPr>
+        </p:nvSpPr>
+        <p:spPr/>
+        <p:txBody>
+          <a:bodyPr/>
+          <a:lstStyle/>
+          <a:p>
+            <a:fld id="{21C2AFE0-40E6-4211-92A5-D87BCC1E356D}" type="slidenum">
+              <a:rPr lang="de-DE" smtClean="0">
+                <a:solidFill>
+                  <a:prstClr val="black">
+                    <a:lumMod val="75000"/>
+                    <a:lumOff val="25000"/>
+                  </a:prstClr>
+                </a:solidFill>
+              </a:rPr>
+              <a:pPr/>
+              <a:t>11</a:t>
+            </a:fld>
+            <a:endParaRPr lang="de-DE">
+              <a:solidFill>
+                <a:prstClr val="black">
+                  <a:lumMod val="75000"/>
+                  <a:lumOff val="25000"/>
+                </a:prstClr>
+              </a:solidFill>
+            </a:endParaRPr>
+          </a:p>
+        </p:txBody>
+      </p:sp>
+      <p:sp>
+        <p:nvSpPr>
+          <p:cNvPr id="4" name="Inhaltsplatzhalter 3"/>
+          <p:cNvSpPr>
+            <a:spLocks noGrp="1"/>
+          </p:cNvSpPr>
+          <p:nvPr>
+            <p:ph sz="half" idx="1"/>
+          </p:nvPr>
+        </p:nvSpPr>
+        <p:spPr>
+          <a:xfrm>
+            <a:off x="1097279" y="1845734"/>
+            <a:ext cx="10115204" cy="4023360"/>
+          </a:xfrm>
+        </p:spPr>
+        <p:txBody>
+          <a:bodyPr/>
+          <a:lstStyle/>
+          <a:p>
+            <a:endParaRPr lang="de-DE" dirty="0"/>
+          </a:p>
+          <a:p>
+            <a:pPr marL="0" indent="0">
+              <a:buNone/>
+            </a:pPr>
+            <a:endParaRPr lang="de-DE" dirty="0"/>
+          </a:p>
+          <a:p>
+            <a:pPr marL="0" indent="0">
+              <a:buNone/>
+            </a:pPr>
+            <a:endParaRPr lang="de-DE" dirty="0"/>
+          </a:p>
+          <a:p>
+            <a:pPr lvl="1">
+              <a:buFont typeface="Arial" panose="020B0604020202020204" pitchFamily="34" charset="0"/>
+              <a:buChar char="•"/>
+            </a:pPr>
+            <a:r>
+              <a:rPr lang="de-DE" dirty="0"/>
+              <a:t>Werbeplakate</a:t>
+            </a:r>
+          </a:p>
+          <a:p>
+            <a:pPr lvl="1">
+              <a:buFont typeface="Arial" panose="020B0604020202020204" pitchFamily="34" charset="0"/>
+              <a:buChar char="•"/>
+            </a:pPr>
+            <a:r>
+              <a:rPr lang="de-DE" dirty="0"/>
+              <a:t>Visitenkarte</a:t>
+            </a:r>
+          </a:p>
+          <a:p>
+            <a:pPr lvl="1">
+              <a:buFont typeface="Arial" panose="020B0604020202020204" pitchFamily="34" charset="0"/>
+              <a:buChar char="•"/>
+            </a:pPr>
+            <a:r>
+              <a:rPr lang="de-DE" dirty="0"/>
+              <a:t>Zutrittskontrolle / aufzeichnen von Arbeitszeiten </a:t>
+            </a:r>
+          </a:p>
+          <a:p>
+            <a:pPr marL="0" indent="0">
+              <a:buNone/>
+            </a:pPr>
+            <a:endParaRPr lang="de-DE" dirty="0"/>
+          </a:p>
+        </p:txBody>
+      </p:sp>
+      <p:sp>
+        <p:nvSpPr>
+          <p:cNvPr id="6" name="Titel 5"/>
+          <p:cNvSpPr>
+            <a:spLocks noGrp="1"/>
+          </p:cNvSpPr>
+          <p:nvPr>
+            <p:ph type="title"/>
+          </p:nvPr>
+        </p:nvSpPr>
+        <p:spPr/>
+        <p:txBody>
+          <a:bodyPr>
+            <a:normAutofit/>
+          </a:bodyPr>
+          <a:lstStyle/>
+          <a:p>
+            <a:r>
+              <a:rPr lang="de-DE" dirty="0"/>
+              <a:t>Wo kann ein Unternehmen NFC nutzen?</a:t>
+            </a:r>
+          </a:p>
+        </p:txBody>
+      </p:sp>
+    </p:spTree>
+    <p:extLst>
+      <p:ext uri="{BB962C8B-B14F-4D97-AF65-F5344CB8AC3E}">
+        <p14:creationId xmlns:p14="http://schemas.microsoft.com/office/powerpoint/2010/main" val="1575754886"/>
+      </p:ext>
+    </p:extLst>
+  </p:cSld>
+  <p:clrMapOvr>
+    <a:masterClrMapping/>
+  </p:clrMapOvr>
+  <p:timing>
+    <p:tnLst>
+      <p:par>
+        <p:cTn id="1" dur="indefinite" restart="never" nodeType="tmRoot">
+          <p:childTnLst>
+            <p:seq concurrent="1" nextAc="seek">
+              <p:cTn id="2" dur="indefinite" nodeType="mainSeq">
+                <p:childTnLst>
+                  <p:par>
+                    <p:cTn id="3" fill="hold">
+                      <p:stCondLst>
+                        <p:cond delay="indefinite"/>
+                      </p:stCondLst>
+                      <p:childTnLst>
+                        <p:par>
+                          <p:cTn id="4" fill="hold">
+                            <p:stCondLst>
+                              <p:cond delay="0"/>
+                            </p:stCondLst>
+                            <p:childTnLst>
+                              <p:par>
+                                <p:cTn id="5" presetID="1" presetClass="entr" presetSubtype="0" fill="hold" nodeType="clickEffect">
+                                  <p:stCondLst>
+                                    <p:cond delay="0"/>
+                                  </p:stCondLst>
+                                  <p:childTnLst>
+                                    <p:set>
+                                      <p:cBhvr>
+                                        <p:cTn id="6" dur="1" fill="hold">
+                                          <p:stCondLst>
+                                            <p:cond delay="0"/>
+                                          </p:stCondLst>
+                                        </p:cTn>
+                                        <p:tgtEl>
+                                          <p:spTgt spid="4">
+                                            <p:txEl>
+                                              <p:pRg st="3" end="3"/>
+                                            </p:txEl>
+                                          </p:spTgt>
+                                        </p:tgtEl>
+                                        <p:attrNameLst>
+                                          <p:attrName>style.visibility</p:attrName>
+                                        </p:attrNameLst>
+                                      </p:cBhvr>
+                                      <p:to>
+                                        <p:strVal val="visible"/>
+                                      </p:to>
+                                    </p:set>
+                                  </p:childTnLst>
+                                </p:cTn>
+                              </p:par>
+                            </p:childTnLst>
+                          </p:cTn>
+                        </p:par>
+                      </p:childTnLst>
+                    </p:cTn>
+                  </p:par>
+                  <p:par>
+                    <p:cTn id="7" fill="hold">
+                      <p:stCondLst>
+                        <p:cond delay="indefinite"/>
+                      </p:stCondLst>
+                      <p:childTnLst>
+                        <p:par>
+                          <p:cTn id="8" fill="hold">
+                            <p:stCondLst>
+                              <p:cond delay="0"/>
+                            </p:stCondLst>
+                            <p:childTnLst>
+                              <p:par>
+                                <p:cTn id="9" presetID="1" presetClass="entr" presetSubtype="0" fill="hold" nodeType="clickEffect">
+                                  <p:stCondLst>
+                                    <p:cond delay="0"/>
+                                  </p:stCondLst>
+                                  <p:childTnLst>
+                                    <p:set>
+                                      <p:cBhvr>
+                                        <p:cTn id="10" dur="1" fill="hold">
+                                          <p:stCondLst>
+                                            <p:cond delay="0"/>
+                                          </p:stCondLst>
+                                        </p:cTn>
+                                        <p:tgtEl>
+                                          <p:spTgt spid="4">
+                                            <p:txEl>
+                                              <p:pRg st="4" end="4"/>
+                                            </p:txEl>
+                                          </p:spTgt>
+                                        </p:tgtEl>
+                                        <p:attrNameLst>
+                                          <p:attrName>style.visibility</p:attrName>
+                                        </p:attrNameLst>
+                                      </p:cBhvr>
+                                      <p:to>
+                                        <p:strVal val="visible"/>
+                                      </p:to>
+                                    </p:set>
+                                  </p:childTnLst>
+                                </p:cTn>
+                              </p:par>
+                              <p:par>
+                                <p:cTn id="11" presetID="1" presetClass="entr" presetSubtype="0" fill="hold" nodeType="withEffect">
+                                  <p:stCondLst>
+                                    <p:cond delay="0"/>
+                                  </p:stCondLst>
+                                  <p:childTnLst>
+                                    <p:set>
+                                      <p:cBhvr>
+                                        <p:cTn id="12" dur="1" fill="hold">
+                                          <p:stCondLst>
+                                            <p:cond delay="0"/>
+                                          </p:stCondLst>
+                                        </p:cTn>
+                                        <p:tgtEl>
+                                          <p:spTgt spid="4">
+                                            <p:txEl>
+                                              <p:pRg st="5" end="5"/>
+                                            </p:txEl>
+                                          </p:spTgt>
+                                        </p:tgtEl>
+                                        <p:attrNameLst>
+                                          <p:attrName>style.visibility</p:attrName>
+                                        </p:attrNameLst>
+                                      </p:cBhvr>
+                                      <p:to>
+                                        <p:strVal val="visible"/>
+                                      </p:to>
+                                    </p:set>
+                                  </p:childTnLst>
+                                </p:cTn>
+                              </p:par>
+                            </p:childTnLst>
+                          </p:cTn>
+                        </p:par>
+                      </p:childTnLst>
+                    </p:cTn>
+                  </p:par>
+                </p:childTnLst>
+              </p:cTn>
+              <p:prevCondLst>
+                <p:cond evt="onPrev" delay="0">
+                  <p:tgtEl>
+                    <p:sldTgt/>
+                  </p:tgtEl>
+                </p:cond>
+              </p:prevCondLst>
+              <p:nextCondLst>
+                <p:cond evt="onNext" delay="0">
+                  <p:tgtEl>
+                    <p:sldTgt/>
+                  </p:tgtEl>
+                </p:cond>
+              </p:nextCondLst>
+            </p:seq>
+          </p:childTnLst>
+        </p:cTn>
+      </p:par>
+    </p:tnLst>
+  </p:timing>
+</p:sld>
+</file>
+
+<file path=ppt/slides/slide12.xml><?xml version="1.0" encoding="utf-8"?>
+<p:sld xmlns:a="http://schemas.openxmlformats.org/drawingml/2006/main" xmlns:r="http://schemas.openxmlformats.org/officeDocument/2006/relationships" xmlns:p="http://schemas.openxmlformats.org/presentationml/2006/main">
+  <p:cSld>
+    <p:spTree>
+      <p:nvGrpSpPr>
+        <p:cNvPr id="1" name=""/>
+        <p:cNvGrpSpPr/>
+        <p:nvPr/>
+      </p:nvGrpSpPr>
+      <p:grpSpPr>
+        <a:xfrm>
+          <a:off x="0" y="0"/>
+          <a:ext cx="0" cy="0"/>
+          <a:chOff x="0" y="0"/>
+          <a:chExt cx="0" cy="0"/>
+        </a:xfrm>
+      </p:grpSpPr>
+      <p:sp>
+        <p:nvSpPr>
+          <p:cNvPr id="2" name="Datumsplatzhalter 1"/>
+          <p:cNvSpPr>
+            <a:spLocks noGrp="1"/>
+          </p:cNvSpPr>
+          <p:nvPr>
+            <p:ph type="dt" sz="half" idx="10"/>
+          </p:nvPr>
+        </p:nvSpPr>
+        <p:spPr/>
+        <p:txBody>
+          <a:bodyPr/>
+          <a:lstStyle/>
+          <a:p>
+            <a:fld id="{60304490-4D7B-4CB0-AD76-0A4D4B224109}" type="datetime1">
+              <a:rPr lang="de-DE" smtClean="0">
+                <a:solidFill>
+                  <a:prstClr val="black">
+                    <a:lumMod val="75000"/>
+                    <a:lumOff val="25000"/>
+                  </a:prstClr>
+                </a:solidFill>
+              </a:rPr>
+              <a:pPr/>
+              <a:t>25.05.2017</a:t>
+            </a:fld>
+            <a:endParaRPr lang="de-DE">
+              <a:solidFill>
+                <a:prstClr val="black">
+                  <a:lumMod val="75000"/>
+                  <a:lumOff val="25000"/>
+                </a:prstClr>
+              </a:solidFill>
+            </a:endParaRPr>
+          </a:p>
+        </p:txBody>
+      </p:sp>
+      <p:sp>
+        <p:nvSpPr>
+          <p:cNvPr id="3" name="Foliennummernplatzhalter 2"/>
+          <p:cNvSpPr>
+            <a:spLocks noGrp="1"/>
+          </p:cNvSpPr>
+          <p:nvPr>
+            <p:ph type="sldNum" sz="quarter" idx="12"/>
+          </p:nvPr>
+        </p:nvSpPr>
+        <p:spPr/>
+        <p:txBody>
+          <a:bodyPr/>
+          <a:lstStyle/>
+          <a:p>
+            <a:fld id="{21C2AFE0-40E6-4211-92A5-D87BCC1E356D}" type="slidenum">
+              <a:rPr lang="de-DE" smtClean="0">
+                <a:solidFill>
+                  <a:prstClr val="black">
+                    <a:lumMod val="75000"/>
+                    <a:lumOff val="25000"/>
+                  </a:prstClr>
+                </a:solidFill>
+              </a:rPr>
+              <a:pPr/>
+              <a:t>12</a:t>
+            </a:fld>
+            <a:endParaRPr lang="de-DE">
+              <a:solidFill>
+                <a:prstClr val="black">
+                  <a:lumMod val="75000"/>
+                  <a:lumOff val="25000"/>
+                </a:prstClr>
+              </a:solidFill>
+            </a:endParaRPr>
+          </a:p>
+        </p:txBody>
+      </p:sp>
+      <p:sp>
+        <p:nvSpPr>
+          <p:cNvPr id="4" name="Inhaltsplatzhalter 3"/>
+          <p:cNvSpPr>
+            <a:spLocks noGrp="1"/>
+          </p:cNvSpPr>
+          <p:nvPr>
+            <p:ph sz="half" idx="1"/>
+          </p:nvPr>
+        </p:nvSpPr>
+        <p:spPr>
+          <a:xfrm>
+            <a:off x="1097279" y="1845734"/>
+            <a:ext cx="5215598" cy="4023360"/>
+          </a:xfrm>
+        </p:spPr>
+        <p:txBody>
+          <a:bodyPr>
+            <a:normAutofit/>
+          </a:bodyPr>
+          <a:lstStyle/>
+          <a:p>
+            <a:pPr fontAlgn="base"/>
+            <a:r>
+              <a:rPr lang="de-DE" b="1" dirty="0"/>
+              <a:t>Vorteile</a:t>
+            </a:r>
+            <a:endParaRPr lang="de-DE" dirty="0"/>
+          </a:p>
+          <a:p>
+            <a:pPr fontAlgn="base"/>
+            <a:r>
+              <a:rPr lang="de-DE" dirty="0"/>
+              <a:t> </a:t>
+            </a:r>
+          </a:p>
+          <a:p>
+            <a:pPr lvl="1" fontAlgn="base">
+              <a:buFont typeface="Arial" panose="020B0604020202020204" pitchFamily="34" charset="0"/>
+              <a:buChar char="•"/>
+            </a:pPr>
+            <a:r>
+              <a:rPr lang="de-DE" dirty="0"/>
+              <a:t>Schnelle, sichere und einfache Möglichkeiten um Daten zu übertragen</a:t>
+            </a:r>
+          </a:p>
+          <a:p>
+            <a:pPr lvl="1" fontAlgn="base">
+              <a:buFont typeface="Arial" panose="020B0604020202020204" pitchFamily="34" charset="0"/>
+              <a:buChar char="•"/>
+            </a:pPr>
+            <a:r>
+              <a:rPr lang="de-DE" dirty="0"/>
+              <a:t>Geringer aufwand beim Verbindungsaufbau </a:t>
+            </a:r>
+          </a:p>
+          <a:p>
+            <a:pPr lvl="1" fontAlgn="base">
+              <a:buFont typeface="Arial" panose="020B0604020202020204" pitchFamily="34" charset="0"/>
+              <a:buChar char="•"/>
+            </a:pPr>
+            <a:r>
+              <a:rPr lang="de-DE" dirty="0"/>
+              <a:t>Geringer Energieverbrauch </a:t>
+            </a:r>
+          </a:p>
+          <a:p>
+            <a:pPr lvl="1" fontAlgn="base">
+              <a:buFont typeface="Arial" panose="020B0604020202020204" pitchFamily="34" charset="0"/>
+              <a:buChar char="•"/>
+            </a:pPr>
+            <a:r>
+              <a:rPr lang="de-DE" dirty="0"/>
+              <a:t>Es kann ich vielen Bereichen verwendet werden </a:t>
+            </a:r>
+          </a:p>
+          <a:p>
+            <a:pPr lvl="1" fontAlgn="base">
+              <a:buFont typeface="Arial" panose="020B0604020202020204" pitchFamily="34" charset="0"/>
+              <a:buChar char="•"/>
+            </a:pPr>
+            <a:r>
+              <a:rPr lang="de-DE" dirty="0"/>
+              <a:t>Abhörsicher </a:t>
+            </a:r>
+          </a:p>
+          <a:p>
+            <a:endParaRPr lang="de-DE" dirty="0"/>
+          </a:p>
+        </p:txBody>
+      </p:sp>
+      <p:sp>
+        <p:nvSpPr>
+          <p:cNvPr id="6" name="Titel 5"/>
+          <p:cNvSpPr>
+            <a:spLocks noGrp="1"/>
+          </p:cNvSpPr>
+          <p:nvPr>
+            <p:ph type="title"/>
+          </p:nvPr>
+        </p:nvSpPr>
+        <p:spPr/>
+        <p:txBody>
+          <a:bodyPr/>
+          <a:lstStyle/>
+          <a:p>
+            <a:r>
+              <a:rPr lang="de-DE" dirty="0"/>
+              <a:t>Vor- &amp; Nachteile </a:t>
+            </a:r>
+          </a:p>
+        </p:txBody>
+      </p:sp>
+      <p:sp>
+        <p:nvSpPr>
+          <p:cNvPr id="9" name="Inhaltsplatzhalter 3"/>
+          <p:cNvSpPr txBox="1">
+            <a:spLocks/>
+          </p:cNvSpPr>
+          <p:nvPr/>
+        </p:nvSpPr>
+        <p:spPr>
+          <a:xfrm>
+            <a:off x="6497515" y="1730294"/>
+            <a:ext cx="4648786" cy="4254240"/>
+          </a:xfrm>
+          <a:prstGeom prst="rect">
+            <a:avLst/>
+          </a:prstGeom>
+        </p:spPr>
+        <p:txBody>
+          <a:bodyPr vert="horz" lIns="0" tIns="45720" rIns="0" bIns="45720" rtlCol="0">
+            <a:normAutofit/>
+          </a:bodyPr>
+          <a:lstStyle>
+            <a:lvl1pPr marL="91440" indent="-91440" algn="l" defTabSz="914400" rtl="0" eaLnBrk="1" latinLnBrk="0" hangingPunct="1">
+              <a:lnSpc>
+                <a:spcPct val="90000"/>
+              </a:lnSpc>
+              <a:spcBef>
+                <a:spcPts val="1200"/>
+              </a:spcBef>
+              <a:spcAft>
+                <a:spcPts val="200"/>
+              </a:spcAft>
+              <a:buClr>
+                <a:schemeClr val="accent1"/>
+              </a:buClr>
+              <a:buSzPct val="100000"/>
+              <a:buFont typeface="Calibri" panose="020F0502020204030204" pitchFamily="34" charset="0"/>
+              <a:buChar char=" "/>
+              <a:defRPr sz="2200" kern="1200">
+                <a:solidFill>
+                  <a:schemeClr val="tx1">
+                    <a:lumMod val="75000"/>
+                    <a:lumOff val="25000"/>
+                  </a:schemeClr>
+                </a:solidFill>
+                <a:latin typeface="+mn-lt"/>
+                <a:ea typeface="+mn-ea"/>
+                <a:cs typeface="+mn-cs"/>
+              </a:defRPr>
+            </a:lvl1pPr>
+            <a:lvl2pPr marL="384048" indent="-182880" algn="l" defTabSz="914400" rtl="0" eaLnBrk="1" latinLnBrk="0" hangingPunct="1">
+              <a:lnSpc>
+                <a:spcPct val="90000"/>
+              </a:lnSpc>
+              <a:spcBef>
+                <a:spcPts val="200"/>
+              </a:spcBef>
+              <a:spcAft>
+                <a:spcPts val="400"/>
+              </a:spcAft>
+              <a:buClr>
+                <a:schemeClr val="accent1"/>
+              </a:buClr>
+              <a:buFont typeface="Calibri" pitchFamily="34" charset="0"/>
+              <a:buChar char="◦"/>
+              <a:defRPr sz="2200" kern="1200">
+                <a:solidFill>
+                  <a:schemeClr val="tx1">
+                    <a:lumMod val="75000"/>
+                    <a:lumOff val="25000"/>
+                  </a:schemeClr>
+                </a:solidFill>
+                <a:latin typeface="+mn-lt"/>
+                <a:ea typeface="+mn-ea"/>
+                <a:cs typeface="+mn-cs"/>
+              </a:defRPr>
+            </a:lvl2pPr>
+            <a:lvl3pPr marL="566928" indent="-182880" algn="l" defTabSz="914400" rtl="0" eaLnBrk="1" latinLnBrk="0" hangingPunct="1">
+              <a:lnSpc>
+                <a:spcPct val="90000"/>
+              </a:lnSpc>
+              <a:spcBef>
+                <a:spcPts val="200"/>
+              </a:spcBef>
+              <a:spcAft>
+                <a:spcPts val="400"/>
+              </a:spcAft>
+              <a:buClr>
+                <a:schemeClr val="accent1"/>
+              </a:buClr>
+              <a:buFont typeface="Calibri" pitchFamily="34" charset="0"/>
+              <a:buChar char="◦"/>
+              <a:defRPr sz="2200" kern="1200">
+                <a:solidFill>
+                  <a:schemeClr val="tx1">
+                    <a:lumMod val="75000"/>
+                    <a:lumOff val="25000"/>
+                  </a:schemeClr>
+                </a:solidFill>
+                <a:latin typeface="+mn-lt"/>
+                <a:ea typeface="+mn-ea"/>
+                <a:cs typeface="+mn-cs"/>
+              </a:defRPr>
+            </a:lvl3pPr>
+            <a:lvl4pPr marL="749808" indent="-182880" algn="l" defTabSz="914400" rtl="0" eaLnBrk="1" latinLnBrk="0" hangingPunct="1">
+              <a:lnSpc>
+                <a:spcPct val="90000"/>
+              </a:lnSpc>
+              <a:spcBef>
+                <a:spcPts val="200"/>
+              </a:spcBef>
+              <a:spcAft>
+                <a:spcPts val="400"/>
+              </a:spcAft>
+              <a:buClr>
+                <a:schemeClr val="accent1"/>
+              </a:buClr>
+              <a:buFont typeface="Calibri" pitchFamily="34" charset="0"/>
+              <a:buChar char="◦"/>
+              <a:defRPr sz="2200" kern="1200">
+                <a:solidFill>
+                  <a:schemeClr val="tx1">
+                    <a:lumMod val="75000"/>
+                    <a:lumOff val="25000"/>
+                  </a:schemeClr>
+                </a:solidFill>
+                <a:latin typeface="+mn-lt"/>
+                <a:ea typeface="+mn-ea"/>
+                <a:cs typeface="+mn-cs"/>
+              </a:defRPr>
+            </a:lvl4pPr>
+            <a:lvl5pPr marL="932688" indent="-182880" algn="l" defTabSz="914400" rtl="0" eaLnBrk="1" latinLnBrk="0" hangingPunct="1">
+              <a:lnSpc>
+                <a:spcPct val="90000"/>
+              </a:lnSpc>
+              <a:spcBef>
+                <a:spcPts val="200"/>
+              </a:spcBef>
+              <a:spcAft>
+                <a:spcPts val="400"/>
+              </a:spcAft>
+              <a:buClr>
+                <a:schemeClr val="accent1"/>
+              </a:buClr>
+              <a:buFont typeface="Calibri" pitchFamily="34" charset="0"/>
+              <a:buChar char="◦"/>
+              <a:defRPr sz="2200" kern="1200">
+                <a:solidFill>
+                  <a:schemeClr val="tx1">
+                    <a:lumMod val="75000"/>
+                    <a:lumOff val="25000"/>
+                  </a:schemeClr>
+                </a:solidFill>
+                <a:latin typeface="+mn-lt"/>
+                <a:ea typeface="+mn-ea"/>
+                <a:cs typeface="+mn-cs"/>
+              </a:defRPr>
+            </a:lvl5pPr>
+            <a:lvl6pPr marL="1100000" indent="-228600" algn="l" defTabSz="914400" rtl="0" eaLnBrk="1" latinLnBrk="0" hangingPunct="1">
+              <a:lnSpc>
+                <a:spcPct val="90000"/>
+              </a:lnSpc>
+              <a:spcBef>
+                <a:spcPts val="200"/>
+              </a:spcBef>
+              <a:spcAft>
+                <a:spcPts val="400"/>
+              </a:spcAft>
+              <a:buClr>
+                <a:schemeClr val="accent1"/>
+              </a:buClr>
+              <a:buFont typeface="Calibri" pitchFamily="34" charset="0"/>
+              <a:buChar char="◦"/>
+              <a:defRPr sz="1400" kern="1200">
+                <a:solidFill>
+                  <a:schemeClr val="tx1">
+                    <a:lumMod val="75000"/>
+                    <a:lumOff val="25000"/>
+                  </a:schemeClr>
+                </a:solidFill>
+                <a:latin typeface="+mn-lt"/>
+                <a:ea typeface="+mn-ea"/>
+                <a:cs typeface="+mn-cs"/>
+              </a:defRPr>
+            </a:lvl6pPr>
+            <a:lvl7pPr marL="1300000" indent="-228600" algn="l" defTabSz="914400" rtl="0" eaLnBrk="1" latinLnBrk="0" hangingPunct="1">
+              <a:lnSpc>
+                <a:spcPct val="90000"/>
+              </a:lnSpc>
+              <a:spcBef>
+                <a:spcPts val="200"/>
+              </a:spcBef>
+              <a:spcAft>
+                <a:spcPts val="400"/>
+              </a:spcAft>
+              <a:buClr>
+                <a:schemeClr val="accent1"/>
+              </a:buClr>
+              <a:buFont typeface="Calibri" pitchFamily="34" charset="0"/>
+              <a:buChar char="◦"/>
+              <a:defRPr sz="1400" kern="1200">
+                <a:solidFill>
+                  <a:schemeClr val="tx1">
+                    <a:lumMod val="75000"/>
+                    <a:lumOff val="25000"/>
+                  </a:schemeClr>
+                </a:solidFill>
+                <a:latin typeface="+mn-lt"/>
+                <a:ea typeface="+mn-ea"/>
+                <a:cs typeface="+mn-cs"/>
+              </a:defRPr>
+            </a:lvl7pPr>
+            <a:lvl8pPr marL="1500000" indent="-228600" algn="l" defTabSz="914400" rtl="0" eaLnBrk="1" latinLnBrk="0" hangingPunct="1">
+              <a:lnSpc>
+                <a:spcPct val="90000"/>
+              </a:lnSpc>
+              <a:spcBef>
+                <a:spcPts val="200"/>
+              </a:spcBef>
+              <a:spcAft>
+                <a:spcPts val="400"/>
+              </a:spcAft>
+              <a:buClr>
+                <a:schemeClr val="accent1"/>
+              </a:buClr>
+              <a:buFont typeface="Calibri" pitchFamily="34" charset="0"/>
+              <a:buChar char="◦"/>
+              <a:defRPr sz="1400" kern="1200">
+                <a:solidFill>
+                  <a:schemeClr val="tx1">
+                    <a:lumMod val="75000"/>
+                    <a:lumOff val="25000"/>
+                  </a:schemeClr>
+                </a:solidFill>
+                <a:latin typeface="+mn-lt"/>
+                <a:ea typeface="+mn-ea"/>
+                <a:cs typeface="+mn-cs"/>
+              </a:defRPr>
+            </a:lvl8pPr>
+            <a:lvl9pPr marL="1700000" indent="-228600" algn="l" defTabSz="914400" rtl="0" eaLnBrk="1" latinLnBrk="0" hangingPunct="1">
+              <a:lnSpc>
+                <a:spcPct val="90000"/>
+              </a:lnSpc>
+              <a:spcBef>
+                <a:spcPts val="200"/>
+              </a:spcBef>
+              <a:spcAft>
+                <a:spcPts val="400"/>
+              </a:spcAft>
+              <a:buClr>
+                <a:schemeClr val="accent1"/>
+              </a:buClr>
+              <a:buFont typeface="Calibri" pitchFamily="34" charset="0"/>
+              <a:buChar char="◦"/>
+              <a:defRPr sz="1400" kern="1200">
+                <a:solidFill>
+                  <a:schemeClr val="tx1">
+                    <a:lumMod val="75000"/>
+                    <a:lumOff val="25000"/>
+                  </a:schemeClr>
+                </a:solidFill>
+                <a:latin typeface="+mn-lt"/>
+                <a:ea typeface="+mn-ea"/>
+                <a:cs typeface="+mn-cs"/>
+              </a:defRPr>
+            </a:lvl9pPr>
+          </a:lstStyle>
+          <a:p>
+            <a:pPr fontAlgn="base"/>
+            <a:r>
+              <a:rPr lang="de-DE" b="1" dirty="0"/>
+              <a:t>Nachteile</a:t>
+            </a:r>
+            <a:endParaRPr lang="de-DE" dirty="0"/>
+          </a:p>
+          <a:p>
+            <a:pPr fontAlgn="base"/>
+            <a:r>
+              <a:rPr lang="de-DE" dirty="0"/>
+              <a:t> </a:t>
+            </a:r>
+          </a:p>
+          <a:p>
+            <a:pPr lvl="1" fontAlgn="base">
+              <a:buFont typeface="Arial" panose="020B0604020202020204" pitchFamily="34" charset="0"/>
+              <a:buChar char="•"/>
+            </a:pPr>
+            <a:r>
+              <a:rPr lang="de-DE" dirty="0"/>
+              <a:t>Nutzer sind gering                                 (immer nur 2 Teilnehmer)</a:t>
+            </a:r>
+          </a:p>
+          <a:p>
+            <a:pPr lvl="1" fontAlgn="base">
+              <a:buFont typeface="Arial" panose="020B0604020202020204" pitchFamily="34" charset="0"/>
+              <a:buChar char="•"/>
+            </a:pPr>
+            <a:r>
+              <a:rPr lang="de-DE" dirty="0"/>
+              <a:t>Geringe Übertragungsrate im Gegensatz zu anderen Technologien </a:t>
+            </a:r>
+          </a:p>
+          <a:p>
+            <a:endParaRPr lang="de-DE" dirty="0"/>
+          </a:p>
+        </p:txBody>
+      </p:sp>
+    </p:spTree>
+    <p:extLst>
+      <p:ext uri="{BB962C8B-B14F-4D97-AF65-F5344CB8AC3E}">
+        <p14:creationId xmlns:p14="http://schemas.microsoft.com/office/powerpoint/2010/main" val="3709827766"/>
+      </p:ext>
+    </p:extLst>
+  </p:cSld>
+  <p:clrMapOvr>
+    <a:masterClrMapping/>
+  </p:clrMapOvr>
+  <p:timing>
+    <p:tnLst>
+      <p:par>
+        <p:cTn id="1" dur="indefinite" restart="never" nodeType="tmRoot">
+          <p:childTnLst>
+            <p:seq concurrent="1" nextAc="seek">
+              <p:cTn id="2" dur="indefinite" nodeType="mainSeq">
+                <p:childTnLst>
+                  <p:par>
+                    <p:cTn id="3" fill="hold">
+                      <p:stCondLst>
+                        <p:cond delay="indefinite"/>
+                      </p:stCondLst>
+                      <p:childTnLst>
+                        <p:par>
+                          <p:cTn id="4" fill="hold">
+                            <p:stCondLst>
+                              <p:cond delay="0"/>
+                            </p:stCondLst>
+                            <p:childTnLst>
+                              <p:par>
+                                <p:cTn id="5" presetID="1" presetClass="entr" presetSubtype="0" fill="hold" nodeType="clickEffect">
+                                  <p:stCondLst>
+                                    <p:cond delay="0"/>
+                                  </p:stCondLst>
+                                  <p:childTnLst>
+                                    <p:set>
+                                      <p:cBhvr>
+                                        <p:cTn id="6" dur="1" fill="hold">
+                                          <p:stCondLst>
+                                            <p:cond delay="0"/>
+                                          </p:stCondLst>
+                                        </p:cTn>
+                                        <p:tgtEl>
+                                          <p:spTgt spid="4">
+                                            <p:txEl>
+                                              <p:pRg st="0" end="0"/>
+                                            </p:txEl>
+                                          </p:spTgt>
+                                        </p:tgtEl>
+                                        <p:attrNameLst>
+                                          <p:attrName>style.visibility</p:attrName>
+                                        </p:attrNameLst>
+                                      </p:cBhvr>
+                                      <p:to>
+                                        <p:strVal val="visible"/>
+                                      </p:to>
+                                    </p:set>
+                                  </p:childTnLst>
+                                </p:cTn>
+                              </p:par>
+                            </p:childTnLst>
+                          </p:cTn>
+                        </p:par>
+                      </p:childTnLst>
+                    </p:cTn>
+                  </p:par>
+                  <p:par>
+                    <p:cTn id="7" fill="hold">
+                      <p:stCondLst>
+                        <p:cond delay="indefinite"/>
+                      </p:stCondLst>
+                      <p:childTnLst>
+                        <p:par>
+                          <p:cTn id="8" fill="hold">
+                            <p:stCondLst>
+                              <p:cond delay="0"/>
+                            </p:stCondLst>
+                            <p:childTnLst>
+                              <p:par>
+                                <p:cTn id="9" presetID="1" presetClass="entr" presetSubtype="0" fill="hold" nodeType="clickEffect">
+                                  <p:stCondLst>
+                                    <p:cond delay="0"/>
+                                  </p:stCondLst>
+                                  <p:childTnLst>
+                                    <p:set>
+                                      <p:cBhvr>
+                                        <p:cTn id="10" dur="1" fill="hold">
+                                          <p:stCondLst>
+                                            <p:cond delay="0"/>
+                                          </p:stCondLst>
+                                        </p:cTn>
+                                        <p:tgtEl>
+                                          <p:spTgt spid="4">
+                                            <p:txEl>
+                                              <p:pRg st="2" end="2"/>
+                                            </p:txEl>
+                                          </p:spTgt>
+                                        </p:tgtEl>
+                                        <p:attrNameLst>
+                                          <p:attrName>style.visibility</p:attrName>
+                                        </p:attrNameLst>
+                                      </p:cBhvr>
+                                      <p:to>
+                                        <p:strVal val="visible"/>
+                                      </p:to>
+                                    </p:set>
+                                  </p:childTnLst>
+                                </p:cTn>
+                              </p:par>
+                            </p:childTnLst>
+                          </p:cTn>
+                        </p:par>
+                      </p:childTnLst>
+                    </p:cTn>
+                  </p:par>
+                  <p:par>
+                    <p:cTn id="11" fill="hold">
+                      <p:stCondLst>
+                        <p:cond delay="indefinite"/>
+                      </p:stCondLst>
+                      <p:childTnLst>
+                        <p:par>
+                          <p:cTn id="12" fill="hold">
+                            <p:stCondLst>
+                              <p:cond delay="0"/>
+                            </p:stCondLst>
+                            <p:childTnLst>
+                              <p:par>
+                                <p:cTn id="13" presetID="1" presetClass="entr" presetSubtype="0" fill="hold" nodeType="clickEffect">
+                                  <p:stCondLst>
+                                    <p:cond delay="0"/>
+                                  </p:stCondLst>
+                                  <p:childTnLst>
+                                    <p:set>
+                                      <p:cBhvr>
+                                        <p:cTn id="14" dur="1" fill="hold">
+                                          <p:stCondLst>
+                                            <p:cond delay="0"/>
+                                          </p:stCondLst>
+                                        </p:cTn>
+                                        <p:tgtEl>
+                                          <p:spTgt spid="4">
+                                            <p:txEl>
+                                              <p:pRg st="3" end="3"/>
+                                            </p:txEl>
+                                          </p:spTgt>
+                                        </p:tgtEl>
+                                        <p:attrNameLst>
+                                          <p:attrName>style.visibility</p:attrName>
+                                        </p:attrNameLst>
+                                      </p:cBhvr>
+                                      <p:to>
+                                        <p:strVal val="visible"/>
+                                      </p:to>
+                                    </p:set>
+                                  </p:childTnLst>
+                                </p:cTn>
+                              </p:par>
+                            </p:childTnLst>
+                          </p:cTn>
+                        </p:par>
+                      </p:childTnLst>
+                    </p:cTn>
+                  </p:par>
+                  <p:par>
+                    <p:cTn id="15" fill="hold">
+                      <p:stCondLst>
+                        <p:cond delay="indefinite"/>
+                      </p:stCondLst>
+                      <p:childTnLst>
+                        <p:par>
+                          <p:cTn id="16" fill="hold">
+                            <p:stCondLst>
+                              <p:cond delay="0"/>
+                            </p:stCondLst>
+                            <p:childTnLst>
+                              <p:par>
+                                <p:cTn id="17" presetID="1" presetClass="entr" presetSubtype="0" fill="hold" nodeType="clickEffect">
+                                  <p:stCondLst>
+                                    <p:cond delay="0"/>
+                                  </p:stCondLst>
+                                  <p:childTnLst>
+                                    <p:set>
+                                      <p:cBhvr>
+                                        <p:cTn id="18" dur="1" fill="hold">
+                                          <p:stCondLst>
+                                            <p:cond delay="0"/>
+                                          </p:stCondLst>
+                                        </p:cTn>
+                                        <p:tgtEl>
+                                          <p:spTgt spid="4">
+                                            <p:txEl>
+                                              <p:pRg st="4" end="4"/>
+                                            </p:txEl>
+                                          </p:spTgt>
+                                        </p:tgtEl>
+                                        <p:attrNameLst>
+                                          <p:attrName>style.visibility</p:attrName>
+                                        </p:attrNameLst>
+                                      </p:cBhvr>
+                                      <p:to>
+                                        <p:strVal val="visible"/>
+                                      </p:to>
+                                    </p:set>
+                                  </p:childTnLst>
+                                </p:cTn>
+                              </p:par>
+                              <p:par>
+                                <p:cTn id="19" presetID="1" presetClass="entr" presetSubtype="0" fill="hold" nodeType="withEffect">
+                                  <p:stCondLst>
+                                    <p:cond delay="0"/>
+                                  </p:stCondLst>
+                                  <p:childTnLst>
+                                    <p:set>
+                                      <p:cBhvr>
+                                        <p:cTn id="20" dur="1" fill="hold">
+                                          <p:stCondLst>
+                                            <p:cond delay="0"/>
+                                          </p:stCondLst>
+                                        </p:cTn>
+                                        <p:tgtEl>
+                                          <p:spTgt spid="4">
+                                            <p:txEl>
+                                              <p:pRg st="5" end="5"/>
+                                            </p:txEl>
+                                          </p:spTgt>
+                                        </p:tgtEl>
+                                        <p:attrNameLst>
+                                          <p:attrName>style.visibility</p:attrName>
+                                        </p:attrNameLst>
+                                      </p:cBhvr>
+                                      <p:to>
+                                        <p:strVal val="visible"/>
+                                      </p:to>
+                                    </p:set>
+                                  </p:childTnLst>
+                                </p:cTn>
+                              </p:par>
+                            </p:childTnLst>
+                          </p:cTn>
+                        </p:par>
+                      </p:childTnLst>
+                    </p:cTn>
+                  </p:par>
+                  <p:par>
+                    <p:cTn id="21" fill="hold">
+                      <p:stCondLst>
+                        <p:cond delay="indefinite"/>
+                      </p:stCondLst>
+                      <p:childTnLst>
+                        <p:par>
+                          <p:cTn id="22" fill="hold">
+                            <p:stCondLst>
+                              <p:cond delay="0"/>
+                            </p:stCondLst>
+                            <p:childTnLst>
+                              <p:par>
+                                <p:cTn id="23" presetID="1" presetClass="entr" presetSubtype="0" fill="hold" nodeType="clickEffect">
+                                  <p:stCondLst>
+                                    <p:cond delay="0"/>
+                                  </p:stCondLst>
+                                  <p:childTnLst>
+                                    <p:set>
+                                      <p:cBhvr>
+                                        <p:cTn id="24" dur="1" fill="hold">
+                                          <p:stCondLst>
+                                            <p:cond delay="0"/>
+                                          </p:stCondLst>
+                                        </p:cTn>
+                                        <p:tgtEl>
+                                          <p:spTgt spid="4">
+                                            <p:txEl>
+                                              <p:pRg st="6" end="6"/>
+                                            </p:txEl>
+                                          </p:spTgt>
+                                        </p:tgtEl>
+                                        <p:attrNameLst>
+                                          <p:attrName>style.visibility</p:attrName>
+                                        </p:attrNameLst>
+                                      </p:cBhvr>
+                                      <p:to>
+                                        <p:strVal val="visible"/>
+                                      </p:to>
+                                    </p:set>
+                                  </p:childTnLst>
+                                </p:cTn>
+                              </p:par>
+                            </p:childTnLst>
+                          </p:cTn>
+                        </p:par>
+                      </p:childTnLst>
+                    </p:cTn>
+                  </p:par>
+                  <p:par>
+                    <p:cTn id="25" fill="hold">
+                      <p:stCondLst>
+                        <p:cond delay="indefinite"/>
+                      </p:stCondLst>
+                      <p:childTnLst>
+                        <p:par>
+                          <p:cTn id="26" fill="hold">
+                            <p:stCondLst>
+                              <p:cond delay="0"/>
+                            </p:stCondLst>
+                            <p:childTnLst>
+                              <p:par>
+                                <p:cTn id="27" presetID="1" presetClass="entr" presetSubtype="0" fill="hold" nodeType="clickEffect">
+                                  <p:stCondLst>
+                                    <p:cond delay="0"/>
+                                  </p:stCondLst>
+                                  <p:childTnLst>
+                                    <p:set>
+                                      <p:cBhvr>
+                                        <p:cTn id="28" dur="1" fill="hold">
+                                          <p:stCondLst>
+                                            <p:cond delay="0"/>
+                                          </p:stCondLst>
+                                        </p:cTn>
+                                        <p:tgtEl>
+                                          <p:spTgt spid="9">
+                                            <p:txEl>
+                                              <p:pRg st="0" end="0"/>
+                                            </p:txEl>
+                                          </p:spTgt>
+                                        </p:tgtEl>
+                                        <p:attrNameLst>
+                                          <p:attrName>style.visibility</p:attrName>
+                                        </p:attrNameLst>
+                                      </p:cBhvr>
+                                      <p:to>
+                                        <p:strVal val="visible"/>
+                                      </p:to>
+                                    </p:set>
+                                  </p:childTnLst>
+                                </p:cTn>
+                              </p:par>
+                            </p:childTnLst>
+                          </p:cTn>
+                        </p:par>
+                      </p:childTnLst>
+                    </p:cTn>
+                  </p:par>
+                  <p:par>
+                    <p:cTn id="29" fill="hold">
+                      <p:stCondLst>
+                        <p:cond delay="indefinite"/>
+                      </p:stCondLst>
+                      <p:childTnLst>
+                        <p:par>
+                          <p:cTn id="30" fill="hold">
+                            <p:stCondLst>
+                              <p:cond delay="0"/>
+                            </p:stCondLst>
+                            <p:childTnLst>
+                              <p:par>
+                                <p:cTn id="31" presetID="1" presetClass="entr" presetSubtype="0" fill="hold" nodeType="clickEffect">
+                                  <p:stCondLst>
+                                    <p:cond delay="0"/>
+                                  </p:stCondLst>
+                                  <p:childTnLst>
+                                    <p:set>
+                                      <p:cBhvr>
+                                        <p:cTn id="32" dur="1" fill="hold">
+                                          <p:stCondLst>
+                                            <p:cond delay="0"/>
+                                          </p:stCondLst>
+                                        </p:cTn>
+                                        <p:tgtEl>
+                                          <p:spTgt spid="9">
+                                            <p:txEl>
+                                              <p:pRg st="2" end="2"/>
+                                            </p:txEl>
+                                          </p:spTgt>
+                                        </p:tgtEl>
+                                        <p:attrNameLst>
+                                          <p:attrName>style.visibility</p:attrName>
+                                        </p:attrNameLst>
+                                      </p:cBhvr>
+                                      <p:to>
+                                        <p:strVal val="visible"/>
+                                      </p:to>
+                                    </p:set>
+                                  </p:childTnLst>
+                                </p:cTn>
+                              </p:par>
+                            </p:childTnLst>
+                          </p:cTn>
+                        </p:par>
+                      </p:childTnLst>
+                    </p:cTn>
+                  </p:par>
+                  <p:par>
+                    <p:cTn id="33" fill="hold">
+                      <p:stCondLst>
+                        <p:cond delay="indefinite"/>
+                      </p:stCondLst>
+                      <p:childTnLst>
+                        <p:par>
+                          <p:cTn id="34" fill="hold">
+                            <p:stCondLst>
+                              <p:cond delay="0"/>
+                            </p:stCondLst>
+                            <p:childTnLst>
+                              <p:par>
+                                <p:cTn id="35" presetID="1" presetClass="entr" presetSubtype="0" fill="hold" nodeType="clickEffect">
+                                  <p:stCondLst>
+                                    <p:cond delay="0"/>
+                                  </p:stCondLst>
+                                  <p:childTnLst>
+                                    <p:set>
+                                      <p:cBhvr>
+                                        <p:cTn id="36" dur="1" fill="hold">
+                                          <p:stCondLst>
+                                            <p:cond delay="0"/>
+                                          </p:stCondLst>
+                                        </p:cTn>
+                                        <p:tgtEl>
+                                          <p:spTgt spid="9">
+                                            <p:txEl>
+                                              <p:pRg st="3" end="3"/>
+                                            </p:txEl>
+                                          </p:spTgt>
+                                        </p:tgtEl>
+                                        <p:attrNameLst>
+                                          <p:attrName>style.visibility</p:attrName>
+                                        </p:attrNameLst>
+                                      </p:cBhvr>
+                                      <p:to>
+                                        <p:strVal val="visible"/>
+                                      </p:to>
+                                    </p:set>
+                                  </p:childTnLst>
+                                </p:cTn>
+                              </p:par>
+                            </p:childTnLst>
+                          </p:cTn>
+                        </p:par>
+                      </p:childTnLst>
+                    </p:cTn>
+                  </p:par>
+                </p:childTnLst>
+              </p:cTn>
+              <p:prevCondLst>
+                <p:cond evt="onPrev" delay="0">
+                  <p:tgtEl>
+                    <p:sldTgt/>
+                  </p:tgtEl>
+                </p:cond>
+              </p:prevCondLst>
+              <p:nextCondLst>
+                <p:cond evt="onNext" delay="0">
+                  <p:tgtEl>
+                    <p:sldTgt/>
+                  </p:tgtEl>
+                </p:cond>
+              </p:nextCondLst>
+            </p:seq>
+          </p:childTnLst>
+        </p:cTn>
+      </p:par>
+    </p:tnLst>
+  </p:timing>
+</p:sld>
+</file>
+
+<file path=ppt/slides/slide13.xml><?xml version="1.0" encoding="utf-8"?>
+<p:sld xmlns:a="http://schemas.openxmlformats.org/drawingml/2006/main" xmlns:r="http://schemas.openxmlformats.org/officeDocument/2006/relationships" xmlns:p="http://schemas.openxmlformats.org/presentationml/2006/main">
+  <p:cSld>
+    <p:spTree>
+      <p:nvGrpSpPr>
+        <p:cNvPr id="1" name=""/>
+        <p:cNvGrpSpPr/>
+        <p:nvPr/>
+      </p:nvGrpSpPr>
+      <p:grpSpPr>
+        <a:xfrm>
+          <a:off x="0" y="0"/>
+          <a:ext cx="0" cy="0"/>
+          <a:chOff x="0" y="0"/>
+          <a:chExt cx="0" cy="0"/>
+        </a:xfrm>
+      </p:grpSpPr>
+      <p:sp>
+        <p:nvSpPr>
+          <p:cNvPr id="2" name="Datumsplatzhalter 1"/>
+          <p:cNvSpPr>
+            <a:spLocks noGrp="1"/>
+          </p:cNvSpPr>
+          <p:nvPr>
+            <p:ph type="dt" sz="half" idx="10"/>
+          </p:nvPr>
+        </p:nvSpPr>
+        <p:spPr/>
+        <p:txBody>
+          <a:bodyPr/>
+          <a:lstStyle/>
+          <a:p>
+            <a:fld id="{60304490-4D7B-4CB0-AD76-0A4D4B224109}" type="datetime1">
+              <a:rPr lang="de-DE" smtClean="0">
+                <a:solidFill>
+                  <a:prstClr val="black">
+                    <a:lumMod val="75000"/>
+                    <a:lumOff val="25000"/>
+                  </a:prstClr>
+                </a:solidFill>
+              </a:rPr>
+              <a:pPr/>
+              <a:t>25.05.2017</a:t>
+            </a:fld>
+            <a:endParaRPr lang="de-DE">
+              <a:solidFill>
+                <a:prstClr val="black">
+                  <a:lumMod val="75000"/>
+                  <a:lumOff val="25000"/>
+                </a:prstClr>
+              </a:solidFill>
+            </a:endParaRPr>
+          </a:p>
+        </p:txBody>
+      </p:sp>
+      <p:sp>
+        <p:nvSpPr>
+          <p:cNvPr id="3" name="Foliennummernplatzhalter 2"/>
+          <p:cNvSpPr>
+            <a:spLocks noGrp="1"/>
+          </p:cNvSpPr>
+          <p:nvPr>
+            <p:ph type="sldNum" sz="quarter" idx="12"/>
+          </p:nvPr>
+        </p:nvSpPr>
+        <p:spPr/>
+        <p:txBody>
+          <a:bodyPr/>
+          <a:lstStyle/>
+          <a:p>
+            <a:fld id="{21C2AFE0-40E6-4211-92A5-D87BCC1E356D}" type="slidenum">
+              <a:rPr lang="de-DE" smtClean="0">
+                <a:solidFill>
+                  <a:prstClr val="black">
+                    <a:lumMod val="75000"/>
+                    <a:lumOff val="25000"/>
+                  </a:prstClr>
+                </a:solidFill>
+              </a:rPr>
+              <a:pPr/>
+              <a:t>13</a:t>
+            </a:fld>
+            <a:endParaRPr lang="de-DE">
+              <a:solidFill>
+                <a:prstClr val="black">
+                  <a:lumMod val="75000"/>
+                  <a:lumOff val="25000"/>
+                </a:prstClr>
+              </a:solidFill>
+            </a:endParaRPr>
+          </a:p>
+        </p:txBody>
+      </p:sp>
+      <p:sp>
+        <p:nvSpPr>
+          <p:cNvPr id="4" name="Inhaltsplatzhalter 3"/>
+          <p:cNvSpPr>
+            <a:spLocks noGrp="1"/>
+          </p:cNvSpPr>
+          <p:nvPr>
+            <p:ph sz="half" idx="1"/>
+          </p:nvPr>
+        </p:nvSpPr>
+        <p:spPr>
+          <a:xfrm>
+            <a:off x="1097279" y="1845734"/>
+            <a:ext cx="10115204" cy="4023360"/>
+          </a:xfrm>
+        </p:spPr>
+        <p:txBody>
+          <a:bodyPr>
+            <a:normAutofit fontScale="92500" lnSpcReduction="10000"/>
+          </a:bodyPr>
+          <a:lstStyle/>
+          <a:p>
+            <a:pPr lvl="1">
+              <a:buFont typeface="Arial" panose="020B0604020202020204" pitchFamily="34" charset="0"/>
+              <a:buChar char="•"/>
+            </a:pPr>
+            <a:endParaRPr lang="de-DE" sz="2400" dirty="0"/>
+          </a:p>
+          <a:p>
+            <a:pPr lvl="1">
+              <a:buFont typeface="Arial" panose="020B0604020202020204" pitchFamily="34" charset="0"/>
+              <a:buChar char="•"/>
+            </a:pPr>
+            <a:r>
+              <a:rPr lang="de-DE" sz="2400" dirty="0"/>
+              <a:t>Sind die Daten verschlüsselt oder welche Daten auf der Kreditkarte sind verschlüsselt? </a:t>
+            </a:r>
+          </a:p>
+          <a:p>
+            <a:pPr marL="201168" lvl="1" indent="0">
+              <a:buNone/>
+            </a:pPr>
+            <a:endParaRPr lang="de-DE" sz="2400" dirty="0"/>
+          </a:p>
+          <a:p>
+            <a:pPr lvl="1">
+              <a:buFont typeface="Arial" panose="020B0604020202020204" pitchFamily="34" charset="0"/>
+              <a:buChar char="•"/>
+            </a:pPr>
+            <a:r>
+              <a:rPr lang="de-DE" sz="2400" dirty="0"/>
+              <a:t>Kann jemand unbemerkt mit deiner Karte zahlen? </a:t>
+            </a:r>
+          </a:p>
+          <a:p>
+            <a:pPr marL="201168" lvl="1" indent="0">
+              <a:buNone/>
+            </a:pPr>
+            <a:endParaRPr lang="de-DE" sz="2400" dirty="0"/>
+          </a:p>
+          <a:p>
+            <a:pPr lvl="1">
+              <a:buFont typeface="Arial" panose="020B0604020202020204" pitchFamily="34" charset="0"/>
+              <a:buChar char="•"/>
+            </a:pPr>
+            <a:r>
+              <a:rPr lang="de-DE" sz="2400" dirty="0"/>
+              <a:t>Was ist mit den Daten wenn man das Handy verliert?</a:t>
+            </a:r>
+          </a:p>
+          <a:p>
+            <a:pPr marL="201168" lvl="1" indent="0">
+              <a:buNone/>
+            </a:pPr>
+            <a:endParaRPr lang="de-DE" sz="2400" dirty="0"/>
+          </a:p>
+          <a:p>
+            <a:pPr lvl="1">
+              <a:buFont typeface="Arial" panose="020B0604020202020204" pitchFamily="34" charset="0"/>
+              <a:buChar char="•"/>
+            </a:pPr>
+            <a:r>
+              <a:rPr lang="de-DE" sz="2400" dirty="0"/>
+              <a:t>Lassen sich die Signale abhören?</a:t>
+            </a:r>
+          </a:p>
+          <a:p>
+            <a:pPr marL="201168" lvl="1" indent="0">
+              <a:buNone/>
+            </a:pPr>
+            <a:endParaRPr lang="de-DE" sz="2400" dirty="0"/>
+          </a:p>
+          <a:p>
+            <a:pPr lvl="1">
+              <a:buFont typeface="Arial" panose="020B0604020202020204" pitchFamily="34" charset="0"/>
+              <a:buChar char="•"/>
+            </a:pPr>
+            <a:r>
+              <a:rPr lang="de-DE" sz="2400" dirty="0"/>
+              <a:t>Hat man durch den geringen abstand eine höhere Sicherheit</a:t>
+            </a:r>
+          </a:p>
+          <a:p>
+            <a:endParaRPr lang="de-DE" dirty="0"/>
+          </a:p>
+        </p:txBody>
+      </p:sp>
+      <p:sp>
+        <p:nvSpPr>
+          <p:cNvPr id="6" name="Titel 5"/>
+          <p:cNvSpPr>
+            <a:spLocks noGrp="1"/>
+          </p:cNvSpPr>
+          <p:nvPr>
+            <p:ph type="title"/>
+          </p:nvPr>
+        </p:nvSpPr>
+        <p:spPr/>
+        <p:txBody>
+          <a:bodyPr/>
+          <a:lstStyle/>
+          <a:p>
+            <a:r>
+              <a:rPr lang="de-DE" dirty="0"/>
+              <a:t>Ist NFC sicher?</a:t>
+            </a:r>
+          </a:p>
+        </p:txBody>
+      </p:sp>
+    </p:spTree>
+    <p:extLst>
+      <p:ext uri="{BB962C8B-B14F-4D97-AF65-F5344CB8AC3E}">
+        <p14:creationId xmlns:p14="http://schemas.microsoft.com/office/powerpoint/2010/main" val="1619185106"/>
+      </p:ext>
+    </p:extLst>
+  </p:cSld>
+  <p:clrMapOvr>
+    <a:masterClrMapping/>
+  </p:clrMapOvr>
+  <p:timing>
+    <p:tnLst>
+      <p:par>
+        <p:cTn id="1" dur="indefinite" restart="never" nodeType="tmRoot">
+          <p:childTnLst>
+            <p:seq concurrent="1" nextAc="seek">
+              <p:cTn id="2" dur="indefinite" nodeType="mainSeq">
+                <p:childTnLst>
+                  <p:par>
+                    <p:cTn id="3" fill="hold">
+                      <p:stCondLst>
+                        <p:cond delay="indefinite"/>
+                      </p:stCondLst>
+                      <p:childTnLst>
+                        <p:par>
+                          <p:cTn id="4" fill="hold">
+                            <p:stCondLst>
+                              <p:cond delay="0"/>
+                            </p:stCondLst>
+                            <p:childTnLst>
+                              <p:par>
+                                <p:cTn id="5" presetID="1" presetClass="entr" presetSubtype="0" fill="hold" nodeType="clickEffect">
+                                  <p:stCondLst>
+                                    <p:cond delay="0"/>
+                                  </p:stCondLst>
+                                  <p:childTnLst>
+                                    <p:set>
+                                      <p:cBhvr>
+                                        <p:cTn id="6" dur="1" fill="hold">
+                                          <p:stCondLst>
+                                            <p:cond delay="0"/>
+                                          </p:stCondLst>
+                                        </p:cTn>
+                                        <p:tgtEl>
+                                          <p:spTgt spid="4">
+                                            <p:txEl>
+                                              <p:pRg st="1" end="1"/>
+                                            </p:txEl>
+                                          </p:spTgt>
+                                        </p:tgtEl>
+                                        <p:attrNameLst>
+                                          <p:attrName>style.visibility</p:attrName>
+                                        </p:attrNameLst>
+                                      </p:cBhvr>
+                                      <p:to>
+                                        <p:strVal val="visible"/>
+                                      </p:to>
+                                    </p:set>
+                                  </p:childTnLst>
+                                </p:cTn>
+                              </p:par>
+                            </p:childTnLst>
+                          </p:cTn>
+                        </p:par>
+                      </p:childTnLst>
+                    </p:cTn>
+                  </p:par>
+                  <p:par>
+                    <p:cTn id="7" fill="hold">
+                      <p:stCondLst>
+                        <p:cond delay="indefinite"/>
+                      </p:stCondLst>
+                      <p:childTnLst>
+                        <p:par>
+                          <p:cTn id="8" fill="hold">
+                            <p:stCondLst>
+                              <p:cond delay="0"/>
+                            </p:stCondLst>
+                            <p:childTnLst>
+                              <p:par>
+                                <p:cTn id="9" presetID="1" presetClass="entr" presetSubtype="0" fill="hold" nodeType="clickEffect">
+                                  <p:stCondLst>
+                                    <p:cond delay="0"/>
+                                  </p:stCondLst>
+                                  <p:childTnLst>
+                                    <p:set>
+                                      <p:cBhvr>
+                                        <p:cTn id="10" dur="1" fill="hold">
+                                          <p:stCondLst>
+                                            <p:cond delay="0"/>
+                                          </p:stCondLst>
+                                        </p:cTn>
+                                        <p:tgtEl>
+                                          <p:spTgt spid="4">
+                                            <p:txEl>
+                                              <p:pRg st="3" end="3"/>
+                                            </p:txEl>
+                                          </p:spTgt>
+                                        </p:tgtEl>
+                                        <p:attrNameLst>
+                                          <p:attrName>style.visibility</p:attrName>
+                                        </p:attrNameLst>
+                                      </p:cBhvr>
+                                      <p:to>
+                                        <p:strVal val="visible"/>
+                                      </p:to>
+                                    </p:set>
+                                  </p:childTnLst>
+                                </p:cTn>
+                              </p:par>
+                            </p:childTnLst>
+                          </p:cTn>
+                        </p:par>
+                      </p:childTnLst>
+                    </p:cTn>
+                  </p:par>
+                  <p:par>
+                    <p:cTn id="11" fill="hold">
+                      <p:stCondLst>
+                        <p:cond delay="indefinite"/>
+                      </p:stCondLst>
+                      <p:childTnLst>
+                        <p:par>
+                          <p:cTn id="12" fill="hold">
+                            <p:stCondLst>
+                              <p:cond delay="0"/>
+                            </p:stCondLst>
+                            <p:childTnLst>
+                              <p:par>
+                                <p:cTn id="13" presetID="1" presetClass="entr" presetSubtype="0" fill="hold" nodeType="clickEffect">
+                                  <p:stCondLst>
+                                    <p:cond delay="0"/>
+                                  </p:stCondLst>
+                                  <p:childTnLst>
+                                    <p:set>
+                                      <p:cBhvr>
+                                        <p:cTn id="14" dur="1" fill="hold">
+                                          <p:stCondLst>
+                                            <p:cond delay="0"/>
+                                          </p:stCondLst>
+                                        </p:cTn>
+                                        <p:tgtEl>
+                                          <p:spTgt spid="4">
+                                            <p:txEl>
+                                              <p:pRg st="5" end="5"/>
+                                            </p:txEl>
+                                          </p:spTgt>
+                                        </p:tgtEl>
+                                        <p:attrNameLst>
+                                          <p:attrName>style.visibility</p:attrName>
+                                        </p:attrNameLst>
+                                      </p:cBhvr>
+                                      <p:to>
+                                        <p:strVal val="visible"/>
+                                      </p:to>
+                                    </p:set>
+                                  </p:childTnLst>
+                                </p:cTn>
+                              </p:par>
+                            </p:childTnLst>
+                          </p:cTn>
+                        </p:par>
+                      </p:childTnLst>
+                    </p:cTn>
+                  </p:par>
+                  <p:par>
+                    <p:cTn id="15" fill="hold">
+                      <p:stCondLst>
+                        <p:cond delay="indefinite"/>
+                      </p:stCondLst>
+                      <p:childTnLst>
+                        <p:par>
+                          <p:cTn id="16" fill="hold">
+                            <p:stCondLst>
+                              <p:cond delay="0"/>
+                            </p:stCondLst>
+                            <p:childTnLst>
+                              <p:par>
+                                <p:cTn id="17" presetID="1" presetClass="entr" presetSubtype="0" fill="hold" nodeType="clickEffect">
+                                  <p:stCondLst>
+                                    <p:cond delay="0"/>
+                                  </p:stCondLst>
+                                  <p:childTnLst>
+                                    <p:set>
+                                      <p:cBhvr>
+                                        <p:cTn id="18" dur="1" fill="hold">
+                                          <p:stCondLst>
+                                            <p:cond delay="0"/>
+                                          </p:stCondLst>
+                                        </p:cTn>
+                                        <p:tgtEl>
+                                          <p:spTgt spid="4">
+                                            <p:txEl>
+                                              <p:pRg st="7" end="7"/>
+                                            </p:txEl>
+                                          </p:spTgt>
+                                        </p:tgtEl>
+                                        <p:attrNameLst>
+                                          <p:attrName>style.visibility</p:attrName>
+                                        </p:attrNameLst>
+                                      </p:cBhvr>
+                                      <p:to>
+                                        <p:strVal val="visible"/>
+                                      </p:to>
+                                    </p:set>
+                                  </p:childTnLst>
+                                </p:cTn>
+                              </p:par>
+                            </p:childTnLst>
+                          </p:cTn>
+                        </p:par>
+                      </p:childTnLst>
+                    </p:cTn>
+                  </p:par>
+                  <p:par>
+                    <p:cTn id="19" fill="hold">
+                      <p:stCondLst>
+                        <p:cond delay="indefinite"/>
+                      </p:stCondLst>
+                      <p:childTnLst>
+                        <p:par>
+                          <p:cTn id="20" fill="hold">
+                            <p:stCondLst>
+                              <p:cond delay="0"/>
+                            </p:stCondLst>
+                            <p:childTnLst>
+                              <p:par>
+                                <p:cTn id="21" presetID="1" presetClass="entr" presetSubtype="0" fill="hold" nodeType="clickEffect">
+                                  <p:stCondLst>
+                                    <p:cond delay="0"/>
+                                  </p:stCondLst>
+                                  <p:childTnLst>
+                                    <p:set>
+                                      <p:cBhvr>
+                                        <p:cTn id="22" dur="1" fill="hold">
+                                          <p:stCondLst>
+                                            <p:cond delay="0"/>
+                                          </p:stCondLst>
+                                        </p:cTn>
+                                        <p:tgtEl>
+                                          <p:spTgt spid="4">
+                                            <p:txEl>
+                                              <p:pRg st="9" end="9"/>
+                                            </p:txEl>
+                                          </p:spTgt>
+                                        </p:tgtEl>
+                                        <p:attrNameLst>
+                                          <p:attrName>style.visibility</p:attrName>
+                                        </p:attrNameLst>
+                                      </p:cBhvr>
+                                      <p:to>
+                                        <p:strVal val="visible"/>
+                                      </p:to>
+                                    </p:set>
+                                  </p:childTnLst>
+                                </p:cTn>
+                              </p:par>
+                            </p:childTnLst>
+                          </p:cTn>
+                        </p:par>
+                      </p:childTnLst>
+                    </p:cTn>
+                  </p:par>
+                </p:childTnLst>
+              </p:cTn>
+              <p:prevCondLst>
+                <p:cond evt="onPrev" delay="0">
+                  <p:tgtEl>
+                    <p:sldTgt/>
+                  </p:tgtEl>
+                </p:cond>
+              </p:prevCondLst>
+              <p:nextCondLst>
+                <p:cond evt="onNext" delay="0">
+                  <p:tgtEl>
+                    <p:sldTgt/>
+                  </p:tgtEl>
+                </p:cond>
+              </p:nextCondLst>
+            </p:seq>
+          </p:childTnLst>
+        </p:cTn>
+      </p:par>
+    </p:tnLst>
+  </p:timing>
+</p:sld>
+</file>
+
+<file path=ppt/slides/slide14.xml><?xml version="1.0" encoding="utf-8"?>
+<p:sld xmlns:a="http://schemas.openxmlformats.org/drawingml/2006/main" xmlns:r="http://schemas.openxmlformats.org/officeDocument/2006/relationships" xmlns:p="http://schemas.openxmlformats.org/presentationml/2006/main">
+  <p:cSld>
+    <p:spTree>
+      <p:nvGrpSpPr>
+        <p:cNvPr id="1" name=""/>
+        <p:cNvGrpSpPr/>
+        <p:nvPr/>
+      </p:nvGrpSpPr>
+      <p:grpSpPr>
+        <a:xfrm>
+          <a:off x="0" y="0"/>
+          <a:ext cx="0" cy="0"/>
+          <a:chOff x="0" y="0"/>
+          <a:chExt cx="0" cy="0"/>
+        </a:xfrm>
+      </p:grpSpPr>
+      <p:pic>
+        <p:nvPicPr>
+          <p:cNvPr id="2" name="Picture 2" descr="http://www.nfc-webshop.com/media/wysiwyg/kategorie_seiten/nfc-side.jpg"/>
+          <p:cNvPicPr>
+            <a:picLocks noChangeAspect="1" noChangeArrowheads="1"/>
+          </p:cNvPicPr>
+          <p:nvPr/>
+        </p:nvPicPr>
+        <p:blipFill rotWithShape="1">
+          <a:blip r:embed="rId2">
+            <a:extLst>
+              <a:ext uri="{28A0092B-C50C-407E-A947-70E740481C1C}">
+                <a14:useLocalDpi xmlns:a14="http://schemas.microsoft.com/office/drawing/2010/main" val="0"/>
+              </a:ext>
+            </a:extLst>
+          </a:blip>
+          <a:srcRect l="2183" t="9021" r="2145" b="9014"/>
+          <a:stretch/>
+        </p:blipFill>
+        <p:spPr bwMode="auto">
+          <a:xfrm>
+            <a:off x="385294" y="61653"/>
+            <a:ext cx="11421413" cy="6734695"/>
+          </a:xfrm>
+          <a:prstGeom prst="rect">
+            <a:avLst/>
+          </a:prstGeom>
+          <a:noFill/>
+          <a:extLst>
+            <a:ext uri="{909E8E84-426E-40DD-AFC4-6F175D3DCCD1}">
+              <a14:hiddenFill xmlns:a14="http://schemas.microsoft.com/office/drawing/2010/main">
+                <a:solidFill>
+                  <a:srgbClr val="FFFFFF"/>
+                </a:solidFill>
+              </a14:hiddenFill>
+            </a:ext>
+          </a:extLst>
+        </p:spPr>
+      </p:pic>
+    </p:spTree>
+    <p:extLst>
+      <p:ext uri="{BB962C8B-B14F-4D97-AF65-F5344CB8AC3E}">
+        <p14:creationId xmlns:p14="http://schemas.microsoft.com/office/powerpoint/2010/main" val="3731234035"/>
+      </p:ext>
+    </p:extLst>
+  </p:cSld>
+  <p:clrMapOvr>
+    <a:masterClrMapping/>
+  </p:clrMapOvr>
+</p:sld>
+</file>
+
+<file path=ppt/slides/slide15.xml><?xml version="1.0" encoding="utf-8"?>
+<p:sld xmlns:a="http://schemas.openxmlformats.org/drawingml/2006/main" xmlns:r="http://schemas.openxmlformats.org/officeDocument/2006/relationships" xmlns:p="http://schemas.openxmlformats.org/presentationml/2006/main">
+  <p:cSld>
+    <p:spTree>
+      <p:nvGrpSpPr>
+        <p:cNvPr id="1" name=""/>
+        <p:cNvGrpSpPr/>
+        <p:nvPr/>
+      </p:nvGrpSpPr>
+      <p:grpSpPr>
+        <a:xfrm>
+          <a:off x="0" y="0"/>
+          <a:ext cx="0" cy="0"/>
+          <a:chOff x="0" y="0"/>
+          <a:chExt cx="0" cy="0"/>
+        </a:xfrm>
+      </p:grpSpPr>
+      <p:sp>
+        <p:nvSpPr>
+          <p:cNvPr id="2" name="Datumsplatzhalter 1"/>
+          <p:cNvSpPr>
+            <a:spLocks noGrp="1"/>
+          </p:cNvSpPr>
+          <p:nvPr>
+            <p:ph type="dt" sz="half" idx="10"/>
+          </p:nvPr>
+        </p:nvSpPr>
+        <p:spPr/>
+        <p:txBody>
+          <a:bodyPr/>
+          <a:lstStyle/>
+          <a:p>
+            <a:fld id="{88701F75-A811-4C26-8FBB-B2AA1EF9779D}" type="datetime1">
+              <a:rPr lang="de-DE" smtClean="0">
+                <a:solidFill>
+                  <a:prstClr val="black">
+                    <a:lumMod val="75000"/>
+                    <a:lumOff val="25000"/>
+                  </a:prstClr>
+                </a:solidFill>
+              </a:rPr>
+              <a:pPr/>
+              <a:t>25.05.2017</a:t>
+            </a:fld>
+            <a:endParaRPr lang="de-DE" dirty="0">
+              <a:solidFill>
+                <a:prstClr val="black">
+                  <a:lumMod val="75000"/>
+                  <a:lumOff val="25000"/>
+                </a:prstClr>
+              </a:solidFill>
+            </a:endParaRPr>
+          </a:p>
+        </p:txBody>
+      </p:sp>
+      <p:sp>
+        <p:nvSpPr>
+          <p:cNvPr id="3" name="Foliennummernplatzhalter 2"/>
+          <p:cNvSpPr>
+            <a:spLocks noGrp="1"/>
+          </p:cNvSpPr>
+          <p:nvPr>
+            <p:ph type="sldNum" sz="quarter" idx="12"/>
+          </p:nvPr>
+        </p:nvSpPr>
+        <p:spPr/>
+        <p:txBody>
+          <a:bodyPr/>
+          <a:lstStyle/>
+          <a:p>
+            <a:fld id="{21C2AFE0-40E6-4211-92A5-D87BCC1E356D}" type="slidenum">
+              <a:rPr lang="de-DE" smtClean="0">
+                <a:solidFill>
+                  <a:prstClr val="black">
+                    <a:lumMod val="75000"/>
+                    <a:lumOff val="25000"/>
+                  </a:prstClr>
+                </a:solidFill>
+              </a:rPr>
+              <a:pPr/>
+              <a:t>15</a:t>
+            </a:fld>
+            <a:endParaRPr lang="de-DE" dirty="0">
+              <a:solidFill>
+                <a:prstClr val="black">
+                  <a:lumMod val="75000"/>
+                  <a:lumOff val="25000"/>
+                </a:prstClr>
+              </a:solidFill>
+            </a:endParaRPr>
+          </a:p>
+        </p:txBody>
+      </p:sp>
+      <p:sp>
+        <p:nvSpPr>
           <p:cNvPr id="5" name="Titel 4"/>
           <p:cNvSpPr>
             <a:spLocks noGrp="1"/>
@@ -4597,10 +7106,1116 @@
           <a:lstStyle/>
           <a:p>
             <a:r>
-              <a:rPr lang="de-DE" dirty="0" smtClean="0"/>
+              <a:rPr lang="de-DE" dirty="0"/>
+              <a:t>Programmierung</a:t>
+            </a:r>
+          </a:p>
+        </p:txBody>
+      </p:sp>
+      <p:pic>
+        <p:nvPicPr>
+          <p:cNvPr id="2050" name="Picture 2" descr="https://etrafficapplications.files.wordpress.com/2013/02/android_development_tricks.jpg"/>
+          <p:cNvPicPr>
+            <a:picLocks noChangeAspect="1" noChangeArrowheads="1"/>
+          </p:cNvPicPr>
+          <p:nvPr/>
+        </p:nvPicPr>
+        <p:blipFill>
+          <a:blip r:embed="rId2">
+            <a:extLst>
+              <a:ext uri="{28A0092B-C50C-407E-A947-70E740481C1C}">
+                <a14:useLocalDpi xmlns:a14="http://schemas.microsoft.com/office/drawing/2010/main" val="0"/>
+              </a:ext>
+            </a:extLst>
+          </a:blip>
+          <a:srcRect/>
+          <a:stretch>
+            <a:fillRect/>
+          </a:stretch>
+        </p:blipFill>
+        <p:spPr bwMode="auto">
+          <a:xfrm>
+            <a:off x="3238500" y="141669"/>
+            <a:ext cx="5715000" cy="5000625"/>
+          </a:xfrm>
+          <a:prstGeom prst="rect">
+            <a:avLst/>
+          </a:prstGeom>
+          <a:noFill/>
+          <a:extLst>
+            <a:ext uri="{909E8E84-426E-40DD-AFC4-6F175D3DCCD1}">
+              <a14:hiddenFill xmlns:a14="http://schemas.microsoft.com/office/drawing/2010/main">
+                <a:solidFill>
+                  <a:srgbClr val="FFFFFF"/>
+                </a:solidFill>
+              </a14:hiddenFill>
+            </a:ext>
+          </a:extLst>
+        </p:spPr>
+      </p:pic>
+    </p:spTree>
+    <p:extLst>
+      <p:ext uri="{BB962C8B-B14F-4D97-AF65-F5344CB8AC3E}">
+        <p14:creationId xmlns:p14="http://schemas.microsoft.com/office/powerpoint/2010/main" val="720256561"/>
+      </p:ext>
+    </p:extLst>
+  </p:cSld>
+  <p:clrMapOvr>
+    <a:masterClrMapping/>
+  </p:clrMapOvr>
+</p:sld>
+</file>
+
+<file path=ppt/slides/slide16.xml><?xml version="1.0" encoding="utf-8"?>
+<p:sld xmlns:a="http://schemas.openxmlformats.org/drawingml/2006/main" xmlns:r="http://schemas.openxmlformats.org/officeDocument/2006/relationships" xmlns:p="http://schemas.openxmlformats.org/presentationml/2006/main">
+  <p:cSld>
+    <p:spTree>
+      <p:nvGrpSpPr>
+        <p:cNvPr id="1" name=""/>
+        <p:cNvGrpSpPr/>
+        <p:nvPr/>
+      </p:nvGrpSpPr>
+      <p:grpSpPr>
+        <a:xfrm>
+          <a:off x="0" y="0"/>
+          <a:ext cx="0" cy="0"/>
+          <a:chOff x="0" y="0"/>
+          <a:chExt cx="0" cy="0"/>
+        </a:xfrm>
+      </p:grpSpPr>
+      <p:sp>
+        <p:nvSpPr>
+          <p:cNvPr id="2" name="Inhaltsplatzhalter 1"/>
+          <p:cNvSpPr>
+            <a:spLocks noGrp="1"/>
+          </p:cNvSpPr>
+          <p:nvPr>
+            <p:ph idx="1"/>
+          </p:nvPr>
+        </p:nvSpPr>
+        <p:spPr/>
+        <p:txBody>
+          <a:bodyPr/>
+          <a:lstStyle/>
+          <a:p>
+            <a:pPr>
+              <a:lnSpc>
+                <a:spcPct val="200000"/>
+              </a:lnSpc>
+              <a:buFont typeface="Wingdings" panose="05000000000000000000" pitchFamily="2" charset="2"/>
+              <a:buChar char="§"/>
+            </a:pPr>
+            <a:r>
+              <a:rPr lang="de-DE" dirty="0"/>
+              <a:t> NFC Beam</a:t>
+            </a:r>
+          </a:p>
+          <a:p>
+            <a:pPr>
+              <a:lnSpc>
+                <a:spcPct val="200000"/>
+              </a:lnSpc>
+              <a:buFont typeface="Wingdings" panose="05000000000000000000" pitchFamily="2" charset="2"/>
+              <a:buChar char="§"/>
+            </a:pPr>
+            <a:r>
+              <a:rPr lang="de-DE" dirty="0"/>
+              <a:t> NFC Write </a:t>
+            </a:r>
+            <a:r>
+              <a:rPr lang="de-DE" dirty="0" err="1"/>
+              <a:t>to</a:t>
+            </a:r>
+            <a:r>
+              <a:rPr lang="de-DE" dirty="0"/>
+              <a:t> Tag</a:t>
+            </a:r>
+          </a:p>
+          <a:p>
+            <a:pPr>
+              <a:lnSpc>
+                <a:spcPct val="200000"/>
+              </a:lnSpc>
+              <a:buFont typeface="Wingdings" panose="05000000000000000000" pitchFamily="2" charset="2"/>
+              <a:buChar char="§"/>
+            </a:pPr>
+            <a:r>
+              <a:rPr lang="de-DE" dirty="0"/>
+              <a:t> NFC Read </a:t>
+            </a:r>
+            <a:r>
+              <a:rPr lang="de-DE" dirty="0" err="1"/>
+              <a:t>from</a:t>
+            </a:r>
+            <a:r>
+              <a:rPr lang="de-DE" dirty="0"/>
+              <a:t> Tag</a:t>
+            </a:r>
+          </a:p>
+        </p:txBody>
+      </p:sp>
+      <p:sp>
+        <p:nvSpPr>
+          <p:cNvPr id="3" name="Datumsplatzhalter 2"/>
+          <p:cNvSpPr>
+            <a:spLocks noGrp="1"/>
+          </p:cNvSpPr>
+          <p:nvPr>
+            <p:ph type="dt" sz="half" idx="10"/>
+          </p:nvPr>
+        </p:nvSpPr>
+        <p:spPr/>
+        <p:txBody>
+          <a:bodyPr/>
+          <a:lstStyle/>
+          <a:p>
+            <a:fld id="{D39D821C-592C-4DEC-9FC0-BB78BF9F99E8}" type="datetime1">
+              <a:rPr lang="de-DE" smtClean="0">
+                <a:solidFill>
+                  <a:prstClr val="black">
+                    <a:lumMod val="75000"/>
+                    <a:lumOff val="25000"/>
+                  </a:prstClr>
+                </a:solidFill>
+              </a:rPr>
+              <a:pPr/>
+              <a:t>25.05.2017</a:t>
+            </a:fld>
+            <a:endParaRPr lang="de-DE" dirty="0">
+              <a:solidFill>
+                <a:prstClr val="black">
+                  <a:lumMod val="75000"/>
+                  <a:lumOff val="25000"/>
+                </a:prstClr>
+              </a:solidFill>
+            </a:endParaRPr>
+          </a:p>
+        </p:txBody>
+      </p:sp>
+      <p:sp>
+        <p:nvSpPr>
+          <p:cNvPr id="4" name="Foliennummernplatzhalter 3"/>
+          <p:cNvSpPr>
+            <a:spLocks noGrp="1"/>
+          </p:cNvSpPr>
+          <p:nvPr>
+            <p:ph type="sldNum" sz="quarter" idx="12"/>
+          </p:nvPr>
+        </p:nvSpPr>
+        <p:spPr/>
+        <p:txBody>
+          <a:bodyPr/>
+          <a:lstStyle/>
+          <a:p>
+            <a:fld id="{21C2AFE0-40E6-4211-92A5-D87BCC1E356D}" type="slidenum">
+              <a:rPr lang="de-DE" smtClean="0">
+                <a:solidFill>
+                  <a:prstClr val="black">
+                    <a:lumMod val="75000"/>
+                    <a:lumOff val="25000"/>
+                  </a:prstClr>
+                </a:solidFill>
+              </a:rPr>
+              <a:pPr/>
+              <a:t>16</a:t>
+            </a:fld>
+            <a:endParaRPr lang="de-DE">
+              <a:solidFill>
+                <a:prstClr val="black">
+                  <a:lumMod val="75000"/>
+                  <a:lumOff val="25000"/>
+                </a:prstClr>
+              </a:solidFill>
+            </a:endParaRPr>
+          </a:p>
+        </p:txBody>
+      </p:sp>
+      <p:sp>
+        <p:nvSpPr>
+          <p:cNvPr id="5" name="Titel 4"/>
+          <p:cNvSpPr>
+            <a:spLocks noGrp="1"/>
+          </p:cNvSpPr>
+          <p:nvPr>
+            <p:ph type="title"/>
+          </p:nvPr>
+        </p:nvSpPr>
+        <p:spPr/>
+        <p:txBody>
+          <a:bodyPr/>
+          <a:lstStyle/>
+          <a:p>
+            <a:r>
+              <a:rPr lang="de-DE" dirty="0"/>
+              <a:t>Gliederung</a:t>
+            </a:r>
+          </a:p>
+        </p:txBody>
+      </p:sp>
+    </p:spTree>
+    <p:extLst>
+      <p:ext uri="{BB962C8B-B14F-4D97-AF65-F5344CB8AC3E}">
+        <p14:creationId xmlns:p14="http://schemas.microsoft.com/office/powerpoint/2010/main" val="773285316"/>
+      </p:ext>
+    </p:extLst>
+  </p:cSld>
+  <p:clrMapOvr>
+    <a:masterClrMapping/>
+  </p:clrMapOvr>
+</p:sld>
+</file>
+
+<file path=ppt/slides/slide17.xml><?xml version="1.0" encoding="utf-8"?>
+<p:sld xmlns:a="http://schemas.openxmlformats.org/drawingml/2006/main" xmlns:r="http://schemas.openxmlformats.org/officeDocument/2006/relationships" xmlns:p="http://schemas.openxmlformats.org/presentationml/2006/main">
+  <p:cSld>
+    <p:spTree>
+      <p:nvGrpSpPr>
+        <p:cNvPr id="1" name=""/>
+        <p:cNvGrpSpPr/>
+        <p:nvPr/>
+      </p:nvGrpSpPr>
+      <p:grpSpPr>
+        <a:xfrm>
+          <a:off x="0" y="0"/>
+          <a:ext cx="0" cy="0"/>
+          <a:chOff x="0" y="0"/>
+          <a:chExt cx="0" cy="0"/>
+        </a:xfrm>
+      </p:grpSpPr>
+      <p:sp>
+        <p:nvSpPr>
+          <p:cNvPr id="2" name="Inhaltsplatzhalter 1"/>
+          <p:cNvSpPr>
+            <a:spLocks noGrp="1"/>
+          </p:cNvSpPr>
+          <p:nvPr>
+            <p:ph idx="1"/>
+          </p:nvPr>
+        </p:nvSpPr>
+        <p:spPr/>
+        <p:txBody>
+          <a:bodyPr/>
+          <a:lstStyle/>
+          <a:p>
+            <a:pPr>
+              <a:buFont typeface="Wingdings" panose="05000000000000000000" pitchFamily="2" charset="2"/>
+              <a:buChar char="§"/>
+            </a:pPr>
+            <a:r>
+              <a:rPr lang="de-DE" dirty="0"/>
+              <a:t> Verwendung:		Austausch von Daten zwischen Geräten</a:t>
+            </a:r>
+          </a:p>
+          <a:p>
+            <a:pPr>
+              <a:lnSpc>
+                <a:spcPct val="100000"/>
+              </a:lnSpc>
+              <a:buFont typeface="Wingdings" panose="05000000000000000000" pitchFamily="2" charset="2"/>
+              <a:buChar char="§"/>
+            </a:pPr>
+            <a:r>
+              <a:rPr lang="de-DE" dirty="0"/>
+              <a:t> Vorgang:		- 1. Gerät mit aktiver App, 2. Gerät mit passiver App</a:t>
+            </a:r>
+          </a:p>
+          <a:p>
+            <a:pPr marL="0" indent="0">
+              <a:lnSpc>
+                <a:spcPct val="100000"/>
+              </a:lnSpc>
+              <a:buNone/>
+            </a:pPr>
+            <a:r>
+              <a:rPr lang="de-DE" dirty="0"/>
+              <a:t>			- Geräte aneinander halten</a:t>
+            </a:r>
+          </a:p>
+          <a:p>
+            <a:pPr marL="0" indent="0">
+              <a:lnSpc>
+                <a:spcPct val="100000"/>
+              </a:lnSpc>
+              <a:buNone/>
+            </a:pPr>
+            <a:r>
+              <a:rPr lang="de-DE" dirty="0"/>
+              <a:t>			- </a:t>
+            </a:r>
+            <a:r>
+              <a:rPr lang="de-DE" dirty="0" err="1"/>
+              <a:t>Beamvorgang</a:t>
+            </a:r>
+            <a:r>
+              <a:rPr lang="de-DE" dirty="0"/>
+              <a:t> auf aktivem Gerät mit Click auf Display starten</a:t>
+            </a:r>
+          </a:p>
+          <a:p>
+            <a:pPr marL="0" indent="0">
+              <a:lnSpc>
+                <a:spcPct val="100000"/>
+              </a:lnSpc>
+              <a:buNone/>
+            </a:pPr>
+            <a:r>
+              <a:rPr lang="de-DE" dirty="0"/>
+              <a:t>			- </a:t>
+            </a:r>
+            <a:r>
+              <a:rPr lang="de-DE" dirty="0" err="1"/>
+              <a:t>Beammessage</a:t>
+            </a:r>
+            <a:r>
+              <a:rPr lang="de-DE" dirty="0"/>
+              <a:t> erscheint auf passivem Gerät</a:t>
+            </a:r>
+          </a:p>
+          <a:p>
+            <a:pPr>
+              <a:lnSpc>
+                <a:spcPct val="100000"/>
+              </a:lnSpc>
+              <a:buFont typeface="Wingdings" panose="05000000000000000000" pitchFamily="2" charset="2"/>
+              <a:buChar char="§"/>
+            </a:pPr>
+            <a:r>
+              <a:rPr lang="de-DE" dirty="0"/>
+              <a:t> Implementierung:  	- Berechtigung im Manifest einholen</a:t>
+            </a:r>
+          </a:p>
+          <a:p>
+            <a:pPr marL="0" indent="0">
+              <a:lnSpc>
+                <a:spcPct val="100000"/>
+              </a:lnSpc>
+              <a:buNone/>
+            </a:pPr>
+            <a:r>
+              <a:rPr lang="de-DE" dirty="0"/>
+              <a:t>			- Interface </a:t>
+            </a:r>
+            <a:r>
+              <a:rPr lang="de-DE" dirty="0" err="1"/>
+              <a:t>CreateNdefMessageCallback</a:t>
+            </a:r>
+            <a:r>
+              <a:rPr lang="de-DE" dirty="0"/>
+              <a:t> implementieren </a:t>
+            </a:r>
+            <a:r>
+              <a:rPr lang="de-DE" dirty="0">
+                <a:solidFill>
+                  <a:srgbClr val="FFC000"/>
+                </a:solidFill>
+              </a:rPr>
+              <a:t>(aktiv)</a:t>
+            </a:r>
+          </a:p>
+          <a:p>
+            <a:pPr marL="0" indent="0">
+              <a:lnSpc>
+                <a:spcPct val="100000"/>
+              </a:lnSpc>
+              <a:buNone/>
+            </a:pPr>
+            <a:r>
+              <a:rPr lang="de-DE" dirty="0"/>
+              <a:t>			- Auf eingehende </a:t>
+            </a:r>
+            <a:r>
+              <a:rPr lang="de-DE" dirty="0" err="1"/>
+              <a:t>Intents</a:t>
+            </a:r>
+            <a:r>
+              <a:rPr lang="de-DE" dirty="0"/>
+              <a:t> reagieren </a:t>
+            </a:r>
+            <a:r>
+              <a:rPr lang="de-DE" dirty="0">
+                <a:solidFill>
+                  <a:srgbClr val="FFC000"/>
+                </a:solidFill>
+              </a:rPr>
+              <a:t>(passiv)</a:t>
+            </a:r>
+          </a:p>
+          <a:p>
+            <a:pPr>
+              <a:lnSpc>
+                <a:spcPct val="200000"/>
+              </a:lnSpc>
+              <a:buFont typeface="Wingdings" panose="05000000000000000000" pitchFamily="2" charset="2"/>
+              <a:buChar char="§"/>
+            </a:pPr>
+            <a:endParaRPr lang="de-DE" dirty="0"/>
+          </a:p>
+        </p:txBody>
+      </p:sp>
+      <p:sp>
+        <p:nvSpPr>
+          <p:cNvPr id="3" name="Datumsplatzhalter 2"/>
+          <p:cNvSpPr>
+            <a:spLocks noGrp="1"/>
+          </p:cNvSpPr>
+          <p:nvPr>
+            <p:ph type="dt" sz="half" idx="10"/>
+          </p:nvPr>
+        </p:nvSpPr>
+        <p:spPr/>
+        <p:txBody>
+          <a:bodyPr/>
+          <a:lstStyle/>
+          <a:p>
+            <a:fld id="{D39D821C-592C-4DEC-9FC0-BB78BF9F99E8}" type="datetime1">
+              <a:rPr lang="de-DE" smtClean="0">
+                <a:solidFill>
+                  <a:prstClr val="black">
+                    <a:lumMod val="75000"/>
+                    <a:lumOff val="25000"/>
+                  </a:prstClr>
+                </a:solidFill>
+              </a:rPr>
+              <a:pPr/>
+              <a:t>25.05.2017</a:t>
+            </a:fld>
+            <a:endParaRPr lang="de-DE" dirty="0">
+              <a:solidFill>
+                <a:prstClr val="black">
+                  <a:lumMod val="75000"/>
+                  <a:lumOff val="25000"/>
+                </a:prstClr>
+              </a:solidFill>
+            </a:endParaRPr>
+          </a:p>
+        </p:txBody>
+      </p:sp>
+      <p:sp>
+        <p:nvSpPr>
+          <p:cNvPr id="4" name="Foliennummernplatzhalter 3"/>
+          <p:cNvSpPr>
+            <a:spLocks noGrp="1"/>
+          </p:cNvSpPr>
+          <p:nvPr>
+            <p:ph type="sldNum" sz="quarter" idx="12"/>
+          </p:nvPr>
+        </p:nvSpPr>
+        <p:spPr/>
+        <p:txBody>
+          <a:bodyPr/>
+          <a:lstStyle/>
+          <a:p>
+            <a:fld id="{21C2AFE0-40E6-4211-92A5-D87BCC1E356D}" type="slidenum">
+              <a:rPr lang="de-DE" smtClean="0">
+                <a:solidFill>
+                  <a:prstClr val="black">
+                    <a:lumMod val="75000"/>
+                    <a:lumOff val="25000"/>
+                  </a:prstClr>
+                </a:solidFill>
+              </a:rPr>
+              <a:pPr/>
+              <a:t>17</a:t>
+            </a:fld>
+            <a:endParaRPr lang="de-DE">
+              <a:solidFill>
+                <a:prstClr val="black">
+                  <a:lumMod val="75000"/>
+                  <a:lumOff val="25000"/>
+                </a:prstClr>
+              </a:solidFill>
+            </a:endParaRPr>
+          </a:p>
+        </p:txBody>
+      </p:sp>
+      <p:sp>
+        <p:nvSpPr>
+          <p:cNvPr id="5" name="Titel 4"/>
+          <p:cNvSpPr>
+            <a:spLocks noGrp="1"/>
+          </p:cNvSpPr>
+          <p:nvPr>
+            <p:ph type="title"/>
+          </p:nvPr>
+        </p:nvSpPr>
+        <p:spPr/>
+        <p:txBody>
+          <a:bodyPr/>
+          <a:lstStyle/>
+          <a:p>
+            <a:r>
+              <a:rPr lang="de-DE" dirty="0"/>
+              <a:t>NFC Beam</a:t>
+            </a:r>
+          </a:p>
+        </p:txBody>
+      </p:sp>
+    </p:spTree>
+    <p:extLst>
+      <p:ext uri="{BB962C8B-B14F-4D97-AF65-F5344CB8AC3E}">
+        <p14:creationId xmlns:p14="http://schemas.microsoft.com/office/powerpoint/2010/main" val="3761397080"/>
+      </p:ext>
+    </p:extLst>
+  </p:cSld>
+  <p:clrMapOvr>
+    <a:masterClrMapping/>
+  </p:clrMapOvr>
+</p:sld>
+</file>
+
+<file path=ppt/slides/slide18.xml><?xml version="1.0" encoding="utf-8"?>
+<p:sld xmlns:a="http://schemas.openxmlformats.org/drawingml/2006/main" xmlns:r="http://schemas.openxmlformats.org/officeDocument/2006/relationships" xmlns:p="http://schemas.openxmlformats.org/presentationml/2006/main">
+  <p:cSld>
+    <p:spTree>
+      <p:nvGrpSpPr>
+        <p:cNvPr id="1" name=""/>
+        <p:cNvGrpSpPr/>
+        <p:nvPr/>
+      </p:nvGrpSpPr>
+      <p:grpSpPr>
+        <a:xfrm>
+          <a:off x="0" y="0"/>
+          <a:ext cx="0" cy="0"/>
+          <a:chOff x="0" y="0"/>
+          <a:chExt cx="0" cy="0"/>
+        </a:xfrm>
+      </p:grpSpPr>
+      <p:sp>
+        <p:nvSpPr>
+          <p:cNvPr id="2" name="Datumsplatzhalter 1"/>
+          <p:cNvSpPr>
+            <a:spLocks noGrp="1"/>
+          </p:cNvSpPr>
+          <p:nvPr>
+            <p:ph type="dt" sz="half" idx="10"/>
+          </p:nvPr>
+        </p:nvSpPr>
+        <p:spPr/>
+        <p:txBody>
+          <a:bodyPr/>
+          <a:lstStyle/>
+          <a:p>
+            <a:fld id="{60304490-4D7B-4CB0-AD76-0A4D4B224109}" type="datetime1">
+              <a:rPr lang="de-DE" smtClean="0">
+                <a:solidFill>
+                  <a:prstClr val="black">
+                    <a:lumMod val="75000"/>
+                    <a:lumOff val="25000"/>
+                  </a:prstClr>
+                </a:solidFill>
+              </a:rPr>
+              <a:pPr/>
+              <a:t>25.05.2017</a:t>
+            </a:fld>
+            <a:endParaRPr lang="de-DE">
+              <a:solidFill>
+                <a:prstClr val="black">
+                  <a:lumMod val="75000"/>
+                  <a:lumOff val="25000"/>
+                </a:prstClr>
+              </a:solidFill>
+            </a:endParaRPr>
+          </a:p>
+        </p:txBody>
+      </p:sp>
+      <p:sp>
+        <p:nvSpPr>
+          <p:cNvPr id="3" name="Foliennummernplatzhalter 2"/>
+          <p:cNvSpPr>
+            <a:spLocks noGrp="1"/>
+          </p:cNvSpPr>
+          <p:nvPr>
+            <p:ph type="sldNum" sz="quarter" idx="12"/>
+          </p:nvPr>
+        </p:nvSpPr>
+        <p:spPr/>
+        <p:txBody>
+          <a:bodyPr/>
+          <a:lstStyle/>
+          <a:p>
+            <a:fld id="{21C2AFE0-40E6-4211-92A5-D87BCC1E356D}" type="slidenum">
+              <a:rPr lang="de-DE" smtClean="0">
+                <a:solidFill>
+                  <a:prstClr val="black">
+                    <a:lumMod val="75000"/>
+                    <a:lumOff val="25000"/>
+                  </a:prstClr>
+                </a:solidFill>
+              </a:rPr>
+              <a:pPr/>
+              <a:t>18</a:t>
+            </a:fld>
+            <a:endParaRPr lang="de-DE">
+              <a:solidFill>
+                <a:prstClr val="black">
+                  <a:lumMod val="75000"/>
+                  <a:lumOff val="25000"/>
+                </a:prstClr>
+              </a:solidFill>
+            </a:endParaRPr>
+          </a:p>
+        </p:txBody>
+      </p:sp>
+      <p:sp>
+        <p:nvSpPr>
+          <p:cNvPr id="6" name="Titel 5"/>
+          <p:cNvSpPr>
+            <a:spLocks noGrp="1"/>
+          </p:cNvSpPr>
+          <p:nvPr>
+            <p:ph type="title"/>
+          </p:nvPr>
+        </p:nvSpPr>
+        <p:spPr/>
+        <p:txBody>
+          <a:bodyPr/>
+          <a:lstStyle/>
+          <a:p>
+            <a:r>
+              <a:rPr lang="de-DE" dirty="0"/>
+              <a:t>NFC Beam</a:t>
+            </a:r>
+          </a:p>
+        </p:txBody>
+      </p:sp>
+      <p:pic>
+        <p:nvPicPr>
+          <p:cNvPr id="1026" name="Picture 2" descr="http://3.bp.blogspot.com/-EQkXiMZe6DM/U8Gg5-zNkAI/AAAAAAAACe8/J-WCj-2jOj8/s1600/transfer+file+using+Android+Beam+in+Galaxy+S5.png"/>
+          <p:cNvPicPr>
+            <a:picLocks noChangeAspect="1" noChangeArrowheads="1"/>
+          </p:cNvPicPr>
+          <p:nvPr/>
+        </p:nvPicPr>
+        <p:blipFill rotWithShape="1">
+          <a:blip r:embed="rId2">
+            <a:extLst>
+              <a:ext uri="{28A0092B-C50C-407E-A947-70E740481C1C}">
+                <a14:useLocalDpi xmlns:a14="http://schemas.microsoft.com/office/drawing/2010/main" val="0"/>
+              </a:ext>
+            </a:extLst>
+          </a:blip>
+          <a:srcRect b="13750"/>
+          <a:stretch/>
+        </p:blipFill>
+        <p:spPr bwMode="auto">
+          <a:xfrm>
+            <a:off x="1097280" y="2068438"/>
+            <a:ext cx="10154953" cy="3777192"/>
+          </a:xfrm>
+          <a:prstGeom prst="rect">
+            <a:avLst/>
+          </a:prstGeom>
+          <a:noFill/>
+          <a:extLst>
+            <a:ext uri="{909E8E84-426E-40DD-AFC4-6F175D3DCCD1}">
+              <a14:hiddenFill xmlns:a14="http://schemas.microsoft.com/office/drawing/2010/main">
+                <a:solidFill>
+                  <a:srgbClr val="FFFFFF"/>
+                </a:solidFill>
+              </a14:hiddenFill>
+            </a:ext>
+          </a:extLst>
+        </p:spPr>
+      </p:pic>
+    </p:spTree>
+    <p:extLst>
+      <p:ext uri="{BB962C8B-B14F-4D97-AF65-F5344CB8AC3E}">
+        <p14:creationId xmlns:p14="http://schemas.microsoft.com/office/powerpoint/2010/main" val="1299448508"/>
+      </p:ext>
+    </p:extLst>
+  </p:cSld>
+  <p:clrMapOvr>
+    <a:masterClrMapping/>
+  </p:clrMapOvr>
+</p:sld>
+</file>
+
+<file path=ppt/slides/slide19.xml><?xml version="1.0" encoding="utf-8"?>
+<p:sld xmlns:a="http://schemas.openxmlformats.org/drawingml/2006/main" xmlns:r="http://schemas.openxmlformats.org/officeDocument/2006/relationships" xmlns:p="http://schemas.openxmlformats.org/presentationml/2006/main">
+  <p:cSld>
+    <p:spTree>
+      <p:nvGrpSpPr>
+        <p:cNvPr id="1" name=""/>
+        <p:cNvGrpSpPr/>
+        <p:nvPr/>
+      </p:nvGrpSpPr>
+      <p:grpSpPr>
+        <a:xfrm>
+          <a:off x="0" y="0"/>
+          <a:ext cx="0" cy="0"/>
+          <a:chOff x="0" y="0"/>
+          <a:chExt cx="0" cy="0"/>
+        </a:xfrm>
+      </p:grpSpPr>
+      <p:pic>
+        <p:nvPicPr>
+          <p:cNvPr id="2050" name="Picture 2" descr="https://upload.wikimedia.org/wikipedia/commons/thumb/3/34/Android_Studio_icon.svg/1000px-Android_Studio_icon.svg.png"/>
+          <p:cNvPicPr>
+            <a:picLocks noChangeAspect="1" noChangeArrowheads="1"/>
+          </p:cNvPicPr>
+          <p:nvPr/>
+        </p:nvPicPr>
+        <p:blipFill>
+          <a:blip r:embed="rId2">
+            <a:extLst>
+              <a:ext uri="{28A0092B-C50C-407E-A947-70E740481C1C}">
+                <a14:useLocalDpi xmlns:a14="http://schemas.microsoft.com/office/drawing/2010/main" val="0"/>
+              </a:ext>
+            </a:extLst>
+          </a:blip>
+          <a:srcRect/>
+          <a:stretch>
+            <a:fillRect/>
+          </a:stretch>
+        </p:blipFill>
+        <p:spPr bwMode="auto">
+          <a:xfrm>
+            <a:off x="2834426" y="167426"/>
+            <a:ext cx="6523149" cy="6523149"/>
+          </a:xfrm>
+          <a:prstGeom prst="rect">
+            <a:avLst/>
+          </a:prstGeom>
+          <a:noFill/>
+          <a:extLst>
+            <a:ext uri="{909E8E84-426E-40DD-AFC4-6F175D3DCCD1}">
+              <a14:hiddenFill xmlns:a14="http://schemas.microsoft.com/office/drawing/2010/main">
+                <a:solidFill>
+                  <a:srgbClr val="FFFFFF"/>
+                </a:solidFill>
+              </a14:hiddenFill>
+            </a:ext>
+          </a:extLst>
+        </p:spPr>
+      </p:pic>
+    </p:spTree>
+    <p:extLst>
+      <p:ext uri="{BB962C8B-B14F-4D97-AF65-F5344CB8AC3E}">
+        <p14:creationId xmlns:p14="http://schemas.microsoft.com/office/powerpoint/2010/main" val="232097317"/>
+      </p:ext>
+    </p:extLst>
+  </p:cSld>
+  <p:clrMapOvr>
+    <a:masterClrMapping/>
+  </p:clrMapOvr>
+</p:sld>
+</file>
+
+<file path=ppt/slides/slide2.xml><?xml version="1.0" encoding="utf-8"?>
+<p:sld xmlns:a="http://schemas.openxmlformats.org/drawingml/2006/main" xmlns:r="http://schemas.openxmlformats.org/officeDocument/2006/relationships" xmlns:p="http://schemas.openxmlformats.org/presentationml/2006/main">
+  <p:cSld>
+    <p:spTree>
+      <p:nvGrpSpPr>
+        <p:cNvPr id="1" name=""/>
+        <p:cNvGrpSpPr/>
+        <p:nvPr/>
+      </p:nvGrpSpPr>
+      <p:grpSpPr>
+        <a:xfrm>
+          <a:off x="0" y="0"/>
+          <a:ext cx="0" cy="0"/>
+          <a:chOff x="0" y="0"/>
+          <a:chExt cx="0" cy="0"/>
+        </a:xfrm>
+      </p:grpSpPr>
+      <p:sp>
+        <p:nvSpPr>
+          <p:cNvPr id="2" name="Datumsplatzhalter 1"/>
+          <p:cNvSpPr>
+            <a:spLocks noGrp="1"/>
+          </p:cNvSpPr>
+          <p:nvPr>
+            <p:ph type="dt" sz="half" idx="10"/>
+          </p:nvPr>
+        </p:nvSpPr>
+        <p:spPr/>
+        <p:txBody>
+          <a:bodyPr/>
+          <a:lstStyle/>
+          <a:p>
+            <a:fld id="{88701F75-A811-4C26-8FBB-B2AA1EF9779D}" type="datetime1">
+              <a:rPr lang="de-DE" smtClean="0">
+                <a:solidFill>
+                  <a:prstClr val="black">
+                    <a:lumMod val="75000"/>
+                    <a:lumOff val="25000"/>
+                  </a:prstClr>
+                </a:solidFill>
+              </a:rPr>
+              <a:pPr/>
+              <a:t>25.05.2017</a:t>
+            </a:fld>
+            <a:endParaRPr lang="de-DE" dirty="0">
+              <a:solidFill>
+                <a:prstClr val="black">
+                  <a:lumMod val="75000"/>
+                  <a:lumOff val="25000"/>
+                </a:prstClr>
+              </a:solidFill>
+            </a:endParaRPr>
+          </a:p>
+        </p:txBody>
+      </p:sp>
+      <p:sp>
+        <p:nvSpPr>
+          <p:cNvPr id="3" name="Foliennummernplatzhalter 2"/>
+          <p:cNvSpPr>
+            <a:spLocks noGrp="1"/>
+          </p:cNvSpPr>
+          <p:nvPr>
+            <p:ph type="sldNum" sz="quarter" idx="12"/>
+          </p:nvPr>
+        </p:nvSpPr>
+        <p:spPr/>
+        <p:txBody>
+          <a:bodyPr/>
+          <a:lstStyle/>
+          <a:p>
+            <a:fld id="{21C2AFE0-40E6-4211-92A5-D87BCC1E356D}" type="slidenum">
+              <a:rPr lang="de-DE" smtClean="0">
+                <a:solidFill>
+                  <a:prstClr val="black">
+                    <a:lumMod val="75000"/>
+                    <a:lumOff val="25000"/>
+                  </a:prstClr>
+                </a:solidFill>
+              </a:rPr>
+              <a:pPr/>
+              <a:t>2</a:t>
+            </a:fld>
+            <a:endParaRPr lang="de-DE" dirty="0">
+              <a:solidFill>
+                <a:prstClr val="black">
+                  <a:lumMod val="75000"/>
+                  <a:lumOff val="25000"/>
+                </a:prstClr>
+              </a:solidFill>
+            </a:endParaRPr>
+          </a:p>
+        </p:txBody>
+      </p:sp>
+      <p:sp>
+        <p:nvSpPr>
+          <p:cNvPr id="5" name="Titel 4"/>
+          <p:cNvSpPr>
+            <a:spLocks noGrp="1"/>
+          </p:cNvSpPr>
+          <p:nvPr>
+            <p:ph type="title"/>
+          </p:nvPr>
+        </p:nvSpPr>
+        <p:spPr/>
+        <p:txBody>
+          <a:bodyPr/>
+          <a:lstStyle/>
+          <a:p>
+            <a:r>
+              <a:rPr lang="de-DE" dirty="0"/>
+              <a:t>Grundlagen</a:t>
+            </a:r>
+          </a:p>
+        </p:txBody>
+      </p:sp>
+      <p:pic>
+        <p:nvPicPr>
+          <p:cNvPr id="1030" name="Picture 6" descr="http://static.giga.de/wp-content/uploads/2014/01/new-prof-rcm992x0.png"/>
+          <p:cNvPicPr>
+            <a:picLocks noChangeAspect="1" noChangeArrowheads="1"/>
+          </p:cNvPicPr>
+          <p:nvPr/>
+        </p:nvPicPr>
+        <p:blipFill>
+          <a:blip r:embed="rId2">
+            <a:extLst>
+              <a:ext uri="{28A0092B-C50C-407E-A947-70E740481C1C}">
+                <a14:useLocalDpi xmlns:a14="http://schemas.microsoft.com/office/drawing/2010/main" val="0"/>
+              </a:ext>
+            </a:extLst>
+          </a:blip>
+          <a:srcRect/>
+          <a:stretch>
+            <a:fillRect/>
+          </a:stretch>
+        </p:blipFill>
+        <p:spPr bwMode="auto">
+          <a:xfrm>
+            <a:off x="2406717" y="64395"/>
+            <a:ext cx="7378566" cy="5114483"/>
+          </a:xfrm>
+          <a:prstGeom prst="rect">
+            <a:avLst/>
+          </a:prstGeom>
+          <a:noFill/>
+          <a:extLst>
+            <a:ext uri="{909E8E84-426E-40DD-AFC4-6F175D3DCCD1}">
+              <a14:hiddenFill xmlns:a14="http://schemas.microsoft.com/office/drawing/2010/main">
+                <a:solidFill>
+                  <a:srgbClr val="FFFFFF"/>
+                </a:solidFill>
+              </a14:hiddenFill>
+            </a:ext>
+          </a:extLst>
+        </p:spPr>
+      </p:pic>
+      <p:sp>
+        <p:nvSpPr>
+          <p:cNvPr id="7" name="Textfeld 6"/>
+          <p:cNvSpPr txBox="1"/>
+          <p:nvPr/>
+        </p:nvSpPr>
+        <p:spPr>
+          <a:xfrm>
+            <a:off x="3569551" y="2382591"/>
+            <a:ext cx="1558344" cy="830997"/>
+          </a:xfrm>
+          <a:prstGeom prst="rect">
+            <a:avLst/>
+          </a:prstGeom>
+          <a:noFill/>
+        </p:spPr>
+        <p:txBody>
+          <a:bodyPr wrap="square" rtlCol="0">
+            <a:spAutoFit/>
+          </a:bodyPr>
+          <a:lstStyle/>
+          <a:p>
+            <a:r>
+              <a:rPr lang="de-DE" sz="4800" dirty="0">
+                <a:solidFill>
+                  <a:srgbClr val="E4E4E4"/>
+                </a:solidFill>
+                <a:latin typeface="Mistral" panose="03090702030407020403" pitchFamily="66" charset="0"/>
+              </a:rPr>
+              <a:t>NFC</a:t>
+            </a:r>
+          </a:p>
+        </p:txBody>
+      </p:sp>
+    </p:spTree>
+    <p:extLst>
+      <p:ext uri="{BB962C8B-B14F-4D97-AF65-F5344CB8AC3E}">
+        <p14:creationId xmlns:p14="http://schemas.microsoft.com/office/powerpoint/2010/main" val="349868082"/>
+      </p:ext>
+    </p:extLst>
+  </p:cSld>
+  <p:clrMapOvr>
+    <a:masterClrMapping/>
+  </p:clrMapOvr>
+</p:sld>
+</file>
+
+<file path=ppt/slides/slide20.xml><?xml version="1.0" encoding="utf-8"?>
+<p:sld xmlns:a="http://schemas.openxmlformats.org/drawingml/2006/main" xmlns:r="http://schemas.openxmlformats.org/officeDocument/2006/relationships" xmlns:p="http://schemas.openxmlformats.org/presentationml/2006/main">
+  <p:cSld>
+    <p:spTree>
+      <p:nvGrpSpPr>
+        <p:cNvPr id="1" name=""/>
+        <p:cNvGrpSpPr/>
+        <p:nvPr/>
+      </p:nvGrpSpPr>
+      <p:grpSpPr>
+        <a:xfrm>
+          <a:off x="0" y="0"/>
+          <a:ext cx="0" cy="0"/>
+          <a:chOff x="0" y="0"/>
+          <a:chExt cx="0" cy="0"/>
+        </a:xfrm>
+      </p:grpSpPr>
+      <p:sp>
+        <p:nvSpPr>
+          <p:cNvPr id="3" name="Datumsplatzhalter 2"/>
+          <p:cNvSpPr>
+            <a:spLocks noGrp="1"/>
+          </p:cNvSpPr>
+          <p:nvPr>
+            <p:ph type="dt" sz="half" idx="10"/>
+          </p:nvPr>
+        </p:nvSpPr>
+        <p:spPr/>
+        <p:txBody>
+          <a:bodyPr/>
+          <a:lstStyle/>
+          <a:p>
+            <a:fld id="{D39D821C-592C-4DEC-9FC0-BB78BF9F99E8}" type="datetime1">
+              <a:rPr lang="de-DE" smtClean="0">
+                <a:solidFill>
+                  <a:prstClr val="black">
+                    <a:lumMod val="75000"/>
+                    <a:lumOff val="25000"/>
+                  </a:prstClr>
+                </a:solidFill>
+              </a:rPr>
+              <a:pPr/>
+              <a:t>25.05.2017</a:t>
+            </a:fld>
+            <a:endParaRPr lang="de-DE" dirty="0">
+              <a:solidFill>
+                <a:prstClr val="black">
+                  <a:lumMod val="75000"/>
+                  <a:lumOff val="25000"/>
+                </a:prstClr>
+              </a:solidFill>
+            </a:endParaRPr>
+          </a:p>
+        </p:txBody>
+      </p:sp>
+      <p:sp>
+        <p:nvSpPr>
+          <p:cNvPr id="4" name="Foliennummernplatzhalter 3"/>
+          <p:cNvSpPr>
+            <a:spLocks noGrp="1"/>
+          </p:cNvSpPr>
+          <p:nvPr>
+            <p:ph type="sldNum" sz="quarter" idx="12"/>
+          </p:nvPr>
+        </p:nvSpPr>
+        <p:spPr/>
+        <p:txBody>
+          <a:bodyPr/>
+          <a:lstStyle/>
+          <a:p>
+            <a:fld id="{21C2AFE0-40E6-4211-92A5-D87BCC1E356D}" type="slidenum">
+              <a:rPr lang="de-DE" smtClean="0">
+                <a:solidFill>
+                  <a:prstClr val="black">
+                    <a:lumMod val="75000"/>
+                    <a:lumOff val="25000"/>
+                  </a:prstClr>
+                </a:solidFill>
+              </a:rPr>
+              <a:pPr/>
+              <a:t>20</a:t>
+            </a:fld>
+            <a:endParaRPr lang="de-DE">
+              <a:solidFill>
+                <a:prstClr val="black">
+                  <a:lumMod val="75000"/>
+                  <a:lumOff val="25000"/>
+                </a:prstClr>
+              </a:solidFill>
+            </a:endParaRPr>
+          </a:p>
+        </p:txBody>
+      </p:sp>
+      <p:sp>
+        <p:nvSpPr>
+          <p:cNvPr id="5" name="Titel 4"/>
+          <p:cNvSpPr>
+            <a:spLocks noGrp="1"/>
+          </p:cNvSpPr>
+          <p:nvPr>
+            <p:ph type="title"/>
+          </p:nvPr>
+        </p:nvSpPr>
+        <p:spPr/>
+        <p:txBody>
+          <a:bodyPr/>
+          <a:lstStyle/>
+          <a:p>
+            <a:r>
+              <a:rPr lang="de-DE" dirty="0"/>
               <a:t>Tags</a:t>
             </a:r>
-            <a:endParaRPr lang="de-DE" dirty="0"/>
           </a:p>
         </p:txBody>
       </p:sp>
@@ -4671,11 +8286,7 @@
             </a:pPr>
             <a:r>
               <a:rPr lang="de-DE" dirty="0"/>
-              <a:t> </a:t>
-            </a:r>
-            <a:r>
-              <a:rPr lang="de-DE" dirty="0" smtClean="0"/>
-              <a:t>Klebefläche auf der Rückseite</a:t>
+              <a:t> Klebefläche auf der Rückseite</a:t>
             </a:r>
           </a:p>
           <a:p>
@@ -4685,11 +8296,7 @@
             </a:pPr>
             <a:r>
               <a:rPr lang="de-DE" dirty="0"/>
-              <a:t> </a:t>
-            </a:r>
-            <a:r>
-              <a:rPr lang="de-DE" dirty="0" smtClean="0"/>
-              <a:t>Wetterfest und robust</a:t>
+              <a:t> Wetterfest und robust</a:t>
             </a:r>
           </a:p>
           <a:p>
@@ -4699,13 +8306,8 @@
             </a:pPr>
             <a:r>
               <a:rPr lang="de-DE" dirty="0"/>
-              <a:t> </a:t>
-            </a:r>
-            <a:r>
-              <a:rPr lang="de-DE" dirty="0" smtClean="0"/>
-              <a:t>vielseitig einsetzbar</a:t>
-            </a:r>
-            <a:endParaRPr lang="de-DE" dirty="0"/>
+              <a:t> vielseitig einsetzbar</a:t>
+            </a:r>
           </a:p>
         </p:txBody>
       </p:sp>
@@ -4719,17 +8321,10 @@
   <p:clrMapOvr>
     <a:masterClrMapping/>
   </p:clrMapOvr>
-  <p:timing>
-    <p:tnLst>
-      <p:par>
-        <p:cTn id="1" dur="indefinite" restart="never" nodeType="tmRoot"/>
-      </p:par>
-    </p:tnLst>
-  </p:timing>
 </p:sld>
 </file>
 
-<file path=ppt/slides/slide11.xml><?xml version="1.0" encoding="utf-8"?>
+<file path=ppt/slides/slide21.xml><?xml version="1.0" encoding="utf-8"?>
 <p:sld xmlns:a="http://schemas.openxmlformats.org/drawingml/2006/main" xmlns:r="http://schemas.openxmlformats.org/officeDocument/2006/relationships" xmlns:p="http://schemas.openxmlformats.org/presentationml/2006/main">
   <p:cSld>
     <p:spTree>
@@ -4766,7 +8361,7 @@
               <a:buChar char="§"/>
             </a:pPr>
             <a:r>
-              <a:rPr lang="de-DE" dirty="0" smtClean="0"/>
+              <a:rPr lang="de-DE" dirty="0"/>
               <a:t> Verwendung:		- Programmieren von NFC-Tags</a:t>
             </a:r>
           </a:p>
@@ -4776,11 +8371,7 @@
             </a:pPr>
             <a:r>
               <a:rPr lang="de-DE" dirty="0"/>
-              <a:t>	</a:t>
-            </a:r>
-            <a:r>
-              <a:rPr lang="de-DE" dirty="0" smtClean="0"/>
-              <a:t>		- Text, URLs, Einstellungen, User-Login, …</a:t>
+              <a:t>			- Text, URLs, Einstellungen, User-Login, …</a:t>
             </a:r>
           </a:p>
           <a:p>
@@ -4790,28 +8381,23 @@
             </a:pPr>
             <a:r>
               <a:rPr lang="de-DE" dirty="0"/>
-              <a:t> </a:t>
-            </a:r>
-            <a:r>
-              <a:rPr lang="de-DE" dirty="0" smtClean="0"/>
-              <a:t>Vorgehen:		- Message die gespeichert werden soll festlegen</a:t>
-            </a:r>
-            <a:endParaRPr lang="de-DE" dirty="0"/>
+              <a:t> Vorgehen:		- Message die gespeichert werden soll festlegen</a:t>
+            </a:r>
           </a:p>
           <a:p>
             <a:pPr marL="0" indent="0">
               <a:buNone/>
             </a:pPr>
             <a:r>
-              <a:rPr lang="de-DE" dirty="0" smtClean="0"/>
+              <a:rPr lang="de-DE" dirty="0"/>
               <a:t>			- Schreibvorgang durch </a:t>
             </a:r>
             <a:r>
-              <a:rPr lang="de-DE" dirty="0" err="1" smtClean="0"/>
+              <a:rPr lang="de-DE" dirty="0" err="1"/>
               <a:t>Buttonclick</a:t>
             </a:r>
             <a:r>
-              <a:rPr lang="de-DE" dirty="0" smtClean="0"/>
+              <a:rPr lang="de-DE" dirty="0"/>
               <a:t> starten</a:t>
             </a:r>
           </a:p>
@@ -4821,11 +8407,7 @@
             </a:pPr>
             <a:r>
               <a:rPr lang="de-DE" dirty="0"/>
-              <a:t>	</a:t>
-            </a:r>
-            <a:r>
-              <a:rPr lang="de-DE" dirty="0" smtClean="0"/>
-              <a:t>		- Smartphone an den Tag halten</a:t>
+              <a:t>			- Smartphone an den Tag halten</a:t>
             </a:r>
           </a:p>
           <a:p>
@@ -4850,11 +8432,7 @@
             </a:pPr>
             <a:r>
               <a:rPr lang="de-DE" dirty="0"/>
-              <a:t>			</a:t>
-            </a:r>
-            <a:r>
-              <a:rPr lang="de-DE" dirty="0" smtClean="0"/>
-              <a:t>- Methode die Message auf den Tag schreibt</a:t>
+              <a:t>			- Methode die Message auf den Tag schreibt</a:t>
             </a:r>
             <a:endParaRPr lang="de-DE" dirty="0">
               <a:solidFill>
@@ -4874,11 +8452,11 @@
               <a:t>			- </a:t>
             </a:r>
             <a:r>
-              <a:rPr lang="de-DE" dirty="0" err="1" smtClean="0"/>
+              <a:rPr lang="de-DE" dirty="0" err="1"/>
               <a:t>onNewIntent</a:t>
             </a:r>
             <a:r>
-              <a:rPr lang="de-DE" dirty="0" smtClean="0"/>
+              <a:rPr lang="de-DE" dirty="0"/>
               <a:t>() überschreiben</a:t>
             </a:r>
             <a:endParaRPr lang="de-DE" dirty="0">
@@ -4891,13 +8469,13 @@
             <a:pPr marL="0" indent="0">
               <a:buNone/>
             </a:pPr>
-            <a:endParaRPr lang="de-DE" dirty="0" smtClean="0"/>
+            <a:endParaRPr lang="de-DE" dirty="0"/>
           </a:p>
           <a:p>
             <a:pPr marL="0" indent="0">
               <a:buNone/>
             </a:pPr>
-            <a:endParaRPr lang="de-DE" dirty="0" smtClean="0"/>
+            <a:endParaRPr lang="de-DE" dirty="0"/>
           </a:p>
         </p:txBody>
       </p:sp>
@@ -4926,7 +8504,7 @@
                 </a:solidFill>
               </a:rPr>
               <a:pPr/>
-              <a:t>08.05.2017</a:t>
+              <a:t>25.05.2017</a:t>
             </a:fld>
             <a:endParaRPr lang="de-DE" dirty="0">
               <a:solidFill>
@@ -4964,7 +8542,7 @@
                 </a:solidFill>
               </a:rPr>
               <a:pPr/>
-              <a:t>11</a:t>
+              <a:t>21</a:t>
             </a:fld>
             <a:endParaRPr lang="de-DE">
               <a:solidFill>
@@ -4993,18 +8571,17 @@
           <a:lstStyle/>
           <a:p>
             <a:r>
-              <a:rPr lang="de-DE" dirty="0" smtClean="0"/>
+              <a:rPr lang="de-DE" dirty="0"/>
               <a:t>NFC Write </a:t>
             </a:r>
             <a:r>
-              <a:rPr lang="de-DE" dirty="0" err="1" smtClean="0"/>
+              <a:rPr lang="de-DE" dirty="0" err="1"/>
               <a:t>to</a:t>
             </a:r>
             <a:r>
-              <a:rPr lang="de-DE" dirty="0" smtClean="0"/>
+              <a:rPr lang="de-DE" dirty="0"/>
               <a:t> Tag</a:t>
             </a:r>
-            <a:endParaRPr lang="de-DE" dirty="0"/>
           </a:p>
         </p:txBody>
       </p:sp>
@@ -5018,17 +8595,10 @@
   <p:clrMapOvr>
     <a:masterClrMapping/>
   </p:clrMapOvr>
-  <p:timing>
-    <p:tnLst>
-      <p:par>
-        <p:cTn id="1" dur="indefinite" restart="never" nodeType="tmRoot"/>
-      </p:par>
-    </p:tnLst>
-  </p:timing>
 </p:sld>
 </file>
 
-<file path=ppt/slides/slide12.xml><?xml version="1.0" encoding="utf-8"?>
+<file path=ppt/slides/slide22.xml><?xml version="1.0" encoding="utf-8"?>
 <p:sld xmlns:a="http://schemas.openxmlformats.org/drawingml/2006/main" xmlns:r="http://schemas.openxmlformats.org/officeDocument/2006/relationships" xmlns:p="http://schemas.openxmlformats.org/presentationml/2006/main">
   <p:cSld>
     <p:spTree>
@@ -5096,17 +8666,10 @@
   <p:clrMapOvr>
     <a:masterClrMapping/>
   </p:clrMapOvr>
-  <p:timing>
-    <p:tnLst>
-      <p:par>
-        <p:cTn id="1" dur="indefinite" restart="never" nodeType="tmRoot"/>
-      </p:par>
-    </p:tnLst>
-  </p:timing>
 </p:sld>
 </file>
 
-<file path=ppt/slides/slide13.xml><?xml version="1.0" encoding="utf-8"?>
+<file path=ppt/slides/slide23.xml><?xml version="1.0" encoding="utf-8"?>
 <p:sld xmlns:a="http://schemas.openxmlformats.org/drawingml/2006/main" xmlns:r="http://schemas.openxmlformats.org/officeDocument/2006/relationships" xmlns:p="http://schemas.openxmlformats.org/presentationml/2006/main">
   <p:cSld>
     <p:spTree>
@@ -5144,11 +8707,7 @@
             </a:pPr>
             <a:r>
               <a:rPr lang="de-DE" dirty="0"/>
-              <a:t> </a:t>
-            </a:r>
-            <a:r>
-              <a:rPr lang="de-DE" dirty="0" smtClean="0"/>
-              <a:t>Vorgehen:		- Smartphone an den Tag halten</a:t>
+              <a:t> Vorgehen:		- Smartphone an den Tag halten</a:t>
             </a:r>
           </a:p>
           <a:p>
@@ -5157,11 +8716,7 @@
             </a:pPr>
             <a:r>
               <a:rPr lang="de-DE" dirty="0"/>
-              <a:t>	</a:t>
-            </a:r>
-            <a:r>
-              <a:rPr lang="de-DE" dirty="0" smtClean="0"/>
-              <a:t>		- Message wird angezeigt oder App verarbeitet die Message</a:t>
+              <a:t>			- Message wird angezeigt oder App verarbeitet die Message</a:t>
             </a:r>
           </a:p>
           <a:p>
@@ -5174,23 +8729,7 @@
             </a:pPr>
             <a:r>
               <a:rPr lang="de-DE" dirty="0"/>
-              <a:t> </a:t>
-            </a:r>
-            <a:r>
-              <a:rPr lang="de-DE" dirty="0" smtClean="0"/>
-              <a:t>Implementierung:</a:t>
-            </a:r>
-            <a:r>
-              <a:rPr lang="de-DE" dirty="0"/>
-              <a:t> </a:t>
-            </a:r>
-            <a:r>
-              <a:rPr lang="de-DE" dirty="0" smtClean="0"/>
-              <a:t>	- Berechtigung </a:t>
-            </a:r>
-            <a:r>
-              <a:rPr lang="de-DE" dirty="0"/>
-              <a:t>im Manifest einholen</a:t>
+              <a:t> Implementierung: 	- Berechtigung im Manifest einholen</a:t>
             </a:r>
           </a:p>
           <a:p>
@@ -5202,18 +8741,14 @@
             </a:pPr>
             <a:r>
               <a:rPr lang="de-DE" dirty="0"/>
-              <a:t>			- Methode die </a:t>
-            </a:r>
-            <a:r>
-              <a:rPr lang="de-DE" dirty="0" smtClean="0"/>
-              <a:t>den Tag aus einem </a:t>
-            </a:r>
-            <a:r>
-              <a:rPr lang="de-DE" dirty="0" err="1" smtClean="0"/>
+              <a:t>			- Methode die den Tag aus einem </a:t>
+            </a:r>
+            <a:r>
+              <a:rPr lang="de-DE" dirty="0" err="1"/>
               <a:t>Intent</a:t>
             </a:r>
             <a:r>
-              <a:rPr lang="de-DE" dirty="0" smtClean="0"/>
+              <a:rPr lang="de-DE" dirty="0"/>
               <a:t> lesen kann</a:t>
             </a:r>
             <a:endParaRPr lang="de-DE" dirty="0">
@@ -5269,7 +8804,7 @@
                 </a:solidFill>
               </a:rPr>
               <a:pPr/>
-              <a:t>08.05.2017</a:t>
+              <a:t>25.05.2017</a:t>
             </a:fld>
             <a:endParaRPr lang="de-DE" dirty="0">
               <a:solidFill>
@@ -5307,7 +8842,7 @@
                 </a:solidFill>
               </a:rPr>
               <a:pPr/>
-              <a:t>13</a:t>
+              <a:t>23</a:t>
             </a:fld>
             <a:endParaRPr lang="de-DE">
               <a:solidFill>
@@ -5336,18 +8871,17 @@
           <a:lstStyle/>
           <a:p>
             <a:r>
-              <a:rPr lang="de-DE" dirty="0" smtClean="0"/>
+              <a:rPr lang="de-DE" dirty="0"/>
               <a:t>NFC Read </a:t>
             </a:r>
             <a:r>
-              <a:rPr lang="de-DE" dirty="0" err="1" smtClean="0"/>
+              <a:rPr lang="de-DE" dirty="0" err="1"/>
               <a:t>from</a:t>
             </a:r>
             <a:r>
-              <a:rPr lang="de-DE" dirty="0" smtClean="0"/>
+              <a:rPr lang="de-DE" dirty="0"/>
               <a:t> Tag</a:t>
             </a:r>
-            <a:endParaRPr lang="de-DE" dirty="0"/>
           </a:p>
         </p:txBody>
       </p:sp>
@@ -5361,17 +8895,10 @@
   <p:clrMapOvr>
     <a:masterClrMapping/>
   </p:clrMapOvr>
-  <p:timing>
-    <p:tnLst>
-      <p:par>
-        <p:cTn id="1" dur="indefinite" restart="never" nodeType="tmRoot"/>
-      </p:par>
-    </p:tnLst>
-  </p:timing>
 </p:sld>
 </file>
 
-<file path=ppt/slides/slide14.xml><?xml version="1.0" encoding="utf-8"?>
+<file path=ppt/slides/slide24.xml><?xml version="1.0" encoding="utf-8"?>
 <p:sld xmlns:a="http://schemas.openxmlformats.org/drawingml/2006/main" xmlns:r="http://schemas.openxmlformats.org/officeDocument/2006/relationships" xmlns:p="http://schemas.openxmlformats.org/presentationml/2006/main">
   <p:cSld>
     <p:spTree>
@@ -5439,17 +8966,10 @@
   <p:clrMapOvr>
     <a:masterClrMapping/>
   </p:clrMapOvr>
-  <p:timing>
-    <p:tnLst>
-      <p:par>
-        <p:cTn id="1" dur="indefinite" restart="never" nodeType="tmRoot"/>
-      </p:par>
-    </p:tnLst>
-  </p:timing>
 </p:sld>
 </file>
 
-<file path=ppt/slides/slide15.xml><?xml version="1.0" encoding="utf-8"?>
+<file path=ppt/slides/slide25.xml><?xml version="1.0" encoding="utf-8"?>
 <p:sld xmlns:a="http://schemas.openxmlformats.org/drawingml/2006/main" xmlns:r="http://schemas.openxmlformats.org/officeDocument/2006/relationships" xmlns:p="http://schemas.openxmlformats.org/presentationml/2006/main">
   <p:cSld>
     <p:spTree>
@@ -5517,7 +9037,7 @@
                 </a:solidFill>
               </a:rPr>
               <a:pPr/>
-              <a:t>08.05.2017</a:t>
+              <a:t>25.05.2017</a:t>
             </a:fld>
             <a:endParaRPr lang="de-DE" dirty="0">
               <a:solidFill>
@@ -5555,7 +9075,7 @@
                 </a:solidFill>
               </a:rPr>
               <a:pPr/>
-              <a:t>15</a:t>
+              <a:t>25</a:t>
             </a:fld>
             <a:endParaRPr lang="de-DE">
               <a:solidFill>
@@ -5584,14 +9104,13 @@
           <a:lstStyle/>
           <a:p>
             <a:r>
-              <a:rPr lang="de-DE" dirty="0" err="1" smtClean="0"/>
+              <a:rPr lang="de-DE" dirty="0" err="1"/>
               <a:t>Git</a:t>
             </a:r>
             <a:r>
-              <a:rPr lang="de-DE" dirty="0" smtClean="0"/>
+              <a:rPr lang="de-DE" dirty="0"/>
               <a:t> Repository</a:t>
             </a:r>
-            <a:endParaRPr lang="de-DE" dirty="0"/>
           </a:p>
         </p:txBody>
       </p:sp>
@@ -5605,17 +9124,10 @@
   <p:clrMapOvr>
     <a:masterClrMapping/>
   </p:clrMapOvr>
-  <p:timing>
-    <p:tnLst>
-      <p:par>
-        <p:cTn id="1" dur="indefinite" restart="never" nodeType="tmRoot"/>
-      </p:par>
-    </p:tnLst>
-  </p:timing>
 </p:sld>
 </file>
 
-<file path=ppt/slides/slide16.xml><?xml version="1.0" encoding="utf-8"?>
+<file path=ppt/slides/slide26.xml><?xml version="1.0" encoding="utf-8"?>
 <p:sld xmlns:a="http://schemas.openxmlformats.org/drawingml/2006/main" xmlns:r="http://schemas.openxmlformats.org/officeDocument/2006/relationships" xmlns:p="http://schemas.openxmlformats.org/presentationml/2006/main">
   <p:cSld>
     <p:spTree>
@@ -5681,11 +9193,7 @@
             </a:r>
             <a:r>
               <a:rPr lang="de-DE" sz="1400" dirty="0"/>
-              <a:t>		(08.05.2017 11:58</a:t>
-            </a:r>
-            <a:r>
-              <a:rPr lang="de-DE" sz="1400" dirty="0" smtClean="0"/>
-              <a:t>)</a:t>
+              <a:t>		(08.05.2017 11:58)</a:t>
             </a:r>
           </a:p>
           <a:p>
@@ -5697,16 +9205,10 @@
               <a:rPr lang="de-DE" sz="1400" dirty="0">
                 <a:hlinkClick r:id="rId4"/>
               </a:rPr>
-              <a:t>http://</a:t>
-            </a:r>
-            <a:r>
-              <a:rPr lang="de-DE" sz="1400" dirty="0" smtClean="0">
-                <a:hlinkClick r:id="rId4"/>
-              </a:rPr>
-              <a:t>static.giga.de/wp-content/uploads/2014/01/new-prof-rcm992x0.png</a:t>
-            </a:r>
-            <a:r>
-              <a:rPr lang="de-DE" sz="1400" dirty="0" smtClean="0"/>
+              <a:t>http://static.giga.de/wp-content/uploads/2014/01/new-prof-rcm992x0.png</a:t>
+            </a:r>
+            <a:r>
+              <a:rPr lang="de-DE" sz="1400" dirty="0"/>
               <a:t>		(08.05.2017 12:26)</a:t>
             </a:r>
           </a:p>
@@ -5719,16 +9221,10 @@
               <a:rPr lang="de-DE" sz="1400" dirty="0">
                 <a:hlinkClick r:id="rId5"/>
               </a:rPr>
-              <a:t>https://</a:t>
-            </a:r>
-            <a:r>
-              <a:rPr lang="de-DE" sz="1400" dirty="0" smtClean="0">
-                <a:hlinkClick r:id="rId5"/>
-              </a:rPr>
-              <a:t>etrafficapplications.files.wordpress.com/2013/02/android_development_tricks.jpg</a:t>
-            </a:r>
-            <a:r>
-              <a:rPr lang="de-DE" sz="1400" dirty="0" smtClean="0"/>
+              <a:t>https://etrafficapplications.files.wordpress.com/2013/02/android_development_tricks.jpg</a:t>
+            </a:r>
+            <a:r>
+              <a:rPr lang="de-DE" sz="1400" dirty="0"/>
               <a:t>	(08.05.2017 12:28)</a:t>
             </a:r>
           </a:p>
@@ -5745,11 +9241,7 @@
             </a:r>
             <a:r>
               <a:rPr lang="de-DE" sz="1400" dirty="0"/>
-              <a:t>			(08.05.2017 14:24</a:t>
-            </a:r>
-            <a:r>
-              <a:rPr lang="de-DE" sz="1400" dirty="0" smtClean="0"/>
-              <a:t>)</a:t>
+              <a:t>			(08.05.2017 14:24)</a:t>
             </a:r>
           </a:p>
           <a:p>
@@ -5761,13 +9253,7 @@
               <a:rPr lang="de-DE" sz="1400" dirty="0">
                 <a:hlinkClick r:id="rId7"/>
               </a:rPr>
-              <a:t>https://</a:t>
-            </a:r>
-            <a:r>
-              <a:rPr lang="de-DE" sz="1400" dirty="0" smtClean="0">
-                <a:hlinkClick r:id="rId7"/>
-              </a:rPr>
-              <a:t>upload.wikimedia.org/wikipedia/commons/thumb/3/34/Android_Studio_icon.svg/</a:t>
+              <a:t>https://upload.wikimedia.org/wikipedia/commons/thumb/3/34/Android_Studio_icon.svg/</a:t>
             </a:r>
           </a:p>
           <a:p>
@@ -5778,21 +9264,11 @@
               <a:rPr lang="de-DE" sz="1400" dirty="0">
                 <a:hlinkClick r:id="rId7"/>
               </a:rPr>
-              <a:t> </a:t>
-            </a:r>
-            <a:r>
-              <a:rPr lang="de-DE" sz="1400" dirty="0" smtClean="0">
-                <a:hlinkClick r:id="rId7"/>
-              </a:rPr>
-              <a:t>   1000px-Android_Studio_icon.svg.png</a:t>
-            </a:r>
-            <a:r>
-              <a:rPr lang="de-DE" sz="1400" dirty="0" smtClean="0"/>
-              <a:t>					</a:t>
+              <a:t>    1000px-Android_Studio_icon.svg.png</a:t>
             </a:r>
             <a:r>
               <a:rPr lang="de-DE" sz="1400" dirty="0"/>
-              <a:t> (08.05.2017 14:36) </a:t>
+              <a:t>					 (08.05.2017 14:36) </a:t>
             </a:r>
           </a:p>
           <a:p>
@@ -5820,11 +9296,7 @@
             </a:r>
             <a:r>
               <a:rPr lang="de-DE" sz="1400" dirty="0"/>
-              <a:t>		(08.05.2017 11:59</a:t>
-            </a:r>
-            <a:r>
-              <a:rPr lang="de-DE" sz="1400" dirty="0" smtClean="0"/>
-              <a:t>)</a:t>
+              <a:t>		(08.05.2017 11:59)</a:t>
             </a:r>
           </a:p>
           <a:p>
@@ -5836,16 +9308,10 @@
               <a:rPr lang="de-DE" sz="1400" dirty="0">
                 <a:hlinkClick r:id="rId9"/>
               </a:rPr>
-              <a:t>https://</a:t>
-            </a:r>
-            <a:r>
-              <a:rPr lang="de-DE" sz="1400" dirty="0" smtClean="0">
-                <a:hlinkClick r:id="rId9"/>
-              </a:rPr>
-              <a:t>www.learn2crack.com/2016/10/android-reading-and-writing-nfc-tags.html</a:t>
-            </a:r>
-            <a:r>
-              <a:rPr lang="de-DE" sz="1400" dirty="0" smtClean="0"/>
+              <a:t>https://www.learn2crack.com/2016/10/android-reading-and-writing-nfc-tags.html</a:t>
+            </a:r>
+            <a:r>
+              <a:rPr lang="de-DE" sz="1400" dirty="0"/>
               <a:t>	(08.05.2017 13:00)</a:t>
             </a:r>
           </a:p>
@@ -5885,7 +9351,7 @@
                 </a:solidFill>
               </a:rPr>
               <a:pPr/>
-              <a:t>08.05.2017</a:t>
+              <a:t>25.05.2017</a:t>
             </a:fld>
             <a:endParaRPr lang="de-DE" dirty="0">
               <a:solidFill>
@@ -5923,7 +9389,7 @@
                 </a:solidFill>
               </a:rPr>
               <a:pPr/>
-              <a:t>16</a:t>
+              <a:t>26</a:t>
             </a:fld>
             <a:endParaRPr lang="de-DE">
               <a:solidFill>
@@ -5952,10 +9418,9 @@
           <a:lstStyle/>
           <a:p>
             <a:r>
-              <a:rPr lang="de-DE" dirty="0" smtClean="0"/>
+              <a:rPr lang="de-DE" dirty="0"/>
               <a:t>Quellen</a:t>
             </a:r>
-            <a:endParaRPr lang="de-DE" dirty="0"/>
           </a:p>
         </p:txBody>
       </p:sp>
@@ -6017,230 +9482,6 @@
   <p:clrMapOvr>
     <a:masterClrMapping/>
   </p:clrMapOvr>
-  <p:timing>
-    <p:tnLst>
-      <p:par>
-        <p:cTn id="1" dur="indefinite" restart="never" nodeType="tmRoot"/>
-      </p:par>
-    </p:tnLst>
-  </p:timing>
-</p:sld>
-</file>
-
-<file path=ppt/slides/slide2.xml><?xml version="1.0" encoding="utf-8"?>
-<p:sld xmlns:a="http://schemas.openxmlformats.org/drawingml/2006/main" xmlns:r="http://schemas.openxmlformats.org/officeDocument/2006/relationships" xmlns:p="http://schemas.openxmlformats.org/presentationml/2006/main">
-  <p:cSld>
-    <p:spTree>
-      <p:nvGrpSpPr>
-        <p:cNvPr id="1" name=""/>
-        <p:cNvGrpSpPr/>
-        <p:nvPr/>
-      </p:nvGrpSpPr>
-      <p:grpSpPr>
-        <a:xfrm>
-          <a:off x="0" y="0"/>
-          <a:ext cx="0" cy="0"/>
-          <a:chOff x="0" y="0"/>
-          <a:chExt cx="0" cy="0"/>
-        </a:xfrm>
-      </p:grpSpPr>
-      <p:sp>
-        <p:nvSpPr>
-          <p:cNvPr id="2" name="Datumsplatzhalter 1"/>
-          <p:cNvSpPr>
-            <a:spLocks noGrp="1"/>
-          </p:cNvSpPr>
-          <p:nvPr>
-            <p:ph type="dt" sz="half" idx="10"/>
-          </p:nvPr>
-        </p:nvSpPr>
-        <p:spPr/>
-        <p:txBody>
-          <a:bodyPr/>
-          <a:lstStyle/>
-          <a:p>
-            <a:fld id="{88701F75-A811-4C26-8FBB-B2AA1EF9779D}" type="datetime1">
-              <a:rPr lang="de-DE" smtClean="0">
-                <a:solidFill>
-                  <a:prstClr val="black">
-                    <a:lumMod val="75000"/>
-                    <a:lumOff val="25000"/>
-                  </a:prstClr>
-                </a:solidFill>
-              </a:rPr>
-              <a:pPr/>
-              <a:t>08.05.2017</a:t>
-            </a:fld>
-            <a:endParaRPr lang="de-DE" dirty="0">
-              <a:solidFill>
-                <a:prstClr val="black">
-                  <a:lumMod val="75000"/>
-                  <a:lumOff val="25000"/>
-                </a:prstClr>
-              </a:solidFill>
-            </a:endParaRPr>
-          </a:p>
-        </p:txBody>
-      </p:sp>
-      <p:sp>
-        <p:nvSpPr>
-          <p:cNvPr id="3" name="Foliennummernplatzhalter 2"/>
-          <p:cNvSpPr>
-            <a:spLocks noGrp="1"/>
-          </p:cNvSpPr>
-          <p:nvPr>
-            <p:ph type="sldNum" sz="quarter" idx="12"/>
-          </p:nvPr>
-        </p:nvSpPr>
-        <p:spPr/>
-        <p:txBody>
-          <a:bodyPr/>
-          <a:lstStyle/>
-          <a:p>
-            <a:fld id="{21C2AFE0-40E6-4211-92A5-D87BCC1E356D}" type="slidenum">
-              <a:rPr lang="de-DE" smtClean="0">
-                <a:solidFill>
-                  <a:prstClr val="black">
-                    <a:lumMod val="75000"/>
-                    <a:lumOff val="25000"/>
-                  </a:prstClr>
-                </a:solidFill>
-              </a:rPr>
-              <a:pPr/>
-              <a:t>2</a:t>
-            </a:fld>
-            <a:endParaRPr lang="de-DE" dirty="0">
-              <a:solidFill>
-                <a:prstClr val="black">
-                  <a:lumMod val="75000"/>
-                  <a:lumOff val="25000"/>
-                </a:prstClr>
-              </a:solidFill>
-            </a:endParaRPr>
-          </a:p>
-        </p:txBody>
-      </p:sp>
-      <p:sp>
-        <p:nvSpPr>
-          <p:cNvPr id="5" name="Titel 4"/>
-          <p:cNvSpPr>
-            <a:spLocks noGrp="1"/>
-          </p:cNvSpPr>
-          <p:nvPr>
-            <p:ph type="title"/>
-          </p:nvPr>
-        </p:nvSpPr>
-        <p:spPr/>
-        <p:txBody>
-          <a:bodyPr/>
-          <a:lstStyle/>
-          <a:p>
-            <a:r>
-              <a:rPr lang="de-DE" dirty="0" smtClean="0"/>
-              <a:t>Grundlagen</a:t>
-            </a:r>
-            <a:endParaRPr lang="de-DE" dirty="0"/>
-          </a:p>
-        </p:txBody>
-      </p:sp>
-      <p:pic>
-        <p:nvPicPr>
-          <p:cNvPr id="1030" name="Picture 6" descr="http://static.giga.de/wp-content/uploads/2014/01/new-prof-rcm992x0.png"/>
-          <p:cNvPicPr>
-            <a:picLocks noChangeAspect="1" noChangeArrowheads="1"/>
-          </p:cNvPicPr>
-          <p:nvPr/>
-        </p:nvPicPr>
-        <p:blipFill>
-          <a:blip r:embed="rId2">
-            <a:extLst>
-              <a:ext uri="{28A0092B-C50C-407E-A947-70E740481C1C}">
-                <a14:useLocalDpi xmlns:a14="http://schemas.microsoft.com/office/drawing/2010/main" val="0"/>
-              </a:ext>
-            </a:extLst>
-          </a:blip>
-          <a:srcRect/>
-          <a:stretch>
-            <a:fillRect/>
-          </a:stretch>
-        </p:blipFill>
-        <p:spPr bwMode="auto">
-          <a:xfrm>
-            <a:off x="2406717" y="64395"/>
-            <a:ext cx="7378566" cy="5114483"/>
-          </a:xfrm>
-          <a:prstGeom prst="rect">
-            <a:avLst/>
-          </a:prstGeom>
-          <a:noFill/>
-          <a:extLst>
-            <a:ext uri="{909E8E84-426E-40DD-AFC4-6F175D3DCCD1}">
-              <a14:hiddenFill xmlns:a14="http://schemas.microsoft.com/office/drawing/2010/main">
-                <a:solidFill>
-                  <a:srgbClr val="FFFFFF"/>
-                </a:solidFill>
-              </a14:hiddenFill>
-            </a:ext>
-          </a:extLst>
-        </p:spPr>
-      </p:pic>
-      <p:sp>
-        <p:nvSpPr>
-          <p:cNvPr id="7" name="Textfeld 6"/>
-          <p:cNvSpPr txBox="1"/>
-          <p:nvPr/>
-        </p:nvSpPr>
-        <p:spPr>
-          <a:xfrm>
-            <a:off x="3569551" y="2382591"/>
-            <a:ext cx="1558344" cy="830997"/>
-          </a:xfrm>
-          <a:prstGeom prst="rect">
-            <a:avLst/>
-          </a:prstGeom>
-          <a:noFill/>
-        </p:spPr>
-        <p:txBody>
-          <a:bodyPr wrap="square" rtlCol="0">
-            <a:spAutoFit/>
-          </a:bodyPr>
-          <a:lstStyle/>
-          <a:p>
-            <a:r>
-              <a:rPr lang="de-DE" sz="4800" dirty="0" smtClean="0">
-                <a:solidFill>
-                  <a:srgbClr val="E4E4E4"/>
-                </a:solidFill>
-                <a:latin typeface="Mistral" panose="03090702030407020403" pitchFamily="66" charset="0"/>
-              </a:rPr>
-              <a:t>NFC</a:t>
-            </a:r>
-            <a:endParaRPr lang="de-DE" sz="4800" dirty="0">
-              <a:solidFill>
-                <a:srgbClr val="E4E4E4"/>
-              </a:solidFill>
-              <a:latin typeface="Mistral" panose="03090702030407020403" pitchFamily="66" charset="0"/>
-            </a:endParaRPr>
-          </a:p>
-        </p:txBody>
-      </p:sp>
-    </p:spTree>
-    <p:extLst>
-      <p:ext uri="{BB962C8B-B14F-4D97-AF65-F5344CB8AC3E}">
-        <p14:creationId xmlns:p14="http://schemas.microsoft.com/office/powerpoint/2010/main" val="349868082"/>
-      </p:ext>
-    </p:extLst>
-  </p:cSld>
-  <p:clrMapOvr>
-    <a:masterClrMapping/>
-  </p:clrMapOvr>
-  <p:timing>
-    <p:tnLst>
-      <p:par>
-        <p:cTn id="1" dur="indefinite" restart="never" nodeType="tmRoot"/>
-      </p:par>
-    </p:tnLst>
-  </p:timing>
 </p:sld>
 </file>
 
@@ -6273,10 +9514,109 @@
         </p:nvSpPr>
         <p:spPr/>
         <p:txBody>
-          <a:bodyPr/>
+          <a:bodyPr>
+            <a:normAutofit/>
+          </a:bodyPr>
           <a:lstStyle/>
           <a:p>
-            <a:endParaRPr lang="de-DE"/>
+            <a:pPr lvl="1">
+              <a:buFont typeface="Wingdings" panose="05000000000000000000" pitchFamily="2" charset="2"/>
+              <a:buChar char="§"/>
+            </a:pPr>
+            <a:endParaRPr lang="de-DE" dirty="0"/>
+          </a:p>
+          <a:p>
+            <a:pPr lvl="1">
+              <a:buFont typeface="Wingdings" panose="05000000000000000000" pitchFamily="2" charset="2"/>
+              <a:buChar char="§"/>
+            </a:pPr>
+            <a:r>
+              <a:rPr lang="de-DE" dirty="0"/>
+              <a:t> Was ist NFC?</a:t>
+            </a:r>
+          </a:p>
+          <a:p>
+            <a:pPr lvl="1">
+              <a:buFont typeface="Wingdings" panose="05000000000000000000" pitchFamily="2" charset="2"/>
+              <a:buChar char="§"/>
+            </a:pPr>
+            <a:r>
+              <a:rPr lang="de-DE" dirty="0"/>
+              <a:t> Geschichte</a:t>
+            </a:r>
+          </a:p>
+          <a:p>
+            <a:pPr lvl="1">
+              <a:buFont typeface="Wingdings" panose="05000000000000000000" pitchFamily="2" charset="2"/>
+              <a:buChar char="§"/>
+            </a:pPr>
+            <a:r>
+              <a:rPr lang="de-DE" dirty="0"/>
+              <a:t> Technische Daten </a:t>
+            </a:r>
+          </a:p>
+          <a:p>
+            <a:pPr lvl="1">
+              <a:buFont typeface="Wingdings" panose="05000000000000000000" pitchFamily="2" charset="2"/>
+              <a:buChar char="§"/>
+            </a:pPr>
+            <a:r>
+              <a:rPr lang="de-DE" dirty="0"/>
+              <a:t> Wie funktioniert NFC</a:t>
+            </a:r>
+          </a:p>
+          <a:p>
+            <a:pPr lvl="1">
+              <a:buFont typeface="Wingdings" panose="05000000000000000000" pitchFamily="2" charset="2"/>
+              <a:buChar char="§"/>
+            </a:pPr>
+            <a:r>
+              <a:rPr lang="de-DE" dirty="0"/>
+              <a:t>NFC im Vergleich zu….</a:t>
+            </a:r>
+          </a:p>
+          <a:p>
+            <a:pPr lvl="1">
+              <a:buFont typeface="Wingdings" panose="05000000000000000000" pitchFamily="2" charset="2"/>
+              <a:buChar char="§"/>
+            </a:pPr>
+            <a:r>
+              <a:rPr lang="de-DE" dirty="0"/>
+              <a:t> Wo kann man oder wo wird NFC genutzt?</a:t>
+            </a:r>
+          </a:p>
+          <a:p>
+            <a:pPr lvl="1">
+              <a:buFont typeface="Wingdings" panose="05000000000000000000" pitchFamily="2" charset="2"/>
+              <a:buChar char="§"/>
+            </a:pPr>
+            <a:r>
+              <a:rPr lang="de-DE" dirty="0"/>
+              <a:t> Vor- &amp; Nachteile </a:t>
+            </a:r>
+          </a:p>
+          <a:p>
+            <a:pPr lvl="1">
+              <a:buFont typeface="Wingdings" panose="05000000000000000000" pitchFamily="2" charset="2"/>
+              <a:buChar char="§"/>
+            </a:pPr>
+            <a:r>
+              <a:rPr lang="de-DE" dirty="0"/>
+              <a:t> Ist NFC sicher </a:t>
+            </a:r>
+          </a:p>
+          <a:p>
+            <a:pPr marL="0" indent="0">
+              <a:buNone/>
+            </a:pPr>
+            <a:endParaRPr lang="de-DE" dirty="0"/>
+          </a:p>
+          <a:p>
+            <a:pPr>
+              <a:buFont typeface="Wingdings" panose="05000000000000000000" pitchFamily="2" charset="2"/>
+              <a:buChar char="§"/>
+            </a:pPr>
+            <a:endParaRPr lang="de-DE" dirty="0"/>
           </a:p>
         </p:txBody>
       </p:sp>
@@ -6305,7 +9645,7 @@
                 </a:solidFill>
               </a:rPr>
               <a:pPr/>
-              <a:t>08.05.2017</a:t>
+              <a:t>25.05.2017</a:t>
             </a:fld>
             <a:endParaRPr lang="de-DE" dirty="0">
               <a:solidFill>
@@ -6372,10 +9712,9 @@
           <a:lstStyle/>
           <a:p>
             <a:r>
-              <a:rPr lang="de-DE" dirty="0" smtClean="0"/>
+              <a:rPr lang="de-DE" dirty="0"/>
               <a:t>Gliederung</a:t>
             </a:r>
-            <a:endParaRPr lang="de-DE" dirty="0"/>
           </a:p>
         </p:txBody>
       </p:sp>
@@ -6392,7 +9731,404 @@
   <p:timing>
     <p:tnLst>
       <p:par>
-        <p:cTn id="1" dur="indefinite" restart="never" nodeType="tmRoot"/>
+        <p:cTn id="1" dur="indefinite" restart="never" nodeType="tmRoot">
+          <p:childTnLst>
+            <p:seq concurrent="1" nextAc="seek">
+              <p:cTn id="2" dur="indefinite" nodeType="mainSeq">
+                <p:childTnLst>
+                  <p:par>
+                    <p:cTn id="3" fill="hold">
+                      <p:stCondLst>
+                        <p:cond delay="indefinite"/>
+                      </p:stCondLst>
+                      <p:childTnLst>
+                        <p:par>
+                          <p:cTn id="4" fill="hold">
+                            <p:stCondLst>
+                              <p:cond delay="0"/>
+                            </p:stCondLst>
+                            <p:childTnLst>
+                              <p:par>
+                                <p:cTn id="5" presetID="1" presetClass="entr" presetSubtype="0" fill="hold" nodeType="clickEffect">
+                                  <p:stCondLst>
+                                    <p:cond delay="0"/>
+                                  </p:stCondLst>
+                                  <p:childTnLst>
+                                    <p:set>
+                                      <p:cBhvr>
+                                        <p:cTn id="6" dur="1" fill="hold">
+                                          <p:stCondLst>
+                                            <p:cond delay="0"/>
+                                          </p:stCondLst>
+                                        </p:cTn>
+                                        <p:tgtEl>
+                                          <p:spTgt spid="2">
+                                            <p:txEl>
+                                              <p:pRg st="1" end="1"/>
+                                            </p:txEl>
+                                          </p:spTgt>
+                                        </p:tgtEl>
+                                        <p:attrNameLst>
+                                          <p:attrName>style.visibility</p:attrName>
+                                        </p:attrNameLst>
+                                      </p:cBhvr>
+                                      <p:to>
+                                        <p:strVal val="visible"/>
+                                      </p:to>
+                                    </p:set>
+                                  </p:childTnLst>
+                                </p:cTn>
+                              </p:par>
+                            </p:childTnLst>
+                          </p:cTn>
+                        </p:par>
+                      </p:childTnLst>
+                    </p:cTn>
+                  </p:par>
+                  <p:par>
+                    <p:cTn id="7" fill="hold">
+                      <p:stCondLst>
+                        <p:cond delay="indefinite"/>
+                      </p:stCondLst>
+                      <p:childTnLst>
+                        <p:par>
+                          <p:cTn id="8" fill="hold">
+                            <p:stCondLst>
+                              <p:cond delay="0"/>
+                            </p:stCondLst>
+                            <p:childTnLst>
+                              <p:par>
+                                <p:cTn id="9" presetID="1" presetClass="entr" presetSubtype="0" fill="hold" nodeType="clickEffect">
+                                  <p:stCondLst>
+                                    <p:cond delay="0"/>
+                                  </p:stCondLst>
+                                  <p:childTnLst>
+                                    <p:set>
+                                      <p:cBhvr>
+                                        <p:cTn id="10" dur="1" fill="hold">
+                                          <p:stCondLst>
+                                            <p:cond delay="0"/>
+                                          </p:stCondLst>
+                                        </p:cTn>
+                                        <p:tgtEl>
+                                          <p:spTgt spid="2">
+                                            <p:txEl>
+                                              <p:pRg st="2" end="2"/>
+                                            </p:txEl>
+                                          </p:spTgt>
+                                        </p:tgtEl>
+                                        <p:attrNameLst>
+                                          <p:attrName>style.visibility</p:attrName>
+                                        </p:attrNameLst>
+                                      </p:cBhvr>
+                                      <p:to>
+                                        <p:strVal val="visible"/>
+                                      </p:to>
+                                    </p:set>
+                                  </p:childTnLst>
+                                </p:cTn>
+                              </p:par>
+                            </p:childTnLst>
+                          </p:cTn>
+                        </p:par>
+                      </p:childTnLst>
+                    </p:cTn>
+                  </p:par>
+                  <p:par>
+                    <p:cTn id="11" fill="hold">
+                      <p:stCondLst>
+                        <p:cond delay="indefinite"/>
+                      </p:stCondLst>
+                      <p:childTnLst>
+                        <p:par>
+                          <p:cTn id="12" fill="hold">
+                            <p:stCondLst>
+                              <p:cond delay="0"/>
+                            </p:stCondLst>
+                            <p:childTnLst>
+                              <p:par>
+                                <p:cTn id="13" presetID="1" presetClass="entr" presetSubtype="0" fill="hold" nodeType="clickEffect">
+                                  <p:stCondLst>
+                                    <p:cond delay="0"/>
+                                  </p:stCondLst>
+                                  <p:childTnLst>
+                                    <p:set>
+                                      <p:cBhvr>
+                                        <p:cTn id="14" dur="1" fill="hold">
+                                          <p:stCondLst>
+                                            <p:cond delay="0"/>
+                                          </p:stCondLst>
+                                        </p:cTn>
+                                        <p:tgtEl>
+                                          <p:spTgt spid="2">
+                                            <p:txEl>
+                                              <p:pRg st="3" end="3"/>
+                                            </p:txEl>
+                                          </p:spTgt>
+                                        </p:tgtEl>
+                                        <p:attrNameLst>
+                                          <p:attrName>style.visibility</p:attrName>
+                                        </p:attrNameLst>
+                                      </p:cBhvr>
+                                      <p:to>
+                                        <p:strVal val="visible"/>
+                                      </p:to>
+                                    </p:set>
+                                  </p:childTnLst>
+                                </p:cTn>
+                              </p:par>
+                            </p:childTnLst>
+                          </p:cTn>
+                        </p:par>
+                      </p:childTnLst>
+                    </p:cTn>
+                  </p:par>
+                  <p:par>
+                    <p:cTn id="15" fill="hold">
+                      <p:stCondLst>
+                        <p:cond delay="indefinite"/>
+                      </p:stCondLst>
+                      <p:childTnLst>
+                        <p:par>
+                          <p:cTn id="16" fill="hold">
+                            <p:stCondLst>
+                              <p:cond delay="0"/>
+                            </p:stCondLst>
+                            <p:childTnLst>
+                              <p:par>
+                                <p:cTn id="17" presetID="1" presetClass="entr" presetSubtype="0" fill="hold" nodeType="clickEffect">
+                                  <p:stCondLst>
+                                    <p:cond delay="0"/>
+                                  </p:stCondLst>
+                                  <p:childTnLst>
+                                    <p:set>
+                                      <p:cBhvr>
+                                        <p:cTn id="18" dur="1" fill="hold">
+                                          <p:stCondLst>
+                                            <p:cond delay="0"/>
+                                          </p:stCondLst>
+                                        </p:cTn>
+                                        <p:tgtEl>
+                                          <p:spTgt spid="2">
+                                            <p:txEl>
+                                              <p:pRg st="4" end="4"/>
+                                            </p:txEl>
+                                          </p:spTgt>
+                                        </p:tgtEl>
+                                        <p:attrNameLst>
+                                          <p:attrName>style.visibility</p:attrName>
+                                        </p:attrNameLst>
+                                      </p:cBhvr>
+                                      <p:to>
+                                        <p:strVal val="visible"/>
+                                      </p:to>
+                                    </p:set>
+                                  </p:childTnLst>
+                                </p:cTn>
+                              </p:par>
+                            </p:childTnLst>
+                          </p:cTn>
+                        </p:par>
+                      </p:childTnLst>
+                    </p:cTn>
+                  </p:par>
+                  <p:par>
+                    <p:cTn id="19" fill="hold">
+                      <p:stCondLst>
+                        <p:cond delay="indefinite"/>
+                      </p:stCondLst>
+                      <p:childTnLst>
+                        <p:par>
+                          <p:cTn id="20" fill="hold">
+                            <p:stCondLst>
+                              <p:cond delay="0"/>
+                            </p:stCondLst>
+                            <p:childTnLst>
+                              <p:par>
+                                <p:cTn id="21" presetID="1" presetClass="entr" presetSubtype="0" fill="hold" nodeType="clickEffect">
+                                  <p:stCondLst>
+                                    <p:cond delay="0"/>
+                                  </p:stCondLst>
+                                  <p:childTnLst>
+                                    <p:set>
+                                      <p:cBhvr>
+                                        <p:cTn id="22" dur="1" fill="hold">
+                                          <p:stCondLst>
+                                            <p:cond delay="0"/>
+                                          </p:stCondLst>
+                                        </p:cTn>
+                                        <p:tgtEl>
+                                          <p:spTgt spid="2">
+                                            <p:txEl>
+                                              <p:pRg st="5" end="5"/>
+                                            </p:txEl>
+                                          </p:spTgt>
+                                        </p:tgtEl>
+                                        <p:attrNameLst>
+                                          <p:attrName>style.visibility</p:attrName>
+                                        </p:attrNameLst>
+                                      </p:cBhvr>
+                                      <p:to>
+                                        <p:strVal val="visible"/>
+                                      </p:to>
+                                    </p:set>
+                                  </p:childTnLst>
+                                </p:cTn>
+                              </p:par>
+                            </p:childTnLst>
+                          </p:cTn>
+                        </p:par>
+                      </p:childTnLst>
+                    </p:cTn>
+                  </p:par>
+                  <p:par>
+                    <p:cTn id="23" fill="hold">
+                      <p:stCondLst>
+                        <p:cond delay="indefinite"/>
+                      </p:stCondLst>
+                      <p:childTnLst>
+                        <p:par>
+                          <p:cTn id="24" fill="hold">
+                            <p:stCondLst>
+                              <p:cond delay="0"/>
+                            </p:stCondLst>
+                            <p:childTnLst>
+                              <p:par>
+                                <p:cTn id="25" presetID="1" presetClass="entr" presetSubtype="0" fill="hold" nodeType="clickEffect">
+                                  <p:stCondLst>
+                                    <p:cond delay="0"/>
+                                  </p:stCondLst>
+                                  <p:childTnLst>
+                                    <p:set>
+                                      <p:cBhvr>
+                                        <p:cTn id="26" dur="1" fill="hold">
+                                          <p:stCondLst>
+                                            <p:cond delay="0"/>
+                                          </p:stCondLst>
+                                        </p:cTn>
+                                        <p:tgtEl>
+                                          <p:spTgt spid="2">
+                                            <p:txEl>
+                                              <p:pRg st="6" end="6"/>
+                                            </p:txEl>
+                                          </p:spTgt>
+                                        </p:tgtEl>
+                                        <p:attrNameLst>
+                                          <p:attrName>style.visibility</p:attrName>
+                                        </p:attrNameLst>
+                                      </p:cBhvr>
+                                      <p:to>
+                                        <p:strVal val="visible"/>
+                                      </p:to>
+                                    </p:set>
+                                  </p:childTnLst>
+                                </p:cTn>
+                              </p:par>
+                            </p:childTnLst>
+                          </p:cTn>
+                        </p:par>
+                      </p:childTnLst>
+                    </p:cTn>
+                  </p:par>
+                  <p:par>
+                    <p:cTn id="27" fill="hold">
+                      <p:stCondLst>
+                        <p:cond delay="indefinite"/>
+                      </p:stCondLst>
+                      <p:childTnLst>
+                        <p:par>
+                          <p:cTn id="28" fill="hold">
+                            <p:stCondLst>
+                              <p:cond delay="0"/>
+                            </p:stCondLst>
+                            <p:childTnLst>
+                              <p:par>
+                                <p:cTn id="29" presetID="1" presetClass="entr" presetSubtype="0" fill="hold" nodeType="clickEffect">
+                                  <p:stCondLst>
+                                    <p:cond delay="0"/>
+                                  </p:stCondLst>
+                                  <p:childTnLst>
+                                    <p:set>
+                                      <p:cBhvr>
+                                        <p:cTn id="30" dur="1" fill="hold">
+                                          <p:stCondLst>
+                                            <p:cond delay="0"/>
+                                          </p:stCondLst>
+                                        </p:cTn>
+                                        <p:tgtEl>
+                                          <p:spTgt spid="2">
+                                            <p:txEl>
+                                              <p:pRg st="7" end="7"/>
+                                            </p:txEl>
+                                          </p:spTgt>
+                                        </p:tgtEl>
+                                        <p:attrNameLst>
+                                          <p:attrName>style.visibility</p:attrName>
+                                        </p:attrNameLst>
+                                      </p:cBhvr>
+                                      <p:to>
+                                        <p:strVal val="visible"/>
+                                      </p:to>
+                                    </p:set>
+                                  </p:childTnLst>
+                                </p:cTn>
+                              </p:par>
+                              <p:par>
+                                <p:cTn id="31" presetID="1" presetClass="entr" presetSubtype="0" fill="hold" nodeType="withEffect">
+                                  <p:stCondLst>
+                                    <p:cond delay="0"/>
+                                  </p:stCondLst>
+                                  <p:childTnLst>
+                                    <p:set>
+                                      <p:cBhvr>
+                                        <p:cTn id="32" dur="1" fill="hold">
+                                          <p:stCondLst>
+                                            <p:cond delay="0"/>
+                                          </p:stCondLst>
+                                        </p:cTn>
+                                        <p:tgtEl>
+                                          <p:spTgt spid="2">
+                                            <p:txEl>
+                                              <p:pRg st="8" end="8"/>
+                                            </p:txEl>
+                                          </p:spTgt>
+                                        </p:tgtEl>
+                                        <p:attrNameLst>
+                                          <p:attrName>style.visibility</p:attrName>
+                                        </p:attrNameLst>
+                                      </p:cBhvr>
+                                      <p:to>
+                                        <p:strVal val="visible"/>
+                                      </p:to>
+                                    </p:set>
+                                  </p:childTnLst>
+                                </p:cTn>
+                              </p:par>
+                            </p:childTnLst>
+                          </p:cTn>
+                        </p:par>
+                      </p:childTnLst>
+                    </p:cTn>
+                  </p:par>
+                </p:childTnLst>
+              </p:cTn>
+              <p:prevCondLst>
+                <p:cond evt="onPrev" delay="0">
+                  <p:tgtEl>
+                    <p:sldTgt/>
+                  </p:tgtEl>
+                </p:cond>
+              </p:prevCondLst>
+              <p:nextCondLst>
+                <p:cond evt="onNext" delay="0">
+                  <p:tgtEl>
+                    <p:sldTgt/>
+                  </p:tgtEl>
+                </p:cond>
+              </p:nextCondLst>
+            </p:seq>
+          </p:childTnLst>
+        </p:cTn>
       </p:par>
     </p:tnLst>
   </p:timing>
@@ -6416,49 +10152,166 @@
           <a:chExt cx="0" cy="0"/>
         </a:xfrm>
       </p:grpSpPr>
-      <p:pic>
-        <p:nvPicPr>
-          <p:cNvPr id="2" name="Picture 2" descr="http://www.nfc-webshop.com/media/wysiwyg/kategorie_seiten/nfc-side.jpg"/>
-          <p:cNvPicPr>
-            <a:picLocks noChangeAspect="1" noChangeArrowheads="1"/>
-          </p:cNvPicPr>
-          <p:nvPr/>
-        </p:nvPicPr>
-        <p:blipFill rotWithShape="1">
-          <a:blip r:embed="rId2">
-            <a:extLst>
-              <a:ext uri="{28A0092B-C50C-407E-A947-70E740481C1C}">
-                <a14:useLocalDpi xmlns:a14="http://schemas.microsoft.com/office/drawing/2010/main" val="0"/>
-              </a:ext>
-            </a:extLst>
-          </a:blip>
-          <a:srcRect l="2183" t="9021" r="2145" b="9014"/>
-          <a:stretch/>
-        </p:blipFill>
-        <p:spPr bwMode="auto">
+      <p:sp>
+        <p:nvSpPr>
+          <p:cNvPr id="2" name="Datumsplatzhalter 1"/>
+          <p:cNvSpPr>
+            <a:spLocks noGrp="1"/>
+          </p:cNvSpPr>
+          <p:nvPr>
+            <p:ph type="dt" sz="half" idx="10"/>
+          </p:nvPr>
+        </p:nvSpPr>
+        <p:spPr/>
+        <p:txBody>
+          <a:bodyPr/>
+          <a:lstStyle/>
+          <a:p>
+            <a:fld id="{60304490-4D7B-4CB0-AD76-0A4D4B224109}" type="datetime1">
+              <a:rPr lang="de-DE" smtClean="0">
+                <a:solidFill>
+                  <a:prstClr val="black">
+                    <a:lumMod val="75000"/>
+                    <a:lumOff val="25000"/>
+                  </a:prstClr>
+                </a:solidFill>
+              </a:rPr>
+              <a:pPr/>
+              <a:t>25.05.2017</a:t>
+            </a:fld>
+            <a:endParaRPr lang="de-DE">
+              <a:solidFill>
+                <a:prstClr val="black">
+                  <a:lumMod val="75000"/>
+                  <a:lumOff val="25000"/>
+                </a:prstClr>
+              </a:solidFill>
+            </a:endParaRPr>
+          </a:p>
+        </p:txBody>
+      </p:sp>
+      <p:sp>
+        <p:nvSpPr>
+          <p:cNvPr id="3" name="Foliennummernplatzhalter 2"/>
+          <p:cNvSpPr>
+            <a:spLocks noGrp="1"/>
+          </p:cNvSpPr>
+          <p:nvPr>
+            <p:ph type="sldNum" sz="quarter" idx="12"/>
+          </p:nvPr>
+        </p:nvSpPr>
+        <p:spPr/>
+        <p:txBody>
+          <a:bodyPr/>
+          <a:lstStyle/>
+          <a:p>
+            <a:fld id="{21C2AFE0-40E6-4211-92A5-D87BCC1E356D}" type="slidenum">
+              <a:rPr lang="de-DE" smtClean="0">
+                <a:solidFill>
+                  <a:prstClr val="black">
+                    <a:lumMod val="75000"/>
+                    <a:lumOff val="25000"/>
+                  </a:prstClr>
+                </a:solidFill>
+              </a:rPr>
+              <a:pPr/>
+              <a:t>4</a:t>
+            </a:fld>
+            <a:endParaRPr lang="de-DE">
+              <a:solidFill>
+                <a:prstClr val="black">
+                  <a:lumMod val="75000"/>
+                  <a:lumOff val="25000"/>
+                </a:prstClr>
+              </a:solidFill>
+            </a:endParaRPr>
+          </a:p>
+        </p:txBody>
+      </p:sp>
+      <p:sp>
+        <p:nvSpPr>
+          <p:cNvPr id="6" name="Titel 5"/>
+          <p:cNvSpPr>
+            <a:spLocks noGrp="1"/>
+          </p:cNvSpPr>
+          <p:nvPr>
+            <p:ph type="title"/>
+          </p:nvPr>
+        </p:nvSpPr>
+        <p:spPr/>
+        <p:txBody>
+          <a:bodyPr/>
+          <a:lstStyle/>
+          <a:p>
+            <a:r>
+              <a:rPr lang="de-DE" dirty="0"/>
+              <a:t>Was ist NFC                                     </a:t>
+            </a:r>
+            <a:r>
+              <a:rPr lang="de-DE" dirty="0" err="1"/>
+              <a:t>Near</a:t>
+            </a:r>
+            <a:r>
+              <a:rPr lang="de-DE" dirty="0"/>
+              <a:t> Field Communication?</a:t>
+            </a:r>
+          </a:p>
+        </p:txBody>
+      </p:sp>
+      <p:sp>
+        <p:nvSpPr>
+          <p:cNvPr id="8" name="Bildplatzhalter 4"/>
+          <p:cNvSpPr>
+            <a:spLocks noGrp="1"/>
+          </p:cNvSpPr>
+          <p:nvPr>
+            <p:ph sz="half" idx="1"/>
+          </p:nvPr>
+        </p:nvSpPr>
+        <p:spPr>
           <a:xfrm>
-            <a:off x="385294" y="61653"/>
-            <a:ext cx="11421413" cy="6734695"/>
+            <a:off x="1097279" y="1828800"/>
+            <a:ext cx="10024989" cy="4022725"/>
           </a:xfrm>
-          <a:prstGeom prst="rect">
-            <a:avLst/>
-          </a:prstGeom>
-          <a:noFill/>
-          <a:extLst>
-            <a:ext uri="{909E8E84-426E-40DD-AFC4-6F175D3DCCD1}">
-              <a14:hiddenFill xmlns:a14="http://schemas.microsoft.com/office/drawing/2010/main">
-                <a:solidFill>
-                  <a:srgbClr val="FFFFFF"/>
-                </a:solidFill>
-              </a14:hiddenFill>
-            </a:ext>
-          </a:extLst>
         </p:spPr>
-      </p:pic>
+        <p:txBody>
+          <a:bodyPr/>
+          <a:lstStyle/>
+          <a:p>
+            <a:endParaRPr lang="de-DE" dirty="0"/>
+          </a:p>
+          <a:p>
+            <a:pPr marL="0" indent="0">
+              <a:buNone/>
+            </a:pPr>
+            <a:endParaRPr lang="de-DE" dirty="0"/>
+          </a:p>
+          <a:p>
+            <a:pPr>
+              <a:buFont typeface="Wingdings" panose="05000000000000000000" pitchFamily="2" charset="2"/>
+              <a:buChar char="§"/>
+            </a:pPr>
+            <a:r>
+              <a:rPr lang="de-DE" dirty="0"/>
+              <a:t>eine drahtlose Übertragungstechnik mit einer sehr kurzen Reichweite</a:t>
+            </a:r>
+          </a:p>
+          <a:p>
+            <a:pPr>
+              <a:buFont typeface="Wingdings" panose="05000000000000000000" pitchFamily="2" charset="2"/>
+              <a:buChar char="§"/>
+            </a:pPr>
+            <a:r>
+              <a:rPr lang="de-DE" dirty="0"/>
+              <a:t> basierend auf RIFD &amp; Bluetooth</a:t>
+            </a:r>
+          </a:p>
+        </p:txBody>
+      </p:sp>
     </p:spTree>
     <p:extLst>
       <p:ext uri="{BB962C8B-B14F-4D97-AF65-F5344CB8AC3E}">
-        <p14:creationId xmlns:p14="http://schemas.microsoft.com/office/powerpoint/2010/main" val="3731234035"/>
+        <p14:creationId xmlns:p14="http://schemas.microsoft.com/office/powerpoint/2010/main" val="1654885740"/>
       </p:ext>
     </p:extLst>
   </p:cSld>
@@ -6468,7 +10321,128 @@
   <p:timing>
     <p:tnLst>
       <p:par>
-        <p:cTn id="1" dur="indefinite" restart="never" nodeType="tmRoot"/>
+        <p:cTn id="1" dur="indefinite" restart="never" nodeType="tmRoot">
+          <p:childTnLst>
+            <p:seq concurrent="1" nextAc="seek">
+              <p:cTn id="2" dur="indefinite" nodeType="mainSeq">
+                <p:childTnLst>
+                  <p:par>
+                    <p:cTn id="3" fill="hold">
+                      <p:stCondLst>
+                        <p:cond delay="indefinite"/>
+                      </p:stCondLst>
+                      <p:childTnLst>
+                        <p:par>
+                          <p:cTn id="4" fill="hold">
+                            <p:stCondLst>
+                              <p:cond delay="0"/>
+                            </p:stCondLst>
+                            <p:childTnLst>
+                              <p:par>
+                                <p:cTn id="5" presetID="1" presetClass="entr" presetSubtype="0" fill="hold" nodeType="clickEffect">
+                                  <p:stCondLst>
+                                    <p:cond delay="0"/>
+                                  </p:stCondLst>
+                                  <p:childTnLst>
+                                    <p:set>
+                                      <p:cBhvr>
+                                        <p:cTn id="6" dur="1" fill="hold">
+                                          <p:stCondLst>
+                                            <p:cond delay="0"/>
+                                          </p:stCondLst>
+                                        </p:cTn>
+                                        <p:tgtEl>
+                                          <p:spTgt spid="8">
+                                            <p:txEl>
+                                              <p:pRg st="2" end="2"/>
+                                            </p:txEl>
+                                          </p:spTgt>
+                                        </p:tgtEl>
+                                        <p:attrNameLst>
+                                          <p:attrName>style.visibility</p:attrName>
+                                        </p:attrNameLst>
+                                      </p:cBhvr>
+                                      <p:to>
+                                        <p:strVal val="visible"/>
+                                      </p:to>
+                                    </p:set>
+                                  </p:childTnLst>
+                                </p:cTn>
+                              </p:par>
+                            </p:childTnLst>
+                          </p:cTn>
+                        </p:par>
+                      </p:childTnLst>
+                    </p:cTn>
+                  </p:par>
+                  <p:par>
+                    <p:cTn id="7" fill="hold">
+                      <p:stCondLst>
+                        <p:cond delay="indefinite"/>
+                      </p:stCondLst>
+                      <p:childTnLst>
+                        <p:par>
+                          <p:cTn id="8" fill="hold">
+                            <p:stCondLst>
+                              <p:cond delay="0"/>
+                            </p:stCondLst>
+                            <p:childTnLst>
+                              <p:par>
+                                <p:cTn id="9" presetID="1" presetClass="entr" presetSubtype="0" fill="hold" nodeType="clickEffect">
+                                  <p:stCondLst>
+                                    <p:cond delay="0"/>
+                                  </p:stCondLst>
+                                  <p:childTnLst>
+                                    <p:set>
+                                      <p:cBhvr>
+                                        <p:cTn id="10" dur="1" fill="hold">
+                                          <p:stCondLst>
+                                            <p:cond delay="0"/>
+                                          </p:stCondLst>
+                                        </p:cTn>
+                                        <p:tgtEl>
+                                          <p:spTgt spid="8">
+                                            <p:txEl>
+                                              <p:pRg st="3" end="3"/>
+                                            </p:txEl>
+                                          </p:spTgt>
+                                        </p:tgtEl>
+                                        <p:attrNameLst>
+                                          <p:attrName>style.visibility</p:attrName>
+                                        </p:attrNameLst>
+                                      </p:cBhvr>
+                                      <p:to>
+                                        <p:strVal val="visible"/>
+                                      </p:to>
+                                    </p:set>
+                                  </p:childTnLst>
+                                </p:cTn>
+                              </p:par>
+                            </p:childTnLst>
+                          </p:cTn>
+                        </p:par>
+                      </p:childTnLst>
+                    </p:cTn>
+                  </p:par>
+                </p:childTnLst>
+              </p:cTn>
+              <p:prevCondLst>
+                <p:cond evt="onPrev" delay="0">
+                  <p:tgtEl>
+                    <p:sldTgt/>
+                  </p:tgtEl>
+                </p:cond>
+              </p:prevCondLst>
+              <p:nextCondLst>
+                <p:cond evt="onNext" delay="0">
+                  <p:tgtEl>
+                    <p:sldTgt/>
+                  </p:tgtEl>
+                </p:cond>
+              </p:nextCondLst>
+            </p:seq>
+          </p:childTnLst>
+        </p:cTn>
       </p:par>
     </p:tnLst>
   </p:timing>
@@ -6507,7 +10481,7 @@
           <a:bodyPr/>
           <a:lstStyle/>
           <a:p>
-            <a:fld id="{88701F75-A811-4C26-8FBB-B2AA1EF9779D}" type="datetime1">
+            <a:fld id="{60304490-4D7B-4CB0-AD76-0A4D4B224109}" type="datetime1">
               <a:rPr lang="de-DE" smtClean="0">
                 <a:solidFill>
                   <a:prstClr val="black">
@@ -6517,9 +10491,9 @@
                 </a:solidFill>
               </a:rPr>
               <a:pPr/>
-              <a:t>08.05.2017</a:t>
+              <a:t>25.05.2017</a:t>
             </a:fld>
-            <a:endParaRPr lang="de-DE" dirty="0">
+            <a:endParaRPr lang="de-DE">
               <a:solidFill>
                 <a:prstClr val="black">
                   <a:lumMod val="75000"/>
@@ -6557,7 +10531,7 @@
               <a:pPr/>
               <a:t>5</a:t>
             </a:fld>
-            <a:endParaRPr lang="de-DE" dirty="0">
+            <a:endParaRPr lang="de-DE">
               <a:solidFill>
                 <a:prstClr val="black">
                   <a:lumMod val="75000"/>
@@ -6570,7 +10544,81 @@
       </p:sp>
       <p:sp>
         <p:nvSpPr>
-          <p:cNvPr id="5" name="Titel 4"/>
+          <p:cNvPr id="4" name="Inhaltsplatzhalter 3"/>
+          <p:cNvSpPr>
+            <a:spLocks noGrp="1"/>
+          </p:cNvSpPr>
+          <p:nvPr>
+            <p:ph sz="half" idx="1"/>
+          </p:nvPr>
+        </p:nvSpPr>
+        <p:spPr>
+          <a:xfrm>
+            <a:off x="1097279" y="1845734"/>
+            <a:ext cx="10115204" cy="4023360"/>
+          </a:xfrm>
+        </p:spPr>
+        <p:txBody>
+          <a:bodyPr>
+            <a:normAutofit/>
+          </a:bodyPr>
+          <a:lstStyle/>
+          <a:p>
+            <a:endParaRPr lang="de-DE" dirty="0"/>
+          </a:p>
+          <a:p>
+            <a:pPr marL="0" indent="0">
+              <a:buNone/>
+            </a:pPr>
+            <a:endParaRPr lang="de-DE" dirty="0"/>
+          </a:p>
+          <a:p>
+            <a:pPr marL="0" indent="0">
+              <a:buNone/>
+            </a:pPr>
+            <a:endParaRPr lang="de-DE" dirty="0"/>
+          </a:p>
+          <a:p>
+            <a:pPr lvl="1">
+              <a:buFont typeface="Wingdings" panose="05000000000000000000" pitchFamily="2" charset="2"/>
+              <a:buChar char="§"/>
+            </a:pPr>
+            <a:r>
+              <a:rPr lang="de-DE" dirty="0"/>
+              <a:t> 2002 erster Entwurf </a:t>
+            </a:r>
+          </a:p>
+          <a:p>
+            <a:pPr lvl="1">
+              <a:buFont typeface="Wingdings" panose="05000000000000000000" pitchFamily="2" charset="2"/>
+              <a:buChar char="§"/>
+            </a:pPr>
+            <a:r>
+              <a:rPr lang="de-DE" dirty="0"/>
+              <a:t>Anfang 2004 das NFC – Forum gegründet</a:t>
+            </a:r>
+          </a:p>
+          <a:p>
+            <a:pPr lvl="1">
+              <a:buFont typeface="Wingdings" panose="05000000000000000000" pitchFamily="2" charset="2"/>
+              <a:buChar char="§"/>
+            </a:pPr>
+            <a:r>
+              <a:rPr lang="de-DE" dirty="0"/>
+              <a:t> Unterdessen gehören dem Forum jede Menge Firmen </a:t>
+            </a:r>
+          </a:p>
+          <a:p>
+            <a:pPr marL="0" indent="0">
+              <a:buNone/>
+            </a:pPr>
+            <a:endParaRPr lang="de-DE" dirty="0"/>
+          </a:p>
+        </p:txBody>
+      </p:sp>
+      <p:sp>
+        <p:nvSpPr>
+          <p:cNvPr id="6" name="Titel 5"/>
           <p:cNvSpPr>
             <a:spLocks noGrp="1"/>
           </p:cNvSpPr>
@@ -6580,62 +10628,34 @@
         </p:nvSpPr>
         <p:spPr/>
         <p:txBody>
-          <a:bodyPr/>
+          <a:bodyPr>
+            <a:normAutofit fontScale="90000"/>
+          </a:bodyPr>
           <a:lstStyle/>
           <a:p>
-            <a:r>
-              <a:rPr lang="de-DE" dirty="0" smtClean="0"/>
-              <a:t>Programmierung</a:t>
-            </a:r>
-            <a:endParaRPr lang="de-DE" dirty="0"/>
+            <a:br>
+              <a:rPr lang="de-DE" b="1" dirty="0"/>
+            </a:br>
+            <a:br>
+              <a:rPr lang="de-DE" b="1" dirty="0"/>
+            </a:br>
+            <a:br>
+              <a:rPr lang="de-DE" b="1" dirty="0"/>
+            </a:br>
+            <a:br>
+              <a:rPr lang="de-DE" b="1" dirty="0"/>
+            </a:br>
+            <a:r>
+              <a:rPr lang="de-DE" sz="5300" dirty="0"/>
+              <a:t>Geschichte</a:t>
+            </a:r>
           </a:p>
         </p:txBody>
       </p:sp>
-      <p:pic>
-        <p:nvPicPr>
-          <p:cNvPr id="2050" name="Picture 2" descr="https://etrafficapplications.files.wordpress.com/2013/02/android_development_tricks.jpg"/>
-          <p:cNvPicPr>
-            <a:picLocks noChangeAspect="1" noChangeArrowheads="1"/>
-          </p:cNvPicPr>
-          <p:nvPr/>
-        </p:nvPicPr>
-        <p:blipFill>
-          <a:blip r:embed="rId2">
-            <a:extLst>
-              <a:ext uri="{28A0092B-C50C-407E-A947-70E740481C1C}">
-                <a14:useLocalDpi xmlns:a14="http://schemas.microsoft.com/office/drawing/2010/main" val="0"/>
-              </a:ext>
-            </a:extLst>
-          </a:blip>
-          <a:srcRect/>
-          <a:stretch>
-            <a:fillRect/>
-          </a:stretch>
-        </p:blipFill>
-        <p:spPr bwMode="auto">
-          <a:xfrm>
-            <a:off x="3238500" y="141669"/>
-            <a:ext cx="5715000" cy="5000625"/>
-          </a:xfrm>
-          <a:prstGeom prst="rect">
-            <a:avLst/>
-          </a:prstGeom>
-          <a:noFill/>
-          <a:extLst>
-            <a:ext uri="{909E8E84-426E-40DD-AFC4-6F175D3DCCD1}">
-              <a14:hiddenFill xmlns:a14="http://schemas.microsoft.com/office/drawing/2010/main">
-                <a:solidFill>
-                  <a:srgbClr val="FFFFFF"/>
-                </a:solidFill>
-              </a14:hiddenFill>
-            </a:ext>
-          </a:extLst>
-        </p:spPr>
-      </p:pic>
     </p:spTree>
     <p:extLst>
       <p:ext uri="{BB962C8B-B14F-4D97-AF65-F5344CB8AC3E}">
-        <p14:creationId xmlns:p14="http://schemas.microsoft.com/office/powerpoint/2010/main" val="720256561"/>
+        <p14:creationId xmlns:p14="http://schemas.microsoft.com/office/powerpoint/2010/main" val="2232752381"/>
       </p:ext>
     </p:extLst>
   </p:cSld>
@@ -6645,7 +10665,177 @@
   <p:timing>
     <p:tnLst>
       <p:par>
-        <p:cTn id="1" dur="indefinite" restart="never" nodeType="tmRoot"/>
+        <p:cTn id="1" dur="indefinite" restart="never" nodeType="tmRoot">
+          <p:childTnLst>
+            <p:seq concurrent="1" nextAc="seek">
+              <p:cTn id="2" dur="indefinite" nodeType="mainSeq">
+                <p:childTnLst>
+                  <p:par>
+                    <p:cTn id="3" fill="hold">
+                      <p:stCondLst>
+                        <p:cond delay="indefinite"/>
+                      </p:stCondLst>
+                      <p:childTnLst>
+                        <p:par>
+                          <p:cTn id="4" fill="hold">
+                            <p:stCondLst>
+                              <p:cond delay="0"/>
+                            </p:stCondLst>
+                            <p:childTnLst>
+                              <p:par>
+                                <p:cTn id="5" presetID="1" presetClass="entr" presetSubtype="0" fill="hold" nodeType="clickEffect">
+                                  <p:stCondLst>
+                                    <p:cond delay="0"/>
+                                  </p:stCondLst>
+                                  <p:childTnLst>
+                                    <p:set>
+                                      <p:cBhvr>
+                                        <p:cTn id="6" dur="1" fill="hold">
+                                          <p:stCondLst>
+                                            <p:cond delay="0"/>
+                                          </p:stCondLst>
+                                        </p:cTn>
+                                        <p:tgtEl>
+                                          <p:spTgt spid="4">
+                                            <p:txEl>
+                                              <p:pRg st="3" end="3"/>
+                                            </p:txEl>
+                                          </p:spTgt>
+                                        </p:tgtEl>
+                                        <p:attrNameLst>
+                                          <p:attrName>style.visibility</p:attrName>
+                                        </p:attrNameLst>
+                                      </p:cBhvr>
+                                      <p:to>
+                                        <p:strVal val="visible"/>
+                                      </p:to>
+                                    </p:set>
+                                  </p:childTnLst>
+                                </p:cTn>
+                              </p:par>
+                            </p:childTnLst>
+                          </p:cTn>
+                        </p:par>
+                      </p:childTnLst>
+                    </p:cTn>
+                  </p:par>
+                  <p:par>
+                    <p:cTn id="7" fill="hold">
+                      <p:stCondLst>
+                        <p:cond delay="indefinite"/>
+                      </p:stCondLst>
+                      <p:childTnLst>
+                        <p:par>
+                          <p:cTn id="8" fill="hold">
+                            <p:stCondLst>
+                              <p:cond delay="0"/>
+                            </p:stCondLst>
+                            <p:childTnLst>
+                              <p:par>
+                                <p:cTn id="9" presetID="1" presetClass="entr" presetSubtype="0" fill="hold" nodeType="clickEffect">
+                                  <p:stCondLst>
+                                    <p:cond delay="0"/>
+                                  </p:stCondLst>
+                                  <p:childTnLst>
+                                    <p:set>
+                                      <p:cBhvr>
+                                        <p:cTn id="10" dur="1" fill="hold">
+                                          <p:stCondLst>
+                                            <p:cond delay="0"/>
+                                          </p:stCondLst>
+                                        </p:cTn>
+                                        <p:tgtEl>
+                                          <p:spTgt spid="4">
+                                            <p:txEl>
+                                              <p:pRg st="4" end="4"/>
+                                            </p:txEl>
+                                          </p:spTgt>
+                                        </p:tgtEl>
+                                        <p:attrNameLst>
+                                          <p:attrName>style.visibility</p:attrName>
+                                        </p:attrNameLst>
+                                      </p:cBhvr>
+                                      <p:to>
+                                        <p:strVal val="visible"/>
+                                      </p:to>
+                                    </p:set>
+                                  </p:childTnLst>
+                                </p:cTn>
+                              </p:par>
+                            </p:childTnLst>
+                          </p:cTn>
+                        </p:par>
+                      </p:childTnLst>
+                    </p:cTn>
+                  </p:par>
+                  <p:par>
+                    <p:cTn id="11" fill="hold">
+                      <p:stCondLst>
+                        <p:cond delay="indefinite"/>
+                      </p:stCondLst>
+                      <p:childTnLst>
+                        <p:par>
+                          <p:cTn id="12" fill="hold">
+                            <p:stCondLst>
+                              <p:cond delay="0"/>
+                            </p:stCondLst>
+                            <p:childTnLst>
+                              <p:par>
+                                <p:cTn id="13" presetID="1" presetClass="entr" presetSubtype="0" fill="hold" nodeType="clickEffect">
+                                  <p:stCondLst>
+                                    <p:cond delay="0"/>
+                                  </p:stCondLst>
+                                  <p:childTnLst>
+                                    <p:set>
+                                      <p:cBhvr>
+                                        <p:cTn id="14" dur="1" fill="hold">
+                                          <p:stCondLst>
+                                            <p:cond delay="0"/>
+                                          </p:stCondLst>
+                                        </p:cTn>
+                                        <p:tgtEl>
+                                          <p:spTgt spid="4">
+                                            <p:txEl>
+                                              <p:pRg st="5" end="5"/>
+                                            </p:txEl>
+                                          </p:spTgt>
+                                        </p:tgtEl>
+                                        <p:attrNameLst>
+                                          <p:attrName>style.visibility</p:attrName>
+                                        </p:attrNameLst>
+                                      </p:cBhvr>
+                                      <p:to>
+                                        <p:strVal val="visible"/>
+                                      </p:to>
+                                    </p:set>
+                                  </p:childTnLst>
+                                </p:cTn>
+                              </p:par>
+                            </p:childTnLst>
+                          </p:cTn>
+                        </p:par>
+                      </p:childTnLst>
+                    </p:cTn>
+                  </p:par>
+                </p:childTnLst>
+              </p:cTn>
+              <p:prevCondLst>
+                <p:cond evt="onPrev" delay="0">
+                  <p:tgtEl>
+                    <p:sldTgt/>
+                  </p:tgtEl>
+                </p:cond>
+              </p:prevCondLst>
+              <p:nextCondLst>
+                <p:cond evt="onNext" delay="0">
+                  <p:tgtEl>
+                    <p:sldTgt/>
+                  </p:tgtEl>
+                </p:cond>
+              </p:nextCondLst>
+            </p:seq>
+          </p:childTnLst>
+        </p:cTn>
       </p:par>
     </p:tnLst>
   </p:timing>
@@ -6671,87 +10861,7 @@
       </p:grpSpPr>
       <p:sp>
         <p:nvSpPr>
-          <p:cNvPr id="2" name="Inhaltsplatzhalter 1"/>
-          <p:cNvSpPr>
-            <a:spLocks noGrp="1"/>
-          </p:cNvSpPr>
-          <p:nvPr>
-            <p:ph idx="1"/>
-          </p:nvPr>
-        </p:nvSpPr>
-        <p:spPr/>
-        <p:txBody>
-          <a:bodyPr/>
-          <a:lstStyle/>
-          <a:p>
-            <a:pPr>
-              <a:lnSpc>
-                <a:spcPct val="200000"/>
-              </a:lnSpc>
-              <a:buFont typeface="Wingdings" panose="05000000000000000000" pitchFamily="2" charset="2"/>
-              <a:buChar char="§"/>
-            </a:pPr>
-            <a:r>
-              <a:rPr lang="de-DE" dirty="0" smtClean="0"/>
-              <a:t> NFC Beam</a:t>
-            </a:r>
-          </a:p>
-          <a:p>
-            <a:pPr>
-              <a:lnSpc>
-                <a:spcPct val="200000"/>
-              </a:lnSpc>
-              <a:buFont typeface="Wingdings" panose="05000000000000000000" pitchFamily="2" charset="2"/>
-              <a:buChar char="§"/>
-            </a:pPr>
-            <a:r>
-              <a:rPr lang="de-DE" dirty="0"/>
-              <a:t> </a:t>
-            </a:r>
-            <a:r>
-              <a:rPr lang="de-DE" dirty="0" smtClean="0"/>
-              <a:t>NFC Write </a:t>
-            </a:r>
-            <a:r>
-              <a:rPr lang="de-DE" dirty="0" err="1" smtClean="0"/>
-              <a:t>to</a:t>
-            </a:r>
-            <a:r>
-              <a:rPr lang="de-DE" dirty="0" smtClean="0"/>
-              <a:t> Tag</a:t>
-            </a:r>
-          </a:p>
-          <a:p>
-            <a:pPr>
-              <a:lnSpc>
-                <a:spcPct val="200000"/>
-              </a:lnSpc>
-              <a:buFont typeface="Wingdings" panose="05000000000000000000" pitchFamily="2" charset="2"/>
-              <a:buChar char="§"/>
-            </a:pPr>
-            <a:r>
-              <a:rPr lang="de-DE" dirty="0"/>
-              <a:t> </a:t>
-            </a:r>
-            <a:r>
-              <a:rPr lang="de-DE" dirty="0" smtClean="0"/>
-              <a:t>NFC Read </a:t>
-            </a:r>
-            <a:r>
-              <a:rPr lang="de-DE" dirty="0" err="1" smtClean="0"/>
-              <a:t>from</a:t>
-            </a:r>
-            <a:r>
-              <a:rPr lang="de-DE" dirty="0" smtClean="0"/>
-              <a:t> Tag</a:t>
-            </a:r>
-            <a:endParaRPr lang="de-DE" dirty="0"/>
-          </a:p>
-        </p:txBody>
-      </p:sp>
-      <p:sp>
-        <p:nvSpPr>
-          <p:cNvPr id="3" name="Datumsplatzhalter 2"/>
+          <p:cNvPr id="2" name="Datumsplatzhalter 1"/>
           <p:cNvSpPr>
             <a:spLocks noGrp="1"/>
           </p:cNvSpPr>
@@ -6764,7 +10874,7 @@
           <a:bodyPr/>
           <a:lstStyle/>
           <a:p>
-            <a:fld id="{D39D821C-592C-4DEC-9FC0-BB78BF9F99E8}" type="datetime1">
+            <a:fld id="{60304490-4D7B-4CB0-AD76-0A4D4B224109}" type="datetime1">
               <a:rPr lang="de-DE" smtClean="0">
                 <a:solidFill>
                   <a:prstClr val="black">
@@ -6774,9 +10884,9 @@
                 </a:solidFill>
               </a:rPr>
               <a:pPr/>
-              <a:t>08.05.2017</a:t>
+              <a:t>25.05.2017</a:t>
             </a:fld>
-            <a:endParaRPr lang="de-DE" dirty="0">
+            <a:endParaRPr lang="de-DE">
               <a:solidFill>
                 <a:prstClr val="black">
                   <a:lumMod val="75000"/>
@@ -6789,7 +10899,7 @@
       </p:sp>
       <p:sp>
         <p:nvSpPr>
-          <p:cNvPr id="4" name="Foliennummernplatzhalter 3"/>
+          <p:cNvPr id="3" name="Foliennummernplatzhalter 2"/>
           <p:cNvSpPr>
             <a:spLocks noGrp="1"/>
           </p:cNvSpPr>
@@ -6827,7 +10937,278 @@
       </p:sp>
       <p:sp>
         <p:nvSpPr>
-          <p:cNvPr id="5" name="Titel 4"/>
+          <p:cNvPr id="4" name="Inhaltsplatzhalter 3"/>
+          <p:cNvSpPr>
+            <a:spLocks noGrp="1"/>
+          </p:cNvSpPr>
+          <p:nvPr>
+            <p:ph sz="half" idx="1"/>
+          </p:nvPr>
+        </p:nvSpPr>
+        <p:spPr>
+          <a:xfrm>
+            <a:off x="1097279" y="1845734"/>
+            <a:ext cx="10115204" cy="4023360"/>
+          </a:xfrm>
+        </p:spPr>
+        <p:txBody>
+          <a:bodyPr>
+            <a:normAutofit/>
+          </a:bodyPr>
+          <a:lstStyle/>
+          <a:p>
+            <a:r>
+              <a:rPr lang="de-DE" dirty="0"/>
+              <a:t> </a:t>
+            </a:r>
+          </a:p>
+          <a:p>
+            <a:r>
+              <a:rPr lang="de-DE" b="1" dirty="0">
+                <a:solidFill>
+                  <a:schemeClr val="tx1"/>
+                </a:solidFill>
+              </a:rPr>
+              <a:t>Frequenzband </a:t>
+            </a:r>
+            <a:r>
+              <a:rPr lang="de-DE" dirty="0">
+                <a:solidFill>
+                  <a:schemeClr val="tx1"/>
+                </a:solidFill>
+              </a:rPr>
+              <a:t>13,56 MHz</a:t>
+            </a:r>
+            <a:r>
+              <a:rPr lang="de-DE" b="1" dirty="0">
+                <a:solidFill>
+                  <a:schemeClr val="tx1"/>
+                </a:solidFill>
+              </a:rPr>
+              <a:t> </a:t>
+            </a:r>
+          </a:p>
+          <a:p>
+            <a:r>
+              <a:rPr lang="de-DE" b="1" dirty="0">
+                <a:solidFill>
+                  <a:schemeClr val="tx1"/>
+                </a:solidFill>
+              </a:rPr>
+              <a:t>Übertragungsrate von </a:t>
+            </a:r>
+            <a:r>
+              <a:rPr lang="de-DE" dirty="0">
+                <a:solidFill>
+                  <a:schemeClr val="tx1"/>
+                </a:solidFill>
+              </a:rPr>
+              <a:t>106 </a:t>
+            </a:r>
+            <a:r>
+              <a:rPr lang="de-DE" dirty="0" err="1">
+                <a:solidFill>
+                  <a:schemeClr val="tx1"/>
+                </a:solidFill>
+              </a:rPr>
+              <a:t>kBit</a:t>
+            </a:r>
+            <a:r>
+              <a:rPr lang="de-DE" dirty="0">
+                <a:solidFill>
+                  <a:schemeClr val="tx1"/>
+                </a:solidFill>
+              </a:rPr>
+              <a:t>/s</a:t>
+            </a:r>
+            <a:r>
+              <a:rPr lang="de-DE" b="1" dirty="0">
+                <a:solidFill>
+                  <a:schemeClr val="tx1"/>
+                </a:solidFill>
+              </a:rPr>
+              <a:t>, </a:t>
+            </a:r>
+            <a:r>
+              <a:rPr lang="de-DE" dirty="0">
+                <a:solidFill>
+                  <a:schemeClr val="tx1"/>
+                </a:solidFill>
+              </a:rPr>
+              <a:t>212 </a:t>
+            </a:r>
+            <a:r>
+              <a:rPr lang="de-DE" dirty="0" err="1">
+                <a:solidFill>
+                  <a:schemeClr val="tx1"/>
+                </a:solidFill>
+              </a:rPr>
+              <a:t>kBit</a:t>
+            </a:r>
+            <a:r>
+              <a:rPr lang="de-DE" dirty="0">
+                <a:solidFill>
+                  <a:schemeClr val="tx1"/>
+                </a:solidFill>
+              </a:rPr>
+              <a:t>/s</a:t>
+            </a:r>
+            <a:r>
+              <a:rPr lang="de-DE" b="1" dirty="0">
+                <a:solidFill>
+                  <a:schemeClr val="tx1"/>
+                </a:solidFill>
+              </a:rPr>
+              <a:t>, </a:t>
+            </a:r>
+            <a:r>
+              <a:rPr lang="de-DE" dirty="0">
+                <a:solidFill>
+                  <a:schemeClr val="tx1"/>
+                </a:solidFill>
+              </a:rPr>
+              <a:t>424 </a:t>
+            </a:r>
+            <a:r>
+              <a:rPr lang="de-DE" dirty="0" err="1">
+                <a:solidFill>
+                  <a:schemeClr val="tx1"/>
+                </a:solidFill>
+              </a:rPr>
+              <a:t>kBit</a:t>
+            </a:r>
+            <a:r>
+              <a:rPr lang="de-DE" dirty="0">
+                <a:solidFill>
+                  <a:schemeClr val="tx1"/>
+                </a:solidFill>
+              </a:rPr>
+              <a:t>/s</a:t>
+            </a:r>
+            <a:r>
+              <a:rPr lang="de-DE" b="1" dirty="0">
+                <a:solidFill>
+                  <a:schemeClr val="tx1"/>
+                </a:solidFill>
+              </a:rPr>
+              <a:t>  </a:t>
+            </a:r>
+          </a:p>
+          <a:p>
+            <a:r>
+              <a:rPr lang="de-DE" b="1" dirty="0">
+                <a:solidFill>
+                  <a:schemeClr val="tx1"/>
+                </a:solidFill>
+              </a:rPr>
+              <a:t>Reichweite bis zu </a:t>
+            </a:r>
+            <a:r>
+              <a:rPr lang="de-DE" dirty="0">
+                <a:solidFill>
+                  <a:schemeClr val="tx1"/>
+                </a:solidFill>
+              </a:rPr>
+              <a:t>10 cm.</a:t>
+            </a:r>
+          </a:p>
+          <a:p>
+            <a:pPr>
+              <a:lnSpc>
+                <a:spcPct val="150000"/>
+              </a:lnSpc>
+            </a:pPr>
+            <a:r>
+              <a:rPr lang="de-DE" dirty="0">
+                <a:solidFill>
+                  <a:schemeClr val="tx1"/>
+                </a:solidFill>
+              </a:rPr>
+              <a:t>NFC unterstützt 3 Hauptbereiche auf den Android Geräten: </a:t>
+            </a:r>
+          </a:p>
+          <a:p>
+            <a:pPr lvl="1" fontAlgn="base">
+              <a:lnSpc>
+                <a:spcPct val="100000"/>
+              </a:lnSpc>
+              <a:spcAft>
+                <a:spcPts val="0"/>
+              </a:spcAft>
+              <a:buFont typeface="Arial" panose="020B0604020202020204" pitchFamily="34" charset="0"/>
+              <a:buChar char="•"/>
+            </a:pPr>
+            <a:r>
+              <a:rPr lang="de-DE" dirty="0">
+                <a:solidFill>
+                  <a:schemeClr val="tx1"/>
+                </a:solidFill>
+              </a:rPr>
+              <a:t>Peer </a:t>
+            </a:r>
+            <a:r>
+              <a:rPr lang="de-DE" dirty="0" err="1">
+                <a:solidFill>
+                  <a:schemeClr val="tx1"/>
+                </a:solidFill>
+              </a:rPr>
+              <a:t>To</a:t>
+            </a:r>
+            <a:r>
+              <a:rPr lang="de-DE" dirty="0">
+                <a:solidFill>
+                  <a:schemeClr val="tx1"/>
+                </a:solidFill>
+              </a:rPr>
+              <a:t> Peer </a:t>
+            </a:r>
+          </a:p>
+          <a:p>
+            <a:pPr lvl="1" fontAlgn="base">
+              <a:lnSpc>
+                <a:spcPct val="100000"/>
+              </a:lnSpc>
+              <a:spcAft>
+                <a:spcPts val="0"/>
+              </a:spcAft>
+              <a:buFont typeface="Arial" panose="020B0604020202020204" pitchFamily="34" charset="0"/>
+              <a:buChar char="•"/>
+            </a:pPr>
+            <a:r>
+              <a:rPr lang="de-DE" dirty="0">
+                <a:solidFill>
+                  <a:schemeClr val="tx1"/>
+                </a:solidFill>
+              </a:rPr>
+              <a:t>Reader Emulation </a:t>
+            </a:r>
+          </a:p>
+          <a:p>
+            <a:pPr lvl="1" fontAlgn="base">
+              <a:lnSpc>
+                <a:spcPct val="100000"/>
+              </a:lnSpc>
+              <a:spcAft>
+                <a:spcPts val="0"/>
+              </a:spcAft>
+              <a:buFont typeface="Arial" panose="020B0604020202020204" pitchFamily="34" charset="0"/>
+              <a:buChar char="•"/>
+            </a:pPr>
+            <a:r>
+              <a:rPr lang="de-DE" dirty="0">
+                <a:solidFill>
+                  <a:schemeClr val="tx1"/>
+                </a:solidFill>
+              </a:rPr>
+              <a:t>Card Emulation </a:t>
+            </a:r>
+            <a:endParaRPr lang="de-DE" dirty="0"/>
+          </a:p>
+        </p:txBody>
+      </p:sp>
+      <p:sp>
+        <p:nvSpPr>
+          <p:cNvPr id="6" name="Titel 5"/>
           <p:cNvSpPr>
             <a:spLocks noGrp="1"/>
           </p:cNvSpPr>
@@ -6841,17 +11222,16 @@
           <a:lstStyle/>
           <a:p>
             <a:r>
-              <a:rPr lang="de-DE" dirty="0" smtClean="0"/>
-              <a:t>Gliederung</a:t>
-            </a:r>
-            <a:endParaRPr lang="de-DE" dirty="0"/>
+              <a:rPr lang="de-DE" dirty="0"/>
+              <a:t>Technische Daten </a:t>
+            </a:r>
           </a:p>
         </p:txBody>
       </p:sp>
     </p:spTree>
     <p:extLst>
       <p:ext uri="{BB962C8B-B14F-4D97-AF65-F5344CB8AC3E}">
-        <p14:creationId xmlns:p14="http://schemas.microsoft.com/office/powerpoint/2010/main" val="773285316"/>
+        <p14:creationId xmlns:p14="http://schemas.microsoft.com/office/powerpoint/2010/main" val="2620065157"/>
       </p:ext>
     </p:extLst>
   </p:cSld>
@@ -6861,7 +11241,373 @@
   <p:timing>
     <p:tnLst>
       <p:par>
-        <p:cTn id="1" dur="indefinite" restart="never" nodeType="tmRoot"/>
+        <p:cTn id="1" dur="indefinite" restart="never" nodeType="tmRoot">
+          <p:childTnLst>
+            <p:seq concurrent="1" nextAc="seek">
+              <p:cTn id="2" dur="indefinite" nodeType="mainSeq">
+                <p:childTnLst>
+                  <p:par>
+                    <p:cTn id="3" fill="hold">
+                      <p:stCondLst>
+                        <p:cond delay="indefinite"/>
+                      </p:stCondLst>
+                      <p:childTnLst>
+                        <p:par>
+                          <p:cTn id="4" fill="hold">
+                            <p:stCondLst>
+                              <p:cond delay="0"/>
+                            </p:stCondLst>
+                            <p:childTnLst>
+                              <p:par>
+                                <p:cTn id="5" presetID="1" presetClass="entr" presetSubtype="0" fill="hold" nodeType="clickEffect">
+                                  <p:stCondLst>
+                                    <p:cond delay="0"/>
+                                  </p:stCondLst>
+                                  <p:childTnLst>
+                                    <p:set>
+                                      <p:cBhvr>
+                                        <p:cTn id="6" dur="1" fill="hold">
+                                          <p:stCondLst>
+                                            <p:cond delay="0"/>
+                                          </p:stCondLst>
+                                        </p:cTn>
+                                        <p:tgtEl>
+                                          <p:spTgt spid="4">
+                                            <p:txEl>
+                                              <p:pRg st="1" end="1"/>
+                                            </p:txEl>
+                                          </p:spTgt>
+                                        </p:tgtEl>
+                                        <p:attrNameLst>
+                                          <p:attrName>style.visibility</p:attrName>
+                                        </p:attrNameLst>
+                                      </p:cBhvr>
+                                      <p:to>
+                                        <p:strVal val="visible"/>
+                                      </p:to>
+                                    </p:set>
+                                  </p:childTnLst>
+                                </p:cTn>
+                              </p:par>
+                            </p:childTnLst>
+                          </p:cTn>
+                        </p:par>
+                      </p:childTnLst>
+                    </p:cTn>
+                  </p:par>
+                  <p:par>
+                    <p:cTn id="7" fill="hold">
+                      <p:stCondLst>
+                        <p:cond delay="indefinite"/>
+                      </p:stCondLst>
+                      <p:childTnLst>
+                        <p:par>
+                          <p:cTn id="8" fill="hold">
+                            <p:stCondLst>
+                              <p:cond delay="0"/>
+                            </p:stCondLst>
+                            <p:childTnLst>
+                              <p:par>
+                                <p:cTn id="9" presetID="1" presetClass="entr" presetSubtype="0" fill="hold" nodeType="clickEffect">
+                                  <p:stCondLst>
+                                    <p:cond delay="0"/>
+                                  </p:stCondLst>
+                                  <p:childTnLst>
+                                    <p:set>
+                                      <p:cBhvr>
+                                        <p:cTn id="10" dur="1" fill="hold">
+                                          <p:stCondLst>
+                                            <p:cond delay="0"/>
+                                          </p:stCondLst>
+                                        </p:cTn>
+                                        <p:tgtEl>
+                                          <p:spTgt spid="4">
+                                            <p:txEl>
+                                              <p:pRg st="2" end="2"/>
+                                            </p:txEl>
+                                          </p:spTgt>
+                                        </p:tgtEl>
+                                        <p:attrNameLst>
+                                          <p:attrName>style.visibility</p:attrName>
+                                        </p:attrNameLst>
+                                      </p:cBhvr>
+                                      <p:to>
+                                        <p:strVal val="visible"/>
+                                      </p:to>
+                                    </p:set>
+                                  </p:childTnLst>
+                                </p:cTn>
+                              </p:par>
+                            </p:childTnLst>
+                          </p:cTn>
+                        </p:par>
+                      </p:childTnLst>
+                    </p:cTn>
+                  </p:par>
+                  <p:par>
+                    <p:cTn id="11" fill="hold">
+                      <p:stCondLst>
+                        <p:cond delay="indefinite"/>
+                      </p:stCondLst>
+                      <p:childTnLst>
+                        <p:par>
+                          <p:cTn id="12" fill="hold">
+                            <p:stCondLst>
+                              <p:cond delay="0"/>
+                            </p:stCondLst>
+                            <p:childTnLst>
+                              <p:par>
+                                <p:cTn id="13" presetID="1" presetClass="entr" presetSubtype="0" fill="hold" nodeType="clickEffect">
+                                  <p:stCondLst>
+                                    <p:cond delay="0"/>
+                                  </p:stCondLst>
+                                  <p:childTnLst>
+                                    <p:set>
+                                      <p:cBhvr>
+                                        <p:cTn id="14" dur="1" fill="hold">
+                                          <p:stCondLst>
+                                            <p:cond delay="0"/>
+                                          </p:stCondLst>
+                                        </p:cTn>
+                                        <p:tgtEl>
+                                          <p:spTgt spid="4">
+                                            <p:txEl>
+                                              <p:pRg st="3" end="3"/>
+                                            </p:txEl>
+                                          </p:spTgt>
+                                        </p:tgtEl>
+                                        <p:attrNameLst>
+                                          <p:attrName>style.visibility</p:attrName>
+                                        </p:attrNameLst>
+                                      </p:cBhvr>
+                                      <p:to>
+                                        <p:strVal val="visible"/>
+                                      </p:to>
+                                    </p:set>
+                                  </p:childTnLst>
+                                </p:cTn>
+                              </p:par>
+                            </p:childTnLst>
+                          </p:cTn>
+                        </p:par>
+                      </p:childTnLst>
+                    </p:cTn>
+                  </p:par>
+                  <p:par>
+                    <p:cTn id="15" fill="hold">
+                      <p:stCondLst>
+                        <p:cond delay="indefinite"/>
+                      </p:stCondLst>
+                      <p:childTnLst>
+                        <p:par>
+                          <p:cTn id="16" fill="hold">
+                            <p:stCondLst>
+                              <p:cond delay="0"/>
+                            </p:stCondLst>
+                            <p:childTnLst>
+                              <p:par>
+                                <p:cTn id="17" presetID="1" presetClass="entr" presetSubtype="0" fill="hold" nodeType="clickEffect">
+                                  <p:stCondLst>
+                                    <p:cond delay="0"/>
+                                  </p:stCondLst>
+                                  <p:childTnLst>
+                                    <p:set>
+                                      <p:cBhvr>
+                                        <p:cTn id="18" dur="1" fill="hold">
+                                          <p:stCondLst>
+                                            <p:cond delay="0"/>
+                                          </p:stCondLst>
+                                        </p:cTn>
+                                        <p:tgtEl>
+                                          <p:spTgt spid="4">
+                                            <p:txEl>
+                                              <p:pRg st="4" end="4"/>
+                                            </p:txEl>
+                                          </p:spTgt>
+                                        </p:tgtEl>
+                                        <p:attrNameLst>
+                                          <p:attrName>style.visibility</p:attrName>
+                                        </p:attrNameLst>
+                                      </p:cBhvr>
+                                      <p:to>
+                                        <p:strVal val="visible"/>
+                                      </p:to>
+                                    </p:set>
+                                  </p:childTnLst>
+                                </p:cTn>
+                              </p:par>
+                            </p:childTnLst>
+                          </p:cTn>
+                        </p:par>
+                      </p:childTnLst>
+                    </p:cTn>
+                  </p:par>
+                  <p:par>
+                    <p:cTn id="19" fill="hold">
+                      <p:stCondLst>
+                        <p:cond delay="indefinite"/>
+                      </p:stCondLst>
+                      <p:childTnLst>
+                        <p:par>
+                          <p:cTn id="20" fill="hold">
+                            <p:stCondLst>
+                              <p:cond delay="0"/>
+                            </p:stCondLst>
+                            <p:childTnLst>
+                              <p:par>
+                                <p:cTn id="21" presetID="1" presetClass="entr" presetSubtype="0" fill="hold" nodeType="clickEffect">
+                                  <p:stCondLst>
+                                    <p:cond delay="0"/>
+                                  </p:stCondLst>
+                                  <p:childTnLst>
+                                    <p:set>
+                                      <p:cBhvr>
+                                        <p:cTn id="22" dur="1" fill="hold">
+                                          <p:stCondLst>
+                                            <p:cond delay="0"/>
+                                          </p:stCondLst>
+                                        </p:cTn>
+                                        <p:tgtEl>
+                                          <p:spTgt spid="4">
+                                            <p:txEl>
+                                              <p:pRg st="5" end="5"/>
+                                            </p:txEl>
+                                          </p:spTgt>
+                                        </p:tgtEl>
+                                        <p:attrNameLst>
+                                          <p:attrName>style.visibility</p:attrName>
+                                        </p:attrNameLst>
+                                      </p:cBhvr>
+                                      <p:to>
+                                        <p:strVal val="visible"/>
+                                      </p:to>
+                                    </p:set>
+                                  </p:childTnLst>
+                                </p:cTn>
+                              </p:par>
+                            </p:childTnLst>
+                          </p:cTn>
+                        </p:par>
+                      </p:childTnLst>
+                    </p:cTn>
+                  </p:par>
+                  <p:par>
+                    <p:cTn id="23" fill="hold">
+                      <p:stCondLst>
+                        <p:cond delay="indefinite"/>
+                      </p:stCondLst>
+                      <p:childTnLst>
+                        <p:par>
+                          <p:cTn id="24" fill="hold">
+                            <p:stCondLst>
+                              <p:cond delay="0"/>
+                            </p:stCondLst>
+                            <p:childTnLst>
+                              <p:par>
+                                <p:cTn id="25" presetID="1" presetClass="entr" presetSubtype="0" fill="hold" nodeType="clickEffect">
+                                  <p:stCondLst>
+                                    <p:cond delay="0"/>
+                                  </p:stCondLst>
+                                  <p:childTnLst>
+                                    <p:set>
+                                      <p:cBhvr>
+                                        <p:cTn id="26" dur="1" fill="hold">
+                                          <p:stCondLst>
+                                            <p:cond delay="0"/>
+                                          </p:stCondLst>
+                                        </p:cTn>
+                                        <p:tgtEl>
+                                          <p:spTgt spid="4">
+                                            <p:txEl>
+                                              <p:pRg st="6" end="6"/>
+                                            </p:txEl>
+                                          </p:spTgt>
+                                        </p:tgtEl>
+                                        <p:attrNameLst>
+                                          <p:attrName>style.visibility</p:attrName>
+                                        </p:attrNameLst>
+                                      </p:cBhvr>
+                                      <p:to>
+                                        <p:strVal val="visible"/>
+                                      </p:to>
+                                    </p:set>
+                                  </p:childTnLst>
+                                </p:cTn>
+                              </p:par>
+                            </p:childTnLst>
+                          </p:cTn>
+                        </p:par>
+                      </p:childTnLst>
+                    </p:cTn>
+                  </p:par>
+                  <p:par>
+                    <p:cTn id="27" fill="hold">
+                      <p:stCondLst>
+                        <p:cond delay="indefinite"/>
+                      </p:stCondLst>
+                      <p:childTnLst>
+                        <p:par>
+                          <p:cTn id="28" fill="hold">
+                            <p:stCondLst>
+                              <p:cond delay="0"/>
+                            </p:stCondLst>
+                            <p:childTnLst>
+                              <p:par>
+                                <p:cTn id="29" presetID="1" presetClass="entr" presetSubtype="0" fill="hold" nodeType="clickEffect">
+                                  <p:stCondLst>
+                                    <p:cond delay="0"/>
+                                  </p:stCondLst>
+                                  <p:childTnLst>
+                                    <p:set>
+                                      <p:cBhvr>
+                                        <p:cTn id="30" dur="1" fill="hold">
+                                          <p:stCondLst>
+                                            <p:cond delay="0"/>
+                                          </p:stCondLst>
+                                        </p:cTn>
+                                        <p:tgtEl>
+                                          <p:spTgt spid="4">
+                                            <p:txEl>
+                                              <p:pRg st="7" end="7"/>
+                                            </p:txEl>
+                                          </p:spTgt>
+                                        </p:tgtEl>
+                                        <p:attrNameLst>
+                                          <p:attrName>style.visibility</p:attrName>
+                                        </p:attrNameLst>
+                                      </p:cBhvr>
+                                      <p:to>
+                                        <p:strVal val="visible"/>
+                                      </p:to>
+                                    </p:set>
+                                  </p:childTnLst>
+                                </p:cTn>
+                              </p:par>
+                            </p:childTnLst>
+                          </p:cTn>
+                        </p:par>
+                      </p:childTnLst>
+                    </p:cTn>
+                  </p:par>
+                </p:childTnLst>
+              </p:cTn>
+              <p:prevCondLst>
+                <p:cond evt="onPrev" delay="0">
+                  <p:tgtEl>
+                    <p:sldTgt/>
+                  </p:tgtEl>
+                </p:cond>
+              </p:prevCondLst>
+              <p:nextCondLst>
+                <p:cond evt="onNext" delay="0">
+                  <p:tgtEl>
+                    <p:sldTgt/>
+                  </p:tgtEl>
+                </p:cond>
+              </p:nextCondLst>
+            </p:seq>
+          </p:childTnLst>
+        </p:cTn>
       </p:par>
     </p:tnLst>
   </p:timing>
@@ -6887,205 +11633,7 @@
       </p:grpSpPr>
       <p:sp>
         <p:nvSpPr>
-          <p:cNvPr id="2" name="Inhaltsplatzhalter 1"/>
-          <p:cNvSpPr>
-            <a:spLocks noGrp="1"/>
-          </p:cNvSpPr>
-          <p:nvPr>
-            <p:ph idx="1"/>
-          </p:nvPr>
-        </p:nvSpPr>
-        <p:spPr/>
-        <p:txBody>
-          <a:bodyPr/>
-          <a:lstStyle/>
-          <a:p>
-            <a:pPr>
-              <a:buFont typeface="Wingdings" panose="05000000000000000000" pitchFamily="2" charset="2"/>
-              <a:buChar char="§"/>
-            </a:pPr>
-            <a:r>
-              <a:rPr lang="de-DE" dirty="0" smtClean="0"/>
-              <a:t> Verwendung:		Austausch von Daten zwischen Geräten</a:t>
-            </a:r>
-          </a:p>
-          <a:p>
-            <a:pPr>
-              <a:lnSpc>
-                <a:spcPct val="100000"/>
-              </a:lnSpc>
-              <a:buFont typeface="Wingdings" panose="05000000000000000000" pitchFamily="2" charset="2"/>
-              <a:buChar char="§"/>
-            </a:pPr>
-            <a:r>
-              <a:rPr lang="de-DE" dirty="0"/>
-              <a:t> </a:t>
-            </a:r>
-            <a:r>
-              <a:rPr lang="de-DE" dirty="0" smtClean="0"/>
-              <a:t>Vorgang:		- 1. Gerät mit aktiver App, 2. Gerät mit passiver App</a:t>
-            </a:r>
-          </a:p>
-          <a:p>
-            <a:pPr marL="0" indent="0">
-              <a:lnSpc>
-                <a:spcPct val="100000"/>
-              </a:lnSpc>
-              <a:buNone/>
-            </a:pPr>
-            <a:r>
-              <a:rPr lang="de-DE" dirty="0"/>
-              <a:t>		</a:t>
-            </a:r>
-            <a:r>
-              <a:rPr lang="de-DE" dirty="0" smtClean="0"/>
-              <a:t>	- Geräte aneinander halten</a:t>
-            </a:r>
-          </a:p>
-          <a:p>
-            <a:pPr marL="0" indent="0">
-              <a:lnSpc>
-                <a:spcPct val="100000"/>
-              </a:lnSpc>
-              <a:buNone/>
-            </a:pPr>
-            <a:r>
-              <a:rPr lang="de-DE" dirty="0"/>
-              <a:t>	</a:t>
-            </a:r>
-            <a:r>
-              <a:rPr lang="de-DE" dirty="0" smtClean="0"/>
-              <a:t>		- </a:t>
-            </a:r>
-            <a:r>
-              <a:rPr lang="de-DE" dirty="0" err="1" smtClean="0"/>
-              <a:t>Beamvorgang</a:t>
-            </a:r>
-            <a:r>
-              <a:rPr lang="de-DE" dirty="0" smtClean="0"/>
-              <a:t> auf aktivem Gerät mit Click auf Display starten</a:t>
-            </a:r>
-          </a:p>
-          <a:p>
-            <a:pPr marL="0" indent="0">
-              <a:lnSpc>
-                <a:spcPct val="100000"/>
-              </a:lnSpc>
-              <a:buNone/>
-            </a:pPr>
-            <a:r>
-              <a:rPr lang="de-DE" dirty="0"/>
-              <a:t>	</a:t>
-            </a:r>
-            <a:r>
-              <a:rPr lang="de-DE" dirty="0" smtClean="0"/>
-              <a:t>		- </a:t>
-            </a:r>
-            <a:r>
-              <a:rPr lang="de-DE" dirty="0" err="1" smtClean="0"/>
-              <a:t>Beammessage</a:t>
-            </a:r>
-            <a:r>
-              <a:rPr lang="de-DE" dirty="0" smtClean="0"/>
-              <a:t> erscheint auf passivem Gerät</a:t>
-            </a:r>
-          </a:p>
-          <a:p>
-            <a:pPr>
-              <a:lnSpc>
-                <a:spcPct val="100000"/>
-              </a:lnSpc>
-              <a:buFont typeface="Wingdings" panose="05000000000000000000" pitchFamily="2" charset="2"/>
-              <a:buChar char="§"/>
-            </a:pPr>
-            <a:r>
-              <a:rPr lang="de-DE" dirty="0"/>
-              <a:t> </a:t>
-            </a:r>
-            <a:r>
-              <a:rPr lang="de-DE" dirty="0" smtClean="0"/>
-              <a:t>Implementierung:  	- Berechtigung im Manifest einholen</a:t>
-            </a:r>
-          </a:p>
-          <a:p>
-            <a:pPr marL="0" indent="0">
-              <a:lnSpc>
-                <a:spcPct val="100000"/>
-              </a:lnSpc>
-              <a:buNone/>
-            </a:pPr>
-            <a:r>
-              <a:rPr lang="de-DE" dirty="0"/>
-              <a:t>	</a:t>
-            </a:r>
-            <a:r>
-              <a:rPr lang="de-DE" dirty="0" smtClean="0"/>
-              <a:t>		- Interface </a:t>
-            </a:r>
-            <a:r>
-              <a:rPr lang="de-DE" dirty="0" err="1" smtClean="0"/>
-              <a:t>CreateNdefMessageCallback</a:t>
-            </a:r>
-            <a:r>
-              <a:rPr lang="de-DE" dirty="0" smtClean="0"/>
-              <a:t> implementieren </a:t>
-            </a:r>
-            <a:r>
-              <a:rPr lang="de-DE" dirty="0" smtClean="0">
-                <a:solidFill>
-                  <a:srgbClr val="FFC000"/>
-                </a:solidFill>
-              </a:rPr>
-              <a:t>(aktiv)</a:t>
-            </a:r>
-          </a:p>
-          <a:p>
-            <a:pPr marL="0" indent="0">
-              <a:lnSpc>
-                <a:spcPct val="100000"/>
-              </a:lnSpc>
-              <a:buNone/>
-            </a:pPr>
-            <a:r>
-              <a:rPr lang="de-DE" dirty="0"/>
-              <a:t>	</a:t>
-            </a:r>
-            <a:r>
-              <a:rPr lang="de-DE" dirty="0" smtClean="0"/>
-              <a:t>		- Auf eingehende </a:t>
-            </a:r>
-            <a:r>
-              <a:rPr lang="de-DE" dirty="0" err="1" smtClean="0"/>
-              <a:t>Intents</a:t>
-            </a:r>
-            <a:r>
-              <a:rPr lang="de-DE" dirty="0" smtClean="0"/>
-              <a:t> reagieren </a:t>
-            </a:r>
-            <a:r>
-              <a:rPr lang="de-DE" dirty="0" smtClean="0">
-                <a:solidFill>
-                  <a:srgbClr val="FFC000"/>
-                </a:solidFill>
-              </a:rPr>
-              <a:t>(passiv)</a:t>
-            </a:r>
-          </a:p>
-          <a:p>
-            <a:pPr>
-              <a:lnSpc>
-                <a:spcPct val="200000"/>
-              </a:lnSpc>
-              <a:buFont typeface="Wingdings" panose="05000000000000000000" pitchFamily="2" charset="2"/>
-              <a:buChar char="§"/>
-            </a:pPr>
-            <a:endParaRPr lang="de-DE" dirty="0" smtClean="0"/>
-          </a:p>
-        </p:txBody>
-      </p:sp>
-      <p:sp>
-        <p:nvSpPr>
-          <p:cNvPr id="3" name="Datumsplatzhalter 2"/>
+          <p:cNvPr id="2" name="Datumsplatzhalter 1"/>
           <p:cNvSpPr>
             <a:spLocks noGrp="1"/>
           </p:cNvSpPr>
@@ -7098,7 +11646,7 @@
           <a:bodyPr/>
           <a:lstStyle/>
           <a:p>
-            <a:fld id="{D39D821C-592C-4DEC-9FC0-BB78BF9F99E8}" type="datetime1">
+            <a:fld id="{60304490-4D7B-4CB0-AD76-0A4D4B224109}" type="datetime1">
               <a:rPr lang="de-DE" smtClean="0">
                 <a:solidFill>
                   <a:prstClr val="black">
@@ -7108,9 +11656,9 @@
                 </a:solidFill>
               </a:rPr>
               <a:pPr/>
-              <a:t>08.05.2017</a:t>
+              <a:t>25.05.2017</a:t>
             </a:fld>
-            <a:endParaRPr lang="de-DE" dirty="0">
+            <a:endParaRPr lang="de-DE">
               <a:solidFill>
                 <a:prstClr val="black">
                   <a:lumMod val="75000"/>
@@ -7123,7 +11671,7 @@
       </p:sp>
       <p:sp>
         <p:nvSpPr>
-          <p:cNvPr id="4" name="Foliennummernplatzhalter 3"/>
+          <p:cNvPr id="3" name="Foliennummernplatzhalter 2"/>
           <p:cNvSpPr>
             <a:spLocks noGrp="1"/>
           </p:cNvSpPr>
@@ -7161,7 +11709,7 @@
       </p:sp>
       <p:sp>
         <p:nvSpPr>
-          <p:cNvPr id="5" name="Titel 4"/>
+          <p:cNvPr id="6" name="Titel 5"/>
           <p:cNvSpPr>
             <a:spLocks noGrp="1"/>
           </p:cNvSpPr>
@@ -7171,34 +11719,356 @@
         </p:nvSpPr>
         <p:spPr/>
         <p:txBody>
+          <a:bodyPr>
+            <a:normAutofit fontScale="90000"/>
+          </a:bodyPr>
+          <a:lstStyle/>
+          <a:p>
+            <a:br>
+              <a:rPr lang="de-DE" b="1" dirty="0"/>
+            </a:br>
+            <a:br>
+              <a:rPr lang="de-DE" b="1" dirty="0"/>
+            </a:br>
+            <a:br>
+              <a:rPr lang="de-DE" b="1" dirty="0"/>
+            </a:br>
+            <a:r>
+              <a:rPr lang="de-DE" sz="5300" dirty="0"/>
+              <a:t>Wie funktioniert NFC </a:t>
+            </a:r>
+          </a:p>
+        </p:txBody>
+      </p:sp>
+      <p:sp>
+        <p:nvSpPr>
+          <p:cNvPr id="8" name="Inhaltsplatzhalter 7"/>
+          <p:cNvSpPr>
+            <a:spLocks noGrp="1"/>
+          </p:cNvSpPr>
+          <p:nvPr>
+            <p:ph sz="half" idx="1"/>
+          </p:nvPr>
+        </p:nvSpPr>
+        <p:spPr>
+          <a:xfrm>
+            <a:off x="1097279" y="1845734"/>
+            <a:ext cx="10115204" cy="4023360"/>
+          </a:xfrm>
+        </p:spPr>
+        <p:txBody>
           <a:bodyPr/>
           <a:lstStyle/>
           <a:p>
-            <a:r>
-              <a:rPr lang="de-DE" dirty="0" smtClean="0"/>
-              <a:t>NFC Beam</a:t>
-            </a:r>
+            <a:pPr lvl="8"/>
             <a:endParaRPr lang="de-DE" dirty="0"/>
+          </a:p>
+          <a:p>
+            <a:pPr lvl="8"/>
+            <a:endParaRPr lang="de-DE" dirty="0"/>
+          </a:p>
+          <a:p>
+            <a:pPr lvl="8"/>
+            <a:endParaRPr lang="de-DE" dirty="0"/>
+          </a:p>
+        </p:txBody>
+      </p:sp>
+      <p:sp>
+        <p:nvSpPr>
+          <p:cNvPr id="10" name="Rechteck 9"/>
+          <p:cNvSpPr/>
+          <p:nvPr/>
+        </p:nvSpPr>
+        <p:spPr>
+          <a:xfrm>
+            <a:off x="1679331" y="2327551"/>
+            <a:ext cx="2690447" cy="2347547"/>
+          </a:xfrm>
+          <a:prstGeom prst="rect">
+            <a:avLst/>
+          </a:prstGeom>
+        </p:spPr>
+        <p:style>
+          <a:lnRef idx="2">
+            <a:schemeClr val="dk1"/>
+          </a:lnRef>
+          <a:fillRef idx="1">
+            <a:schemeClr val="lt1"/>
+          </a:fillRef>
+          <a:effectRef idx="0">
+            <a:schemeClr val="dk1"/>
+          </a:effectRef>
+          <a:fontRef idx="minor">
+            <a:schemeClr val="dk1"/>
+          </a:fontRef>
+        </p:style>
+        <p:txBody>
+          <a:bodyPr rtlCol="0" anchor="ctr"/>
+          <a:lstStyle/>
+          <a:p>
+            <a:pPr algn="ctr"/>
+            <a:r>
+              <a:rPr lang="de-DE" b="1" dirty="0"/>
+              <a:t>Initiator </a:t>
+            </a:r>
+          </a:p>
+        </p:txBody>
+      </p:sp>
+      <p:sp>
+        <p:nvSpPr>
+          <p:cNvPr id="11" name="Rechteck 10"/>
+          <p:cNvSpPr/>
+          <p:nvPr/>
+        </p:nvSpPr>
+        <p:spPr>
+          <a:xfrm>
+            <a:off x="8308731" y="2268415"/>
+            <a:ext cx="2708031" cy="2382715"/>
+          </a:xfrm>
+          <a:prstGeom prst="rect">
+            <a:avLst/>
+          </a:prstGeom>
+        </p:spPr>
+        <p:style>
+          <a:lnRef idx="2">
+            <a:schemeClr val="dk1"/>
+          </a:lnRef>
+          <a:fillRef idx="1">
+            <a:schemeClr val="lt1"/>
+          </a:fillRef>
+          <a:effectRef idx="0">
+            <a:schemeClr val="dk1"/>
+          </a:effectRef>
+          <a:fontRef idx="minor">
+            <a:schemeClr val="dk1"/>
+          </a:fontRef>
+        </p:style>
+        <p:txBody>
+          <a:bodyPr rtlCol="0" anchor="ctr"/>
+          <a:lstStyle/>
+          <a:p>
+            <a:pPr algn="ctr"/>
+            <a:r>
+              <a:rPr lang="de-DE" b="1" dirty="0"/>
+              <a:t>Target</a:t>
+            </a:r>
+            <a:r>
+              <a:rPr lang="de-DE" dirty="0"/>
+              <a:t> </a:t>
+            </a:r>
+          </a:p>
+        </p:txBody>
+      </p:sp>
+      <p:cxnSp>
+        <p:nvCxnSpPr>
+          <p:cNvPr id="5" name="Gerade Verbindung mit Pfeil 4"/>
+          <p:cNvCxnSpPr/>
+          <p:nvPr/>
+        </p:nvCxnSpPr>
+        <p:spPr>
+          <a:xfrm>
+            <a:off x="4387362" y="2954215"/>
+            <a:ext cx="3921369" cy="0"/>
+          </a:xfrm>
+          <a:prstGeom prst="straightConnector1">
+            <a:avLst/>
+          </a:prstGeom>
+          <a:ln w="28575">
+            <a:tailEnd type="triangle"/>
+          </a:ln>
+        </p:spPr>
+        <p:style>
+          <a:lnRef idx="1">
+            <a:schemeClr val="dk1"/>
+          </a:lnRef>
+          <a:fillRef idx="0">
+            <a:schemeClr val="dk1"/>
+          </a:fillRef>
+          <a:effectRef idx="0">
+            <a:schemeClr val="dk1"/>
+          </a:effectRef>
+          <a:fontRef idx="minor">
+            <a:schemeClr val="tx1"/>
+          </a:fontRef>
+        </p:style>
+      </p:cxnSp>
+      <p:cxnSp>
+        <p:nvCxnSpPr>
+          <p:cNvPr id="9" name="Gerade Verbindung mit Pfeil 8"/>
+          <p:cNvCxnSpPr>
+            <a:cxnSpLocks/>
+          </p:cNvCxnSpPr>
+          <p:nvPr/>
+        </p:nvCxnSpPr>
+        <p:spPr>
+          <a:xfrm flipH="1">
+            <a:off x="4387363" y="4018084"/>
+            <a:ext cx="3921368" cy="0"/>
+          </a:xfrm>
+          <a:prstGeom prst="straightConnector1">
+            <a:avLst/>
+          </a:prstGeom>
+          <a:ln w="28575">
+            <a:tailEnd type="triangle"/>
+          </a:ln>
+        </p:spPr>
+        <p:style>
+          <a:lnRef idx="1">
+            <a:schemeClr val="dk1"/>
+          </a:lnRef>
+          <a:fillRef idx="0">
+            <a:schemeClr val="dk1"/>
+          </a:fillRef>
+          <a:effectRef idx="0">
+            <a:schemeClr val="dk1"/>
+          </a:effectRef>
+          <a:fontRef idx="minor">
+            <a:schemeClr val="tx1"/>
+          </a:fontRef>
+        </p:style>
+      </p:cxnSp>
+      <p:sp>
+        <p:nvSpPr>
+          <p:cNvPr id="13" name="Rechteck 12"/>
+          <p:cNvSpPr/>
+          <p:nvPr/>
+        </p:nvSpPr>
+        <p:spPr>
+          <a:xfrm>
+            <a:off x="5187462" y="2382715"/>
+            <a:ext cx="2470638" cy="571500"/>
+          </a:xfrm>
+          <a:prstGeom prst="rect">
+            <a:avLst/>
+          </a:prstGeom>
+          <a:noFill/>
+          <a:ln>
+            <a:noFill/>
+          </a:ln>
+        </p:spPr>
+        <p:style>
+          <a:lnRef idx="0">
+            <a:scrgbClr r="0" g="0" b="0"/>
+          </a:lnRef>
+          <a:fillRef idx="0">
+            <a:scrgbClr r="0" g="0" b="0"/>
+          </a:fillRef>
+          <a:effectRef idx="0">
+            <a:scrgbClr r="0" g="0" b="0"/>
+          </a:effectRef>
+          <a:fontRef idx="minor">
+            <a:schemeClr val="dk1"/>
+          </a:fontRef>
+        </p:style>
+        <p:txBody>
+          <a:bodyPr rtlCol="0" anchor="ctr"/>
+          <a:lstStyle/>
+          <a:p>
+            <a:pPr algn="ctr"/>
+            <a:endParaRPr lang="de-DE"/>
+          </a:p>
+        </p:txBody>
+      </p:sp>
+      <p:sp>
+        <p:nvSpPr>
+          <p:cNvPr id="14" name="Rechteck 13"/>
+          <p:cNvSpPr/>
+          <p:nvPr/>
+        </p:nvSpPr>
+        <p:spPr>
+          <a:xfrm>
+            <a:off x="5407269" y="2268415"/>
+            <a:ext cx="2022231" cy="589085"/>
+          </a:xfrm>
+          <a:prstGeom prst="rect">
+            <a:avLst/>
+          </a:prstGeom>
+          <a:noFill/>
+          <a:ln>
+            <a:noFill/>
+          </a:ln>
+        </p:spPr>
+        <p:style>
+          <a:lnRef idx="0">
+            <a:scrgbClr r="0" g="0" b="0"/>
+          </a:lnRef>
+          <a:fillRef idx="0">
+            <a:scrgbClr r="0" g="0" b="0"/>
+          </a:fillRef>
+          <a:effectRef idx="0">
+            <a:scrgbClr r="0" g="0" b="0"/>
+          </a:effectRef>
+          <a:fontRef idx="minor">
+            <a:schemeClr val="dk1"/>
+          </a:fontRef>
+        </p:style>
+        <p:txBody>
+          <a:bodyPr rtlCol="0" anchor="ctr"/>
+          <a:lstStyle/>
+          <a:p>
+            <a:pPr algn="ctr"/>
+            <a:r>
+              <a:rPr lang="de-DE" dirty="0"/>
+              <a:t>Nachricht </a:t>
+            </a:r>
+          </a:p>
+        </p:txBody>
+      </p:sp>
+      <p:sp>
+        <p:nvSpPr>
+          <p:cNvPr id="15" name="Rechteck 14"/>
+          <p:cNvSpPr/>
+          <p:nvPr/>
+        </p:nvSpPr>
+        <p:spPr>
+          <a:xfrm>
+            <a:off x="5336931" y="4117112"/>
+            <a:ext cx="2321169" cy="613150"/>
+          </a:xfrm>
+          <a:prstGeom prst="rect">
+            <a:avLst/>
+          </a:prstGeom>
+          <a:noFill/>
+          <a:ln>
+            <a:noFill/>
+          </a:ln>
+        </p:spPr>
+        <p:style>
+          <a:lnRef idx="0">
+            <a:scrgbClr r="0" g="0" b="0"/>
+          </a:lnRef>
+          <a:fillRef idx="0">
+            <a:scrgbClr r="0" g="0" b="0"/>
+          </a:fillRef>
+          <a:effectRef idx="0">
+            <a:scrgbClr r="0" g="0" b="0"/>
+          </a:effectRef>
+          <a:fontRef idx="minor">
+            <a:schemeClr val="dk1"/>
+          </a:fontRef>
+        </p:style>
+        <p:txBody>
+          <a:bodyPr rtlCol="0" anchor="ctr"/>
+          <a:lstStyle/>
+          <a:p>
+            <a:pPr algn="ctr"/>
+            <a:r>
+              <a:rPr lang="de-DE" dirty="0"/>
+              <a:t>Antwort</a:t>
+            </a:r>
           </a:p>
         </p:txBody>
       </p:sp>
     </p:spTree>
     <p:extLst>
       <p:ext uri="{BB962C8B-B14F-4D97-AF65-F5344CB8AC3E}">
-        <p14:creationId xmlns:p14="http://schemas.microsoft.com/office/powerpoint/2010/main" val="3761397080"/>
+        <p14:creationId xmlns:p14="http://schemas.microsoft.com/office/powerpoint/2010/main" val="3872952303"/>
       </p:ext>
     </p:extLst>
   </p:cSld>
   <p:clrMapOvr>
     <a:masterClrMapping/>
   </p:clrMapOvr>
-  <p:timing>
-    <p:tnLst>
-      <p:par>
-        <p:cTn id="1" dur="indefinite" restart="never" nodeType="tmRoot"/>
-      </p:par>
-    </p:tnLst>
-  </p:timing>
 </p:sld>
 </file>
 
@@ -7244,7 +12114,7 @@
                 </a:solidFill>
               </a:rPr>
               <a:pPr/>
-              <a:t>08.05.2017</a:t>
+              <a:t>25.05.2017</a:t>
             </a:fld>
             <a:endParaRPr lang="de-DE">
               <a:solidFill>
@@ -7297,70 +12167,174 @@
       </p:sp>
       <p:sp>
         <p:nvSpPr>
-          <p:cNvPr id="6" name="Titel 5"/>
+          <p:cNvPr id="9" name="Bildplatzhalter 4"/>
           <p:cNvSpPr>
             <a:spLocks noGrp="1"/>
           </p:cNvSpPr>
           <p:nvPr>
-            <p:ph type="title"/>
+            <p:ph sz="half" idx="1"/>
           </p:nvPr>
         </p:nvSpPr>
-        <p:spPr/>
+        <p:spPr>
+          <a:xfrm>
+            <a:off x="1195754" y="1696915"/>
+            <a:ext cx="9917723" cy="4172073"/>
+          </a:xfrm>
+        </p:spPr>
         <p:txBody>
           <a:bodyPr/>
           <a:lstStyle/>
           <a:p>
             <a:r>
-              <a:rPr lang="de-DE" dirty="0" smtClean="0"/>
-              <a:t>NFC Beam</a:t>
-            </a:r>
+              <a:rPr lang="de-DE" b="1" dirty="0"/>
+              <a:t>NFC überträgt entweder im Aktiven Mode oder im Passiven Mode</a:t>
+            </a:r>
+          </a:p>
+          <a:p>
+            <a:pPr marL="0" indent="0">
+              <a:buNone/>
+            </a:pPr>
+            <a:endParaRPr lang="de-DE" b="1" dirty="0"/>
+          </a:p>
+          <a:p>
+            <a:r>
+              <a:rPr lang="de-DE" b="1" dirty="0"/>
+              <a:t>Aktiven Mode </a:t>
+            </a:r>
+          </a:p>
+          <a:p>
+            <a:pPr lvl="1">
+              <a:buFont typeface="Arial" panose="020B0604020202020204" pitchFamily="34" charset="0"/>
+              <a:buChar char="•"/>
+            </a:pPr>
+            <a:r>
+              <a:rPr lang="de-DE" dirty="0"/>
+              <a:t>Erzeugen eigenes RF – Feld</a:t>
+            </a:r>
+          </a:p>
+          <a:p>
+            <a:pPr lvl="1">
+              <a:buFont typeface="Arial" panose="020B0604020202020204" pitchFamily="34" charset="0"/>
+              <a:buChar char="•"/>
+            </a:pPr>
+            <a:r>
+              <a:rPr lang="de-DE" dirty="0"/>
+              <a:t>Eigene Energiequelle</a:t>
+            </a:r>
+          </a:p>
+          <a:p>
+            <a:pPr marL="201168" lvl="1" indent="0">
+              <a:buNone/>
+            </a:pPr>
+            <a:endParaRPr lang="de-DE" b="1" dirty="0"/>
+          </a:p>
+          <a:p>
+            <a:pPr marL="201168" lvl="1" indent="0">
+              <a:buNone/>
+            </a:pPr>
+            <a:r>
+              <a:rPr lang="de-DE" b="1" dirty="0"/>
+              <a:t>Passiven Mode </a:t>
+            </a:r>
+          </a:p>
+          <a:p>
+            <a:pPr lvl="1">
+              <a:buFont typeface="Arial" panose="020B0604020202020204" pitchFamily="34" charset="0"/>
+              <a:buChar char="•"/>
+            </a:pPr>
+            <a:r>
+              <a:rPr lang="de-DE" dirty="0"/>
+              <a:t>Initiator generiert ein Gerät, dass erzeugt RF-Feld</a:t>
+            </a:r>
+          </a:p>
+          <a:p>
+            <a:pPr lvl="1">
+              <a:buFont typeface="Arial" panose="020B0604020202020204" pitchFamily="34" charset="0"/>
+              <a:buChar char="•"/>
+            </a:pPr>
+            <a:r>
+              <a:rPr lang="de-DE" dirty="0"/>
+              <a:t>Passive Target moduliert im Feld</a:t>
+            </a:r>
+          </a:p>
+          <a:p>
+            <a:pPr lvl="1">
+              <a:buFont typeface="Arial" panose="020B0604020202020204" pitchFamily="34" charset="0"/>
+              <a:buChar char="•"/>
+            </a:pPr>
+            <a:r>
+              <a:rPr lang="de-DE" dirty="0"/>
+              <a:t>Keine  eigene Energiequelle </a:t>
+            </a:r>
+          </a:p>
+          <a:p>
+            <a:pPr lvl="1">
+              <a:buFont typeface="Arial" panose="020B0604020202020204" pitchFamily="34" charset="0"/>
+              <a:buChar char="•"/>
+            </a:pPr>
+            <a:endParaRPr lang="de-DE" b="1" dirty="0"/>
+          </a:p>
+          <a:p>
+            <a:pPr>
+              <a:buFont typeface="Arial" panose="020B0604020202020204" pitchFamily="34" charset="0"/>
+              <a:buChar char="•"/>
+            </a:pPr>
+            <a:endParaRPr lang="de-DE" b="1" dirty="0"/>
+          </a:p>
+          <a:p>
+            <a:endParaRPr lang="de-DE" b="1" dirty="0"/>
+          </a:p>
+          <a:p>
             <a:endParaRPr lang="de-DE" dirty="0"/>
           </a:p>
         </p:txBody>
       </p:sp>
-      <p:pic>
-        <p:nvPicPr>
-          <p:cNvPr id="1026" name="Picture 2" descr="http://3.bp.blogspot.com/-EQkXiMZe6DM/U8Gg5-zNkAI/AAAAAAAACe8/J-WCj-2jOj8/s1600/transfer+file+using+Android+Beam+in+Galaxy+S5.png"/>
-          <p:cNvPicPr>
-            <a:picLocks noChangeAspect="1" noChangeArrowheads="1"/>
-          </p:cNvPicPr>
+      <p:sp>
+        <p:nvSpPr>
+          <p:cNvPr id="4" name="Rechteck 3"/>
+          <p:cNvSpPr/>
           <p:nvPr/>
-        </p:nvPicPr>
-        <p:blipFill rotWithShape="1">
-          <a:blip r:embed="rId2">
-            <a:extLst>
-              <a:ext uri="{28A0092B-C50C-407E-A947-70E740481C1C}">
-                <a14:useLocalDpi xmlns:a14="http://schemas.microsoft.com/office/drawing/2010/main" val="0"/>
-              </a:ext>
-            </a:extLst>
-          </a:blip>
-          <a:srcRect b="13750"/>
-          <a:stretch/>
-        </p:blipFill>
-        <p:spPr bwMode="auto">
+        </p:nvSpPr>
+        <p:spPr>
           <a:xfrm>
-            <a:off x="1097280" y="2068438"/>
-            <a:ext cx="10154953" cy="3777192"/>
+            <a:off x="1195754" y="492369"/>
+            <a:ext cx="8027377" cy="905608"/>
           </a:xfrm>
           <a:prstGeom prst="rect">
             <a:avLst/>
           </a:prstGeom>
           <a:noFill/>
-          <a:extLst>
-            <a:ext uri="{909E8E84-426E-40DD-AFC4-6F175D3DCCD1}">
-              <a14:hiddenFill xmlns:a14="http://schemas.microsoft.com/office/drawing/2010/main">
-                <a:solidFill>
-                  <a:srgbClr val="FFFFFF"/>
-                </a:solidFill>
-              </a14:hiddenFill>
-            </a:ext>
-          </a:extLst>
+          <a:ln>
+            <a:noFill/>
+          </a:ln>
         </p:spPr>
-      </p:pic>
+        <p:style>
+          <a:lnRef idx="0">
+            <a:scrgbClr r="0" g="0" b="0"/>
+          </a:lnRef>
+          <a:fillRef idx="0">
+            <a:scrgbClr r="0" g="0" b="0"/>
+          </a:fillRef>
+          <a:effectRef idx="0">
+            <a:scrgbClr r="0" g="0" b="0"/>
+          </a:effectRef>
+          <a:fontRef idx="minor">
+            <a:schemeClr val="dk1"/>
+          </a:fontRef>
+        </p:style>
+        <p:txBody>
+          <a:bodyPr rtlCol="0" anchor="ctr"/>
+          <a:lstStyle/>
+          <a:p>
+            <a:pPr algn="ctr"/>
+            <a:endParaRPr lang="de-DE"/>
+          </a:p>
+        </p:txBody>
+      </p:sp>
     </p:spTree>
     <p:extLst>
       <p:ext uri="{BB962C8B-B14F-4D97-AF65-F5344CB8AC3E}">
-        <p14:creationId xmlns:p14="http://schemas.microsoft.com/office/powerpoint/2010/main" val="1299448508"/>
+        <p14:creationId xmlns:p14="http://schemas.microsoft.com/office/powerpoint/2010/main" val="2880074100"/>
       </p:ext>
     </p:extLst>
   </p:cSld>
@@ -7370,7 +12344,422 @@
   <p:timing>
     <p:tnLst>
       <p:par>
-        <p:cTn id="1" dur="indefinite" restart="never" nodeType="tmRoot"/>
+        <p:cTn id="1" dur="indefinite" restart="never" nodeType="tmRoot">
+          <p:childTnLst>
+            <p:seq concurrent="1" nextAc="seek">
+              <p:cTn id="2" dur="indefinite" nodeType="mainSeq">
+                <p:childTnLst>
+                  <p:par>
+                    <p:cTn id="3" fill="hold">
+                      <p:stCondLst>
+                        <p:cond delay="indefinite"/>
+                      </p:stCondLst>
+                      <p:childTnLst>
+                        <p:par>
+                          <p:cTn id="4" fill="hold">
+                            <p:stCondLst>
+                              <p:cond delay="0"/>
+                            </p:stCondLst>
+                            <p:childTnLst>
+                              <p:par>
+                                <p:cTn id="5" presetID="1" presetClass="entr" presetSubtype="0" fill="hold" nodeType="clickEffect">
+                                  <p:stCondLst>
+                                    <p:cond delay="0"/>
+                                  </p:stCondLst>
+                                  <p:childTnLst>
+                                    <p:set>
+                                      <p:cBhvr>
+                                        <p:cTn id="6" dur="1" fill="hold">
+                                          <p:stCondLst>
+                                            <p:cond delay="0"/>
+                                          </p:stCondLst>
+                                        </p:cTn>
+                                        <p:tgtEl>
+                                          <p:spTgt spid="9">
+                                            <p:txEl>
+                                              <p:pRg st="0" end="0"/>
+                                            </p:txEl>
+                                          </p:spTgt>
+                                        </p:tgtEl>
+                                        <p:attrNameLst>
+                                          <p:attrName>style.visibility</p:attrName>
+                                        </p:attrNameLst>
+                                      </p:cBhvr>
+                                      <p:to>
+                                        <p:strVal val="visible"/>
+                                      </p:to>
+                                    </p:set>
+                                  </p:childTnLst>
+                                </p:cTn>
+                              </p:par>
+                            </p:childTnLst>
+                          </p:cTn>
+                        </p:par>
+                      </p:childTnLst>
+                    </p:cTn>
+                  </p:par>
+                  <p:par>
+                    <p:cTn id="7" fill="hold">
+                      <p:stCondLst>
+                        <p:cond delay="indefinite"/>
+                      </p:stCondLst>
+                      <p:childTnLst>
+                        <p:par>
+                          <p:cTn id="8" fill="hold">
+                            <p:stCondLst>
+                              <p:cond delay="0"/>
+                            </p:stCondLst>
+                            <p:childTnLst>
+                              <p:par>
+                                <p:cTn id="9" presetID="1" presetClass="entr" presetSubtype="0" fill="hold" nodeType="clickEffect">
+                                  <p:stCondLst>
+                                    <p:cond delay="0"/>
+                                  </p:stCondLst>
+                                  <p:childTnLst>
+                                    <p:set>
+                                      <p:cBhvr>
+                                        <p:cTn id="10" dur="1" fill="hold">
+                                          <p:stCondLst>
+                                            <p:cond delay="0"/>
+                                          </p:stCondLst>
+                                        </p:cTn>
+                                        <p:tgtEl>
+                                          <p:spTgt spid="9">
+                                            <p:txEl>
+                                              <p:pRg st="2" end="2"/>
+                                            </p:txEl>
+                                          </p:spTgt>
+                                        </p:tgtEl>
+                                        <p:attrNameLst>
+                                          <p:attrName>style.visibility</p:attrName>
+                                        </p:attrNameLst>
+                                      </p:cBhvr>
+                                      <p:to>
+                                        <p:strVal val="visible"/>
+                                      </p:to>
+                                    </p:set>
+                                  </p:childTnLst>
+                                </p:cTn>
+                              </p:par>
+                            </p:childTnLst>
+                          </p:cTn>
+                        </p:par>
+                      </p:childTnLst>
+                    </p:cTn>
+                  </p:par>
+                  <p:par>
+                    <p:cTn id="11" fill="hold">
+                      <p:stCondLst>
+                        <p:cond delay="indefinite"/>
+                      </p:stCondLst>
+                      <p:childTnLst>
+                        <p:par>
+                          <p:cTn id="12" fill="hold">
+                            <p:stCondLst>
+                              <p:cond delay="0"/>
+                            </p:stCondLst>
+                            <p:childTnLst>
+                              <p:par>
+                                <p:cTn id="13" presetID="1" presetClass="entr" presetSubtype="0" fill="hold" nodeType="clickEffect">
+                                  <p:stCondLst>
+                                    <p:cond delay="0"/>
+                                  </p:stCondLst>
+                                  <p:childTnLst>
+                                    <p:set>
+                                      <p:cBhvr>
+                                        <p:cTn id="14" dur="1" fill="hold">
+                                          <p:stCondLst>
+                                            <p:cond delay="0"/>
+                                          </p:stCondLst>
+                                        </p:cTn>
+                                        <p:tgtEl>
+                                          <p:spTgt spid="9">
+                                            <p:txEl>
+                                              <p:pRg st="3" end="3"/>
+                                            </p:txEl>
+                                          </p:spTgt>
+                                        </p:tgtEl>
+                                        <p:attrNameLst>
+                                          <p:attrName>style.visibility</p:attrName>
+                                        </p:attrNameLst>
+                                      </p:cBhvr>
+                                      <p:to>
+                                        <p:strVal val="visible"/>
+                                      </p:to>
+                                    </p:set>
+                                  </p:childTnLst>
+                                </p:cTn>
+                              </p:par>
+                            </p:childTnLst>
+                          </p:cTn>
+                        </p:par>
+                      </p:childTnLst>
+                    </p:cTn>
+                  </p:par>
+                  <p:par>
+                    <p:cTn id="15" fill="hold">
+                      <p:stCondLst>
+                        <p:cond delay="indefinite"/>
+                      </p:stCondLst>
+                      <p:childTnLst>
+                        <p:par>
+                          <p:cTn id="16" fill="hold">
+                            <p:stCondLst>
+                              <p:cond delay="0"/>
+                            </p:stCondLst>
+                            <p:childTnLst>
+                              <p:par>
+                                <p:cTn id="17" presetID="1" presetClass="entr" presetSubtype="0" fill="hold" nodeType="clickEffect">
+                                  <p:stCondLst>
+                                    <p:cond delay="0"/>
+                                  </p:stCondLst>
+                                  <p:childTnLst>
+                                    <p:set>
+                                      <p:cBhvr>
+                                        <p:cTn id="18" dur="1" fill="hold">
+                                          <p:stCondLst>
+                                            <p:cond delay="0"/>
+                                          </p:stCondLst>
+                                        </p:cTn>
+                                        <p:tgtEl>
+                                          <p:spTgt spid="9">
+                                            <p:txEl>
+                                              <p:pRg st="4" end="4"/>
+                                            </p:txEl>
+                                          </p:spTgt>
+                                        </p:tgtEl>
+                                        <p:attrNameLst>
+                                          <p:attrName>style.visibility</p:attrName>
+                                        </p:attrNameLst>
+                                      </p:cBhvr>
+                                      <p:to>
+                                        <p:strVal val="visible"/>
+                                      </p:to>
+                                    </p:set>
+                                  </p:childTnLst>
+                                </p:cTn>
+                              </p:par>
+                            </p:childTnLst>
+                          </p:cTn>
+                        </p:par>
+                      </p:childTnLst>
+                    </p:cTn>
+                  </p:par>
+                  <p:par>
+                    <p:cTn id="19" fill="hold">
+                      <p:stCondLst>
+                        <p:cond delay="indefinite"/>
+                      </p:stCondLst>
+                      <p:childTnLst>
+                        <p:par>
+                          <p:cTn id="20" fill="hold">
+                            <p:stCondLst>
+                              <p:cond delay="0"/>
+                            </p:stCondLst>
+                            <p:childTnLst>
+                              <p:par>
+                                <p:cTn id="21" presetID="1" presetClass="entr" presetSubtype="0" fill="hold" nodeType="clickEffect">
+                                  <p:stCondLst>
+                                    <p:cond delay="0"/>
+                                  </p:stCondLst>
+                                  <p:childTnLst>
+                                    <p:set>
+                                      <p:cBhvr>
+                                        <p:cTn id="22" dur="1" fill="hold">
+                                          <p:stCondLst>
+                                            <p:cond delay="0"/>
+                                          </p:stCondLst>
+                                        </p:cTn>
+                                        <p:tgtEl>
+                                          <p:spTgt spid="9">
+                                            <p:txEl>
+                                              <p:pRg st="6" end="6"/>
+                                            </p:txEl>
+                                          </p:spTgt>
+                                        </p:tgtEl>
+                                        <p:attrNameLst>
+                                          <p:attrName>style.visibility</p:attrName>
+                                        </p:attrNameLst>
+                                      </p:cBhvr>
+                                      <p:to>
+                                        <p:strVal val="visible"/>
+                                      </p:to>
+                                    </p:set>
+                                  </p:childTnLst>
+                                </p:cTn>
+                              </p:par>
+                            </p:childTnLst>
+                          </p:cTn>
+                        </p:par>
+                      </p:childTnLst>
+                    </p:cTn>
+                  </p:par>
+                  <p:par>
+                    <p:cTn id="23" fill="hold">
+                      <p:stCondLst>
+                        <p:cond delay="indefinite"/>
+                      </p:stCondLst>
+                      <p:childTnLst>
+                        <p:par>
+                          <p:cTn id="24" fill="hold">
+                            <p:stCondLst>
+                              <p:cond delay="0"/>
+                            </p:stCondLst>
+                            <p:childTnLst>
+                              <p:par>
+                                <p:cTn id="25" presetID="1" presetClass="entr" presetSubtype="0" fill="hold" nodeType="clickEffect">
+                                  <p:stCondLst>
+                                    <p:cond delay="0"/>
+                                  </p:stCondLst>
+                                  <p:childTnLst>
+                                    <p:set>
+                                      <p:cBhvr>
+                                        <p:cTn id="26" dur="1" fill="hold">
+                                          <p:stCondLst>
+                                            <p:cond delay="0"/>
+                                          </p:stCondLst>
+                                        </p:cTn>
+                                        <p:tgtEl>
+                                          <p:spTgt spid="9">
+                                            <p:txEl>
+                                              <p:pRg st="7" end="7"/>
+                                            </p:txEl>
+                                          </p:spTgt>
+                                        </p:tgtEl>
+                                        <p:attrNameLst>
+                                          <p:attrName>style.visibility</p:attrName>
+                                        </p:attrNameLst>
+                                      </p:cBhvr>
+                                      <p:to>
+                                        <p:strVal val="visible"/>
+                                      </p:to>
+                                    </p:set>
+                                  </p:childTnLst>
+                                </p:cTn>
+                              </p:par>
+                            </p:childTnLst>
+                          </p:cTn>
+                        </p:par>
+                      </p:childTnLst>
+                    </p:cTn>
+                  </p:par>
+                  <p:par>
+                    <p:cTn id="27" fill="hold">
+                      <p:stCondLst>
+                        <p:cond delay="indefinite"/>
+                      </p:stCondLst>
+                      <p:childTnLst>
+                        <p:par>
+                          <p:cTn id="28" fill="hold">
+                            <p:stCondLst>
+                              <p:cond delay="0"/>
+                            </p:stCondLst>
+                            <p:childTnLst>
+                              <p:par>
+                                <p:cTn id="29" presetID="1" presetClass="entr" presetSubtype="0" fill="hold" nodeType="clickEffect">
+                                  <p:stCondLst>
+                                    <p:cond delay="0"/>
+                                  </p:stCondLst>
+                                  <p:childTnLst>
+                                    <p:set>
+                                      <p:cBhvr>
+                                        <p:cTn id="30" dur="1" fill="hold">
+                                          <p:stCondLst>
+                                            <p:cond delay="0"/>
+                                          </p:stCondLst>
+                                        </p:cTn>
+                                        <p:tgtEl>
+                                          <p:spTgt spid="9">
+                                            <p:txEl>
+                                              <p:pRg st="8" end="8"/>
+                                            </p:txEl>
+                                          </p:spTgt>
+                                        </p:tgtEl>
+                                        <p:attrNameLst>
+                                          <p:attrName>style.visibility</p:attrName>
+                                        </p:attrNameLst>
+                                      </p:cBhvr>
+                                      <p:to>
+                                        <p:strVal val="visible"/>
+                                      </p:to>
+                                    </p:set>
+                                  </p:childTnLst>
+                                </p:cTn>
+                              </p:par>
+                            </p:childTnLst>
+                          </p:cTn>
+                        </p:par>
+                      </p:childTnLst>
+                    </p:cTn>
+                  </p:par>
+                  <p:par>
+                    <p:cTn id="31" fill="hold">
+                      <p:stCondLst>
+                        <p:cond delay="indefinite"/>
+                      </p:stCondLst>
+                      <p:childTnLst>
+                        <p:par>
+                          <p:cTn id="32" fill="hold">
+                            <p:stCondLst>
+                              <p:cond delay="0"/>
+                            </p:stCondLst>
+                            <p:childTnLst>
+                              <p:par>
+                                <p:cTn id="33" presetID="1" presetClass="entr" presetSubtype="0" fill="hold" nodeType="clickEffect">
+                                  <p:stCondLst>
+                                    <p:cond delay="0"/>
+                                  </p:stCondLst>
+                                  <p:childTnLst>
+                                    <p:set>
+                                      <p:cBhvr>
+                                        <p:cTn id="34" dur="1" fill="hold">
+                                          <p:stCondLst>
+                                            <p:cond delay="0"/>
+                                          </p:stCondLst>
+                                        </p:cTn>
+                                        <p:tgtEl>
+                                          <p:spTgt spid="9">
+                                            <p:txEl>
+                                              <p:pRg st="9" end="9"/>
+                                            </p:txEl>
+                                          </p:spTgt>
+                                        </p:tgtEl>
+                                        <p:attrNameLst>
+                                          <p:attrName>style.visibility</p:attrName>
+                                        </p:attrNameLst>
+                                      </p:cBhvr>
+                                      <p:to>
+                                        <p:strVal val="visible"/>
+                                      </p:to>
+                                    </p:set>
+                                  </p:childTnLst>
+                                </p:cTn>
+                              </p:par>
+                            </p:childTnLst>
+                          </p:cTn>
+                        </p:par>
+                      </p:childTnLst>
+                    </p:cTn>
+                  </p:par>
+                </p:childTnLst>
+              </p:cTn>
+              <p:prevCondLst>
+                <p:cond evt="onPrev" delay="0">
+                  <p:tgtEl>
+                    <p:sldTgt/>
+                  </p:tgtEl>
+                </p:cond>
+              </p:prevCondLst>
+              <p:nextCondLst>
+                <p:cond evt="onNext" delay="0">
+                  <p:tgtEl>
+                    <p:sldTgt/>
+                  </p:tgtEl>
+                </p:cond>
+              </p:nextCondLst>
+            </p:seq>
+          </p:childTnLst>
+        </p:cTn>
       </p:par>
     </p:tnLst>
   </p:timing>
@@ -7394,51 +12783,182 @@
           <a:chExt cx="0" cy="0"/>
         </a:xfrm>
       </p:grpSpPr>
-      <p:pic>
-        <p:nvPicPr>
-          <p:cNvPr id="2050" name="Picture 2" descr="https://upload.wikimedia.org/wikipedia/commons/thumb/3/34/Android_Studio_icon.svg/1000px-Android_Studio_icon.svg.png"/>
-          <p:cNvPicPr>
-            <a:picLocks noChangeAspect="1" noChangeArrowheads="1"/>
-          </p:cNvPicPr>
-          <p:nvPr/>
-        </p:nvPicPr>
-        <p:blipFill>
-          <a:blip r:embed="rId2">
-            <a:extLst>
-              <a:ext uri="{28A0092B-C50C-407E-A947-70E740481C1C}">
-                <a14:useLocalDpi xmlns:a14="http://schemas.microsoft.com/office/drawing/2010/main" val="0"/>
-              </a:ext>
-            </a:extLst>
-          </a:blip>
-          <a:srcRect/>
-          <a:stretch>
-            <a:fillRect/>
-          </a:stretch>
-        </p:blipFill>
-        <p:spPr bwMode="auto">
+      <p:sp>
+        <p:nvSpPr>
+          <p:cNvPr id="2" name="Datumsplatzhalter 1"/>
+          <p:cNvSpPr>
+            <a:spLocks noGrp="1"/>
+          </p:cNvSpPr>
+          <p:nvPr>
+            <p:ph type="dt" sz="half" idx="10"/>
+          </p:nvPr>
+        </p:nvSpPr>
+        <p:spPr/>
+        <p:txBody>
+          <a:bodyPr/>
+          <a:lstStyle/>
+          <a:p>
+            <a:fld id="{60304490-4D7B-4CB0-AD76-0A4D4B224109}" type="datetime1">
+              <a:rPr lang="de-DE" smtClean="0">
+                <a:solidFill>
+                  <a:prstClr val="black">
+                    <a:lumMod val="75000"/>
+                    <a:lumOff val="25000"/>
+                  </a:prstClr>
+                </a:solidFill>
+              </a:rPr>
+              <a:pPr/>
+              <a:t>25.05.2017</a:t>
+            </a:fld>
+            <a:endParaRPr lang="de-DE">
+              <a:solidFill>
+                <a:prstClr val="black">
+                  <a:lumMod val="75000"/>
+                  <a:lumOff val="25000"/>
+                </a:prstClr>
+              </a:solidFill>
+            </a:endParaRPr>
+          </a:p>
+        </p:txBody>
+      </p:sp>
+      <p:sp>
+        <p:nvSpPr>
+          <p:cNvPr id="3" name="Foliennummernplatzhalter 2"/>
+          <p:cNvSpPr>
+            <a:spLocks noGrp="1"/>
+          </p:cNvSpPr>
+          <p:nvPr>
+            <p:ph type="sldNum" sz="quarter" idx="12"/>
+          </p:nvPr>
+        </p:nvSpPr>
+        <p:spPr/>
+        <p:txBody>
+          <a:bodyPr/>
+          <a:lstStyle/>
+          <a:p>
+            <a:fld id="{21C2AFE0-40E6-4211-92A5-D87BCC1E356D}" type="slidenum">
+              <a:rPr lang="de-DE" smtClean="0">
+                <a:solidFill>
+                  <a:prstClr val="black">
+                    <a:lumMod val="75000"/>
+                    <a:lumOff val="25000"/>
+                  </a:prstClr>
+                </a:solidFill>
+              </a:rPr>
+              <a:pPr/>
+              <a:t>9</a:t>
+            </a:fld>
+            <a:endParaRPr lang="de-DE">
+              <a:solidFill>
+                <a:prstClr val="black">
+                  <a:lumMod val="75000"/>
+                  <a:lumOff val="25000"/>
+                </a:prstClr>
+              </a:solidFill>
+            </a:endParaRPr>
+          </a:p>
+        </p:txBody>
+      </p:sp>
+      <p:sp>
+        <p:nvSpPr>
+          <p:cNvPr id="4" name="Inhaltsplatzhalter 3"/>
+          <p:cNvSpPr>
+            <a:spLocks noGrp="1"/>
+          </p:cNvSpPr>
+          <p:nvPr>
+            <p:ph sz="half" idx="1"/>
+          </p:nvPr>
+        </p:nvSpPr>
+        <p:spPr>
           <a:xfrm>
-            <a:off x="2834426" y="167426"/>
-            <a:ext cx="6523149" cy="6523149"/>
+            <a:off x="1097279" y="1845734"/>
+            <a:ext cx="10115204" cy="4023360"/>
           </a:xfrm>
-          <a:prstGeom prst="rect">
-            <a:avLst/>
-          </a:prstGeom>
-          <a:noFill/>
-          <a:extLst>
-            <a:ext uri="{909E8E84-426E-40DD-AFC4-6F175D3DCCD1}">
-              <a14:hiddenFill xmlns:a14="http://schemas.microsoft.com/office/drawing/2010/main">
-                <a:solidFill>
-                  <a:srgbClr val="FFFFFF"/>
-                </a:solidFill>
-              </a14:hiddenFill>
-            </a:ext>
-          </a:extLst>
         </p:spPr>
-      </p:pic>
+        <p:txBody>
+          <a:bodyPr/>
+          <a:lstStyle/>
+          <a:p>
+            <a:pPr lvl="0">
+              <a:buFont typeface="Arial" panose="020B0604020202020204" pitchFamily="34" charset="0"/>
+              <a:buChar char="•"/>
+            </a:pPr>
+            <a:endParaRPr lang="de-DE" dirty="0"/>
+          </a:p>
+          <a:p>
+            <a:pPr lvl="0">
+              <a:buFont typeface="Arial" panose="020B0604020202020204" pitchFamily="34" charset="0"/>
+              <a:buChar char="•"/>
+            </a:pPr>
+            <a:endParaRPr lang="de-DE" dirty="0"/>
+          </a:p>
+          <a:p>
+            <a:pPr marL="0" lvl="0" indent="0">
+              <a:buNone/>
+            </a:pPr>
+            <a:endParaRPr lang="de-DE" dirty="0"/>
+          </a:p>
+          <a:p>
+            <a:pPr lvl="1">
+              <a:buFont typeface="Arial" panose="020B0604020202020204" pitchFamily="34" charset="0"/>
+              <a:buChar char="•"/>
+            </a:pPr>
+            <a:r>
+              <a:rPr lang="de-DE" dirty="0"/>
+              <a:t> Bluetooth </a:t>
+            </a:r>
+          </a:p>
+          <a:p>
+            <a:pPr lvl="1">
+              <a:buFont typeface="Arial" panose="020B0604020202020204" pitchFamily="34" charset="0"/>
+              <a:buChar char="•"/>
+            </a:pPr>
+            <a:r>
+              <a:rPr lang="de-DE" dirty="0"/>
+              <a:t> RFID</a:t>
+            </a:r>
+          </a:p>
+          <a:p>
+            <a:pPr lvl="1">
+              <a:buFont typeface="Arial" panose="020B0604020202020204" pitchFamily="34" charset="0"/>
+              <a:buChar char="•"/>
+            </a:pPr>
+            <a:r>
+              <a:rPr lang="de-DE" dirty="0"/>
+              <a:t> iBeacon</a:t>
+            </a:r>
+          </a:p>
+          <a:p>
+            <a:endParaRPr lang="de-DE" dirty="0"/>
+          </a:p>
+        </p:txBody>
+      </p:sp>
+      <p:sp>
+        <p:nvSpPr>
+          <p:cNvPr id="6" name="Titel 5"/>
+          <p:cNvSpPr>
+            <a:spLocks noGrp="1"/>
+          </p:cNvSpPr>
+          <p:nvPr>
+            <p:ph type="title"/>
+          </p:nvPr>
+        </p:nvSpPr>
+        <p:spPr/>
+        <p:txBody>
+          <a:bodyPr/>
+          <a:lstStyle/>
+          <a:p>
+            <a:r>
+              <a:rPr lang="de-DE" dirty="0"/>
+              <a:t>NFC im Vergleich zu….</a:t>
+            </a:r>
+          </a:p>
+        </p:txBody>
+      </p:sp>
     </p:spTree>
     <p:extLst>
       <p:ext uri="{BB962C8B-B14F-4D97-AF65-F5344CB8AC3E}">
-        <p14:creationId xmlns:p14="http://schemas.microsoft.com/office/powerpoint/2010/main" val="232097317"/>
+        <p14:creationId xmlns:p14="http://schemas.microsoft.com/office/powerpoint/2010/main" val="4088397001"/>
       </p:ext>
     </p:extLst>
   </p:cSld>
@@ -7448,7 +12968,177 @@
   <p:timing>
     <p:tnLst>
       <p:par>
-        <p:cTn id="1" dur="indefinite" restart="never" nodeType="tmRoot"/>
+        <p:cTn id="1" dur="indefinite" restart="never" nodeType="tmRoot">
+          <p:childTnLst>
+            <p:seq concurrent="1" nextAc="seek">
+              <p:cTn id="2" dur="indefinite" nodeType="mainSeq">
+                <p:childTnLst>
+                  <p:par>
+                    <p:cTn id="3" fill="hold">
+                      <p:stCondLst>
+                        <p:cond delay="indefinite"/>
+                      </p:stCondLst>
+                      <p:childTnLst>
+                        <p:par>
+                          <p:cTn id="4" fill="hold">
+                            <p:stCondLst>
+                              <p:cond delay="0"/>
+                            </p:stCondLst>
+                            <p:childTnLst>
+                              <p:par>
+                                <p:cTn id="5" presetID="1" presetClass="entr" presetSubtype="0" fill="hold" nodeType="clickEffect">
+                                  <p:stCondLst>
+                                    <p:cond delay="0"/>
+                                  </p:stCondLst>
+                                  <p:childTnLst>
+                                    <p:set>
+                                      <p:cBhvr>
+                                        <p:cTn id="6" dur="1" fill="hold">
+                                          <p:stCondLst>
+                                            <p:cond delay="0"/>
+                                          </p:stCondLst>
+                                        </p:cTn>
+                                        <p:tgtEl>
+                                          <p:spTgt spid="4">
+                                            <p:txEl>
+                                              <p:pRg st="3" end="3"/>
+                                            </p:txEl>
+                                          </p:spTgt>
+                                        </p:tgtEl>
+                                        <p:attrNameLst>
+                                          <p:attrName>style.visibility</p:attrName>
+                                        </p:attrNameLst>
+                                      </p:cBhvr>
+                                      <p:to>
+                                        <p:strVal val="visible"/>
+                                      </p:to>
+                                    </p:set>
+                                  </p:childTnLst>
+                                </p:cTn>
+                              </p:par>
+                            </p:childTnLst>
+                          </p:cTn>
+                        </p:par>
+                      </p:childTnLst>
+                    </p:cTn>
+                  </p:par>
+                  <p:par>
+                    <p:cTn id="7" fill="hold">
+                      <p:stCondLst>
+                        <p:cond delay="indefinite"/>
+                      </p:stCondLst>
+                      <p:childTnLst>
+                        <p:par>
+                          <p:cTn id="8" fill="hold">
+                            <p:stCondLst>
+                              <p:cond delay="0"/>
+                            </p:stCondLst>
+                            <p:childTnLst>
+                              <p:par>
+                                <p:cTn id="9" presetID="1" presetClass="entr" presetSubtype="0" fill="hold" nodeType="clickEffect">
+                                  <p:stCondLst>
+                                    <p:cond delay="0"/>
+                                  </p:stCondLst>
+                                  <p:childTnLst>
+                                    <p:set>
+                                      <p:cBhvr>
+                                        <p:cTn id="10" dur="1" fill="hold">
+                                          <p:stCondLst>
+                                            <p:cond delay="0"/>
+                                          </p:stCondLst>
+                                        </p:cTn>
+                                        <p:tgtEl>
+                                          <p:spTgt spid="4">
+                                            <p:txEl>
+                                              <p:pRg st="4" end="4"/>
+                                            </p:txEl>
+                                          </p:spTgt>
+                                        </p:tgtEl>
+                                        <p:attrNameLst>
+                                          <p:attrName>style.visibility</p:attrName>
+                                        </p:attrNameLst>
+                                      </p:cBhvr>
+                                      <p:to>
+                                        <p:strVal val="visible"/>
+                                      </p:to>
+                                    </p:set>
+                                  </p:childTnLst>
+                                </p:cTn>
+                              </p:par>
+                            </p:childTnLst>
+                          </p:cTn>
+                        </p:par>
+                      </p:childTnLst>
+                    </p:cTn>
+                  </p:par>
+                  <p:par>
+                    <p:cTn id="11" fill="hold">
+                      <p:stCondLst>
+                        <p:cond delay="indefinite"/>
+                      </p:stCondLst>
+                      <p:childTnLst>
+                        <p:par>
+                          <p:cTn id="12" fill="hold">
+                            <p:stCondLst>
+                              <p:cond delay="0"/>
+                            </p:stCondLst>
+                            <p:childTnLst>
+                              <p:par>
+                                <p:cTn id="13" presetID="1" presetClass="entr" presetSubtype="0" fill="hold" nodeType="clickEffect">
+                                  <p:stCondLst>
+                                    <p:cond delay="0"/>
+                                  </p:stCondLst>
+                                  <p:childTnLst>
+                                    <p:set>
+                                      <p:cBhvr>
+                                        <p:cTn id="14" dur="1" fill="hold">
+                                          <p:stCondLst>
+                                            <p:cond delay="0"/>
+                                          </p:stCondLst>
+                                        </p:cTn>
+                                        <p:tgtEl>
+                                          <p:spTgt spid="4">
+                                            <p:txEl>
+                                              <p:pRg st="5" end="5"/>
+                                            </p:txEl>
+                                          </p:spTgt>
+                                        </p:tgtEl>
+                                        <p:attrNameLst>
+                                          <p:attrName>style.visibility</p:attrName>
+                                        </p:attrNameLst>
+                                      </p:cBhvr>
+                                      <p:to>
+                                        <p:strVal val="visible"/>
+                                      </p:to>
+                                    </p:set>
+                                  </p:childTnLst>
+                                </p:cTn>
+                              </p:par>
+                            </p:childTnLst>
+                          </p:cTn>
+                        </p:par>
+                      </p:childTnLst>
+                    </p:cTn>
+                  </p:par>
+                </p:childTnLst>
+              </p:cTn>
+              <p:prevCondLst>
+                <p:cond evt="onPrev" delay="0">
+                  <p:tgtEl>
+                    <p:sldTgt/>
+                  </p:tgtEl>
+                </p:cond>
+              </p:prevCondLst>
+              <p:nextCondLst>
+                <p:cond evt="onNext" delay="0">
+                  <p:tgtEl>
+                    <p:sldTgt/>
+                  </p:tgtEl>
+                </p:cond>
+              </p:nextCondLst>
+            </p:seq>
+          </p:childTnLst>
+        </p:cTn>
       </p:par>
     </p:tnLst>
   </p:timing>
